--- a/aws-vpc/aws-vpc.pptx
+++ b/aws-vpc/aws-vpc.pptx
@@ -5,39 +5,42 @@
     <p:sldMasterId id="2147483677" r:id="rId1"/>
   </p:sldMasterIdLst>
   <p:notesMasterIdLst>
-    <p:notesMasterId r:id="rId32"/>
+    <p:notesMasterId r:id="rId35"/>
   </p:notesMasterIdLst>
   <p:sldIdLst>
     <p:sldId id="312" r:id="rId2"/>
     <p:sldId id="277" r:id="rId3"/>
     <p:sldId id="310" r:id="rId4"/>
     <p:sldId id="283" r:id="rId5"/>
-    <p:sldId id="285" r:id="rId6"/>
-    <p:sldId id="286" r:id="rId7"/>
-    <p:sldId id="287" r:id="rId8"/>
-    <p:sldId id="289" r:id="rId9"/>
-    <p:sldId id="291" r:id="rId10"/>
-    <p:sldId id="292" r:id="rId11"/>
-    <p:sldId id="293" r:id="rId12"/>
-    <p:sldId id="294" r:id="rId13"/>
-    <p:sldId id="295" r:id="rId14"/>
-    <p:sldId id="300" r:id="rId15"/>
-    <p:sldId id="301" r:id="rId16"/>
-    <p:sldId id="296" r:id="rId17"/>
-    <p:sldId id="298" r:id="rId18"/>
-    <p:sldId id="288" r:id="rId19"/>
-    <p:sldId id="299" r:id="rId20"/>
-    <p:sldId id="290" r:id="rId21"/>
-    <p:sldId id="302" r:id="rId22"/>
-    <p:sldId id="297" r:id="rId23"/>
-    <p:sldId id="303" r:id="rId24"/>
-    <p:sldId id="307" r:id="rId25"/>
-    <p:sldId id="304" r:id="rId26"/>
-    <p:sldId id="308" r:id="rId27"/>
-    <p:sldId id="306" r:id="rId28"/>
-    <p:sldId id="309" r:id="rId29"/>
-    <p:sldId id="305" r:id="rId30"/>
-    <p:sldId id="311" r:id="rId31"/>
+    <p:sldId id="313" r:id="rId6"/>
+    <p:sldId id="316" r:id="rId7"/>
+    <p:sldId id="285" r:id="rId8"/>
+    <p:sldId id="314" r:id="rId9"/>
+    <p:sldId id="315" r:id="rId10"/>
+    <p:sldId id="286" r:id="rId11"/>
+    <p:sldId id="289" r:id="rId12"/>
+    <p:sldId id="291" r:id="rId13"/>
+    <p:sldId id="292" r:id="rId14"/>
+    <p:sldId id="293" r:id="rId15"/>
+    <p:sldId id="294" r:id="rId16"/>
+    <p:sldId id="295" r:id="rId17"/>
+    <p:sldId id="300" r:id="rId18"/>
+    <p:sldId id="301" r:id="rId19"/>
+    <p:sldId id="296" r:id="rId20"/>
+    <p:sldId id="298" r:id="rId21"/>
+    <p:sldId id="288" r:id="rId22"/>
+    <p:sldId id="299" r:id="rId23"/>
+    <p:sldId id="290" r:id="rId24"/>
+    <p:sldId id="302" r:id="rId25"/>
+    <p:sldId id="297" r:id="rId26"/>
+    <p:sldId id="303" r:id="rId27"/>
+    <p:sldId id="307" r:id="rId28"/>
+    <p:sldId id="304" r:id="rId29"/>
+    <p:sldId id="308" r:id="rId30"/>
+    <p:sldId id="306" r:id="rId31"/>
+    <p:sldId id="309" r:id="rId32"/>
+    <p:sldId id="305" r:id="rId33"/>
+    <p:sldId id="311" r:id="rId34"/>
   </p:sldIdLst>
   <p:sldSz cx="9144000" cy="6858000" type="screen4x3"/>
   <p:notesSz cx="6858000" cy="9144000"/>
@@ -221,7 +224,7 @@
           <a:p>
             <a:fld id="{1B6676A5-1300-B945-98B1-DD92DDC3A3CB}" type="datetimeFigureOut">
               <a:rPr lang="en-US" smtClean="0"/>
-              <a:t>4/20/15</a:t>
+              <a:t>4/23/15</a:t>
             </a:fld>
             <a:endParaRPr lang="en-US"/>
           </a:p>
@@ -617,30 +620,6 @@
           <a:bodyPr/>
           <a:lstStyle/>
           <a:p>
-            <a:r>
-              <a:rPr lang="en-US" dirty="0" smtClean="0"/>
-              <a:t>Presenter’s Notes:</a:t>
-            </a:r>
-          </a:p>
-          <a:p>
-            <a:pPr marL="171450" indent="-171450">
-              <a:buFont typeface="Arial"/>
-              <a:buChar char="•"/>
-            </a:pPr>
-            <a:r>
-              <a:rPr lang="en-US" dirty="0" smtClean="0"/>
-              <a:t>I’d prefer to isolate resources based</a:t>
-            </a:r>
-            <a:r>
-              <a:rPr lang="en-US" baseline="0" dirty="0" smtClean="0"/>
-              <a:t> on tag as opposed to VPC membership, if needed</a:t>
-            </a:r>
-          </a:p>
-          <a:p>
-            <a:pPr marL="0" indent="0">
-              <a:buFont typeface="Arial"/>
-              <a:buNone/>
-            </a:pPr>
             <a:endParaRPr lang="en-US" dirty="0" smtClean="0"/>
           </a:p>
         </p:txBody>
@@ -725,7 +704,32 @@
           <a:bodyPr/>
           <a:lstStyle/>
           <a:p>
-            <a:endParaRPr lang="en-US" dirty="0" smtClean="0"/>
+            <a:r>
+              <a:rPr lang="en-US" dirty="0" smtClean="0"/>
+              <a:t>Reference:</a:t>
+            </a:r>
+          </a:p>
+          <a:p>
+            <a:r>
+              <a:rPr lang="en-US" dirty="0" smtClean="0"/>
+              <a:t>http://</a:t>
+            </a:r>
+            <a:r>
+              <a:rPr lang="en-US" dirty="0" err="1" smtClean="0"/>
+              <a:t>www.slideshare.net</a:t>
+            </a:r>
+            <a:r>
+              <a:rPr lang="en-US" dirty="0" smtClean="0"/>
+              <a:t>/</a:t>
+            </a:r>
+            <a:r>
+              <a:rPr lang="en-US" dirty="0" err="1" smtClean="0"/>
+              <a:t>AmazonWebServices</a:t>
+            </a:r>
+            <a:r>
+              <a:rPr lang="en-US" dirty="0" smtClean="0"/>
+              <a:t>/cpn208selecting-the-best-vpc-network-architecture-cpn208-aws-reinvent-2013</a:t>
+            </a:r>
           </a:p>
         </p:txBody>
       </p:sp>
@@ -809,6 +813,95 @@
           <a:bodyPr/>
           <a:lstStyle/>
           <a:p>
+            <a:r>
+              <a:rPr lang="en-US" dirty="0" smtClean="0"/>
+              <a:t>Reference:</a:t>
+            </a:r>
+          </a:p>
+          <a:p>
+            <a:r>
+              <a:rPr lang="en-US" dirty="0" smtClean="0"/>
+              <a:t>http://</a:t>
+            </a:r>
+            <a:r>
+              <a:rPr lang="en-US" dirty="0" err="1" smtClean="0"/>
+              <a:t>www.slideshare.net</a:t>
+            </a:r>
+            <a:r>
+              <a:rPr lang="en-US" dirty="0" smtClean="0"/>
+              <a:t>/</a:t>
+            </a:r>
+            <a:r>
+              <a:rPr lang="en-US" dirty="0" err="1" smtClean="0"/>
+              <a:t>AmazonWebServices</a:t>
+            </a:r>
+            <a:r>
+              <a:rPr lang="en-US" dirty="0" smtClean="0"/>
+              <a:t>/cpn208selecting-the-best-vpc-network-architecture-cpn208-aws-reinvent-2013</a:t>
+            </a:r>
+          </a:p>
+          <a:p>
+            <a:r>
+              <a:rPr lang="en-US" dirty="0" smtClean="0"/>
+              <a:t>Additional Complexity, as result of multiple Virtual Private</a:t>
+            </a:r>
+            <a:r>
+              <a:rPr lang="en-US" baseline="0" dirty="0" smtClean="0"/>
+              <a:t> Gateways needing one endpoint</a:t>
+            </a:r>
+            <a:r>
+              <a:rPr lang="en-US" dirty="0" smtClean="0"/>
+              <a:t>: https://</a:t>
+            </a:r>
+            <a:r>
+              <a:rPr lang="en-US" dirty="0" err="1" smtClean="0"/>
+              <a:t>aws.amazon.com</a:t>
+            </a:r>
+            <a:r>
+              <a:rPr lang="en-US" dirty="0" smtClean="0"/>
+              <a:t>/articles/5458758371599914</a:t>
+            </a:r>
+          </a:p>
+          <a:p>
+            <a:endParaRPr lang="en-US" dirty="0" smtClean="0"/>
+          </a:p>
+          <a:p>
+            <a:r>
+              <a:rPr lang="en-US" dirty="0" smtClean="0"/>
+              <a:t>Allow </a:t>
+            </a:r>
+            <a:r>
+              <a:rPr lang="en-US" baseline="0" dirty="0" smtClean="0"/>
+              <a:t>Launch of EC2 Resources only in Specified VPC: http://</a:t>
+            </a:r>
+            <a:r>
+              <a:rPr lang="en-US" baseline="0" dirty="0" err="1" smtClean="0"/>
+              <a:t>docs.aws.amazon.com</a:t>
+            </a:r>
+            <a:r>
+              <a:rPr lang="en-US" baseline="0" dirty="0" smtClean="0"/>
+              <a:t>/</a:t>
+            </a:r>
+            <a:r>
+              <a:rPr lang="en-US" baseline="0" dirty="0" err="1" smtClean="0"/>
+              <a:t>AmazonVPC</a:t>
+            </a:r>
+            <a:r>
+              <a:rPr lang="en-US" baseline="0" dirty="0" smtClean="0"/>
+              <a:t>/latest/</a:t>
+            </a:r>
+            <a:r>
+              <a:rPr lang="en-US" baseline="0" dirty="0" err="1" smtClean="0"/>
+              <a:t>UserGuide</a:t>
+            </a:r>
+            <a:r>
+              <a:rPr lang="en-US" baseline="0" dirty="0" smtClean="0"/>
+              <a:t>/</a:t>
+            </a:r>
+            <a:r>
+              <a:rPr lang="en-US" baseline="0" dirty="0" err="1" smtClean="0"/>
+              <a:t>VPC_IAM.html#subnet-ami-example-iam</a:t>
+            </a:r>
             <a:endParaRPr lang="en-US" dirty="0" smtClean="0"/>
           </a:p>
         </p:txBody>
@@ -893,6 +986,30 @@
           <a:bodyPr/>
           <a:lstStyle/>
           <a:p>
+            <a:r>
+              <a:rPr lang="en-US" dirty="0" smtClean="0"/>
+              <a:t>Presenter’s Notes:</a:t>
+            </a:r>
+          </a:p>
+          <a:p>
+            <a:pPr marL="171450" indent="-171450">
+              <a:buFont typeface="Arial"/>
+              <a:buChar char="•"/>
+            </a:pPr>
+            <a:r>
+              <a:rPr lang="en-US" dirty="0" smtClean="0"/>
+              <a:t>I’d prefer to isolate resources based</a:t>
+            </a:r>
+            <a:r>
+              <a:rPr lang="en-US" baseline="0" dirty="0" smtClean="0"/>
+              <a:t> on tag as opposed to VPC membership, if needed</a:t>
+            </a:r>
+          </a:p>
+          <a:p>
+            <a:pPr marL="0" indent="0">
+              <a:buFont typeface="Arial"/>
+              <a:buNone/>
+            </a:pPr>
             <a:endParaRPr lang="en-US" dirty="0" smtClean="0"/>
           </a:p>
         </p:txBody>
@@ -1229,136 +1346,7 @@
           <a:bodyPr/>
           <a:lstStyle/>
           <a:p>
-            <a:pPr marL="171450" marR="0" indent="-171450" algn="l" defTabSz="457200" rtl="0" eaLnBrk="1" fontAlgn="auto" latinLnBrk="0" hangingPunct="1">
-              <a:lnSpc>
-                <a:spcPct val="100000"/>
-              </a:lnSpc>
-              <a:spcBef>
-                <a:spcPts val="0"/>
-              </a:spcBef>
-              <a:spcAft>
-                <a:spcPts val="0"/>
-              </a:spcAft>
-              <a:buClrTx/>
-              <a:buSzTx/>
-              <a:buFont typeface="Arial"/>
-              <a:buChar char="•"/>
-              <a:tabLst/>
-              <a:defRPr/>
-            </a:pPr>
-            <a:r>
-              <a:rPr lang="en-US" baseline="0" dirty="0" smtClean="0"/>
-              <a:t>List of VPC Direct Connect Locations: </a:t>
-            </a:r>
-            <a:r>
-              <a:rPr lang="en-US" dirty="0" smtClean="0">
-                <a:hlinkClick r:id="rId3"/>
-              </a:rPr>
-              <a:t>http://aws.amazon.com/directconnect/details/</a:t>
-            </a:r>
             <a:endParaRPr lang="en-US" dirty="0" smtClean="0"/>
-          </a:p>
-          <a:p>
-            <a:pPr marL="171450" indent="-171450">
-              <a:buFont typeface="Arial"/>
-              <a:buChar char="•"/>
-            </a:pPr>
-            <a:r>
-              <a:rPr lang="en-US" baseline="0" dirty="0" smtClean="0"/>
-              <a:t>Variable Speeds: http://</a:t>
-            </a:r>
-            <a:r>
-              <a:rPr lang="en-US" baseline="0" dirty="0" err="1" smtClean="0"/>
-              <a:t>aws.amazon.com</a:t>
-            </a:r>
-            <a:r>
-              <a:rPr lang="en-US" baseline="0" dirty="0" smtClean="0"/>
-              <a:t>/</a:t>
-            </a:r>
-            <a:r>
-              <a:rPr lang="en-US" baseline="0" dirty="0" err="1" smtClean="0"/>
-              <a:t>directconnect</a:t>
-            </a:r>
-            <a:r>
-              <a:rPr lang="en-US" baseline="0" dirty="0" smtClean="0"/>
-              <a:t>/</a:t>
-            </a:r>
-            <a:r>
-              <a:rPr lang="en-US" baseline="0" dirty="0" err="1" smtClean="0"/>
-              <a:t>faqs</a:t>
-            </a:r>
-            <a:r>
-              <a:rPr lang="en-US" baseline="0" dirty="0" smtClean="0"/>
-              <a:t>/</a:t>
-            </a:r>
-          </a:p>
-          <a:p>
-            <a:endParaRPr lang="en-US" baseline="0" dirty="0" smtClean="0"/>
-          </a:p>
-          <a:p>
-            <a:r>
-              <a:rPr lang="en-US" baseline="0" dirty="0" smtClean="0"/>
-              <a:t>One Direct Connect for all US Regions: https://</a:t>
-            </a:r>
-            <a:r>
-              <a:rPr lang="en-US" baseline="0" dirty="0" err="1" smtClean="0"/>
-              <a:t>aws.amazon.com</a:t>
-            </a:r>
-            <a:r>
-              <a:rPr lang="en-US" baseline="0" dirty="0" smtClean="0"/>
-              <a:t>/blogs/</a:t>
-            </a:r>
-            <a:r>
-              <a:rPr lang="en-US" baseline="0" dirty="0" err="1" smtClean="0"/>
-              <a:t>aws</a:t>
-            </a:r>
-            <a:r>
-              <a:rPr lang="en-US" baseline="0" dirty="0" smtClean="0"/>
-              <a:t>/</a:t>
-            </a:r>
-            <a:r>
-              <a:rPr lang="en-US" baseline="0" dirty="0" err="1" smtClean="0"/>
-              <a:t>aws</a:t>
-            </a:r>
-            <a:r>
-              <a:rPr lang="en-US" baseline="0" dirty="0" smtClean="0"/>
-              <a:t>-direct-connect-access-to-multiple-us-regions/</a:t>
-            </a:r>
-          </a:p>
-          <a:p>
-            <a:endParaRPr lang="en-US" dirty="0" smtClean="0"/>
-          </a:p>
-          <a:p>
-            <a:r>
-              <a:rPr lang="en-US" dirty="0" smtClean="0"/>
-              <a:t>References:</a:t>
-            </a:r>
-          </a:p>
-          <a:p>
-            <a:pPr marL="171450" indent="-171450">
-              <a:buFont typeface="Arial"/>
-              <a:buChar char="•"/>
-            </a:pPr>
-            <a:r>
-              <a:rPr lang="en-US" dirty="0" smtClean="0"/>
-              <a:t>http://</a:t>
-            </a:r>
-            <a:r>
-              <a:rPr lang="en-US" dirty="0" err="1" smtClean="0"/>
-              <a:t>aws.amazon.com</a:t>
-            </a:r>
-            <a:r>
-              <a:rPr lang="en-US" dirty="0" smtClean="0"/>
-              <a:t>/</a:t>
-            </a:r>
-            <a:r>
-              <a:rPr lang="en-US" dirty="0" err="1" smtClean="0"/>
-              <a:t>directconnect</a:t>
-            </a:r>
-            <a:r>
-              <a:rPr lang="en-US" dirty="0" smtClean="0"/>
-              <a:t>/details/</a:t>
-            </a:r>
           </a:p>
         </p:txBody>
       </p:sp>
@@ -1442,136 +1430,7 @@
           <a:bodyPr/>
           <a:lstStyle/>
           <a:p>
-            <a:pPr marL="171450" marR="0" indent="-171450" algn="l" defTabSz="457200" rtl="0" eaLnBrk="1" fontAlgn="auto" latinLnBrk="0" hangingPunct="1">
-              <a:lnSpc>
-                <a:spcPct val="100000"/>
-              </a:lnSpc>
-              <a:spcBef>
-                <a:spcPts val="0"/>
-              </a:spcBef>
-              <a:spcAft>
-                <a:spcPts val="0"/>
-              </a:spcAft>
-              <a:buClrTx/>
-              <a:buSzTx/>
-              <a:buFont typeface="Arial"/>
-              <a:buChar char="•"/>
-              <a:tabLst/>
-              <a:defRPr/>
-            </a:pPr>
-            <a:r>
-              <a:rPr lang="en-US" baseline="0" dirty="0" smtClean="0"/>
-              <a:t>List of VPC Direct Connect Locations: </a:t>
-            </a:r>
-            <a:r>
-              <a:rPr lang="en-US" dirty="0" smtClean="0">
-                <a:hlinkClick r:id="rId3"/>
-              </a:rPr>
-              <a:t>http://aws.amazon.com/directconnect/details/</a:t>
-            </a:r>
             <a:endParaRPr lang="en-US" dirty="0" smtClean="0"/>
-          </a:p>
-          <a:p>
-            <a:pPr marL="171450" indent="-171450">
-              <a:buFont typeface="Arial"/>
-              <a:buChar char="•"/>
-            </a:pPr>
-            <a:r>
-              <a:rPr lang="en-US" baseline="0" dirty="0" smtClean="0"/>
-              <a:t>Variable Speeds: http://</a:t>
-            </a:r>
-            <a:r>
-              <a:rPr lang="en-US" baseline="0" dirty="0" err="1" smtClean="0"/>
-              <a:t>aws.amazon.com</a:t>
-            </a:r>
-            <a:r>
-              <a:rPr lang="en-US" baseline="0" dirty="0" smtClean="0"/>
-              <a:t>/</a:t>
-            </a:r>
-            <a:r>
-              <a:rPr lang="en-US" baseline="0" dirty="0" err="1" smtClean="0"/>
-              <a:t>directconnect</a:t>
-            </a:r>
-            <a:r>
-              <a:rPr lang="en-US" baseline="0" dirty="0" smtClean="0"/>
-              <a:t>/</a:t>
-            </a:r>
-            <a:r>
-              <a:rPr lang="en-US" baseline="0" dirty="0" err="1" smtClean="0"/>
-              <a:t>faqs</a:t>
-            </a:r>
-            <a:r>
-              <a:rPr lang="en-US" baseline="0" dirty="0" smtClean="0"/>
-              <a:t>/</a:t>
-            </a:r>
-          </a:p>
-          <a:p>
-            <a:endParaRPr lang="en-US" baseline="0" dirty="0" smtClean="0"/>
-          </a:p>
-          <a:p>
-            <a:r>
-              <a:rPr lang="en-US" baseline="0" dirty="0" smtClean="0"/>
-              <a:t>One Direct Connect for all US Regions: https://</a:t>
-            </a:r>
-            <a:r>
-              <a:rPr lang="en-US" baseline="0" dirty="0" err="1" smtClean="0"/>
-              <a:t>aws.amazon.com</a:t>
-            </a:r>
-            <a:r>
-              <a:rPr lang="en-US" baseline="0" dirty="0" smtClean="0"/>
-              <a:t>/blogs/</a:t>
-            </a:r>
-            <a:r>
-              <a:rPr lang="en-US" baseline="0" dirty="0" err="1" smtClean="0"/>
-              <a:t>aws</a:t>
-            </a:r>
-            <a:r>
-              <a:rPr lang="en-US" baseline="0" dirty="0" smtClean="0"/>
-              <a:t>/</a:t>
-            </a:r>
-            <a:r>
-              <a:rPr lang="en-US" baseline="0" dirty="0" err="1" smtClean="0"/>
-              <a:t>aws</a:t>
-            </a:r>
-            <a:r>
-              <a:rPr lang="en-US" baseline="0" dirty="0" smtClean="0"/>
-              <a:t>-direct-connect-access-to-multiple-us-regions/</a:t>
-            </a:r>
-          </a:p>
-          <a:p>
-            <a:endParaRPr lang="en-US" dirty="0" smtClean="0"/>
-          </a:p>
-          <a:p>
-            <a:r>
-              <a:rPr lang="en-US" dirty="0" smtClean="0"/>
-              <a:t>References:</a:t>
-            </a:r>
-          </a:p>
-          <a:p>
-            <a:pPr marL="171450" indent="-171450">
-              <a:buFont typeface="Arial"/>
-              <a:buChar char="•"/>
-            </a:pPr>
-            <a:r>
-              <a:rPr lang="en-US" dirty="0" smtClean="0"/>
-              <a:t>http://</a:t>
-            </a:r>
-            <a:r>
-              <a:rPr lang="en-US" dirty="0" err="1" smtClean="0"/>
-              <a:t>aws.amazon.com</a:t>
-            </a:r>
-            <a:r>
-              <a:rPr lang="en-US" dirty="0" smtClean="0"/>
-              <a:t>/</a:t>
-            </a:r>
-            <a:r>
-              <a:rPr lang="en-US" dirty="0" err="1" smtClean="0"/>
-              <a:t>directconnect</a:t>
-            </a:r>
-            <a:r>
-              <a:rPr lang="en-US" dirty="0" smtClean="0"/>
-              <a:t>/details/</a:t>
-            </a:r>
           </a:p>
         </p:txBody>
       </p:sp>
@@ -1655,163 +1514,7 @@
           <a:bodyPr/>
           <a:lstStyle/>
           <a:p>
-            <a:r>
-              <a:rPr lang="en-US" dirty="0" smtClean="0"/>
-              <a:t>Presenter’s Note: I’ve used VPC Peering as</a:t>
-            </a:r>
-            <a:r>
-              <a:rPr lang="en-US" baseline="0" dirty="0" smtClean="0"/>
-              <a:t> an intermediate step to moving from a 1 VPC per environment configuration to a 1 VPC configuration.</a:t>
-            </a:r>
             <a:endParaRPr lang="en-US" dirty="0" smtClean="0"/>
-          </a:p>
-          <a:p>
-            <a:endParaRPr lang="en-US" dirty="0" smtClean="0"/>
-          </a:p>
-          <a:p>
-            <a:pPr marL="171450" indent="-171450">
-              <a:buFont typeface="Arial"/>
-              <a:buChar char="•"/>
-            </a:pPr>
-            <a:r>
-              <a:rPr lang="en-US" dirty="0" smtClean="0"/>
-              <a:t>Not Able to Reference another VPC Security Group:</a:t>
-            </a:r>
-            <a:r>
-              <a:rPr lang="en-US" baseline="0" dirty="0" smtClean="0"/>
-              <a:t> </a:t>
-            </a:r>
-            <a:r>
-              <a:rPr lang="en-US" dirty="0" smtClean="0"/>
-              <a:t>http://</a:t>
-            </a:r>
-            <a:r>
-              <a:rPr lang="en-US" dirty="0" err="1" smtClean="0"/>
-              <a:t>docs.aws.amazon.com</a:t>
-            </a:r>
-            <a:r>
-              <a:rPr lang="en-US" dirty="0" smtClean="0"/>
-              <a:t>/</a:t>
-            </a:r>
-            <a:r>
-              <a:rPr lang="en-US" dirty="0" err="1" smtClean="0"/>
-              <a:t>AmazonVPC</a:t>
-            </a:r>
-            <a:r>
-              <a:rPr lang="en-US" dirty="0" smtClean="0"/>
-              <a:t>/latest/</a:t>
-            </a:r>
-            <a:r>
-              <a:rPr lang="en-US" dirty="0" err="1" smtClean="0"/>
-              <a:t>UserGuide</a:t>
-            </a:r>
-            <a:r>
-              <a:rPr lang="en-US" dirty="0" smtClean="0"/>
-              <a:t>/</a:t>
-            </a:r>
-            <a:r>
-              <a:rPr lang="en-US" dirty="0" err="1" smtClean="0"/>
-              <a:t>vpc-peering.html</a:t>
-            </a:r>
-            <a:endParaRPr lang="en-US" dirty="0" smtClean="0"/>
-          </a:p>
-          <a:p>
-            <a:pPr marL="171450" marR="0" indent="-171450" algn="l" defTabSz="457200" rtl="0" eaLnBrk="1" fontAlgn="auto" latinLnBrk="0" hangingPunct="1">
-              <a:lnSpc>
-                <a:spcPct val="100000"/>
-              </a:lnSpc>
-              <a:spcBef>
-                <a:spcPts val="0"/>
-              </a:spcBef>
-              <a:spcAft>
-                <a:spcPts val="0"/>
-              </a:spcAft>
-              <a:buClrTx/>
-              <a:buSzTx/>
-              <a:buFont typeface="Arial"/>
-              <a:buChar char="•"/>
-              <a:tabLst/>
-              <a:defRPr/>
-            </a:pPr>
-            <a:r>
-              <a:rPr lang="en-US" dirty="0" smtClean="0"/>
-              <a:t>Encryption:</a:t>
-            </a:r>
-            <a:r>
-              <a:rPr lang="en-US" baseline="0" dirty="0" smtClean="0"/>
-              <a:t> </a:t>
-            </a:r>
-            <a:r>
-              <a:rPr lang="en-US" dirty="0" smtClean="0"/>
-              <a:t>https://</a:t>
-            </a:r>
-            <a:r>
-              <a:rPr lang="en-US" dirty="0" err="1" smtClean="0"/>
-              <a:t>aws.amazon.com</a:t>
-            </a:r>
-            <a:r>
-              <a:rPr lang="en-US" dirty="0" smtClean="0"/>
-              <a:t>/blogs/</a:t>
-            </a:r>
-            <a:r>
-              <a:rPr lang="en-US" dirty="0" err="1" smtClean="0"/>
-              <a:t>aws</a:t>
-            </a:r>
-            <a:r>
-              <a:rPr lang="en-US" dirty="0" smtClean="0"/>
-              <a:t>/new-</a:t>
-            </a:r>
-            <a:r>
-              <a:rPr lang="en-US" dirty="0" err="1" smtClean="0"/>
-              <a:t>vpc</a:t>
-            </a:r>
-            <a:r>
-              <a:rPr lang="en-US" dirty="0" smtClean="0"/>
-              <a:t>-peering-for-the-amazon-virtual-private-cloud/</a:t>
-            </a:r>
-          </a:p>
-          <a:p>
-            <a:endParaRPr lang="en-US" dirty="0" smtClean="0"/>
-          </a:p>
-          <a:p>
-            <a:r>
-              <a:rPr lang="en-US" dirty="0" smtClean="0"/>
-              <a:t>References:</a:t>
-            </a:r>
-          </a:p>
-          <a:p>
-            <a:pPr marL="171450" indent="-171450">
-              <a:buFont typeface="Arial"/>
-              <a:buChar char="•"/>
-            </a:pPr>
-            <a:r>
-              <a:rPr lang="en-US" dirty="0" smtClean="0"/>
-              <a:t>https://</a:t>
-            </a:r>
-            <a:r>
-              <a:rPr lang="en-US" dirty="0" err="1" smtClean="0"/>
-              <a:t>aws.amazon.com</a:t>
-            </a:r>
-            <a:r>
-              <a:rPr lang="en-US" dirty="0" smtClean="0"/>
-              <a:t>/blogs/</a:t>
-            </a:r>
-            <a:r>
-              <a:rPr lang="en-US" dirty="0" err="1" smtClean="0"/>
-              <a:t>aws</a:t>
-            </a:r>
-            <a:r>
-              <a:rPr lang="en-US" dirty="0" smtClean="0"/>
-              <a:t>/new-</a:t>
-            </a:r>
-            <a:r>
-              <a:rPr lang="en-US" dirty="0" err="1" smtClean="0"/>
-              <a:t>vpc</a:t>
-            </a:r>
-            <a:r>
-              <a:rPr lang="en-US" dirty="0" smtClean="0"/>
-              <a:t>-peering-for-the-amazon-virtual-private-cloud/</a:t>
-            </a:r>
           </a:p>
         </p:txBody>
       </p:sp>
@@ -2013,7 +1716,136 @@
           <a:bodyPr/>
           <a:lstStyle/>
           <a:p>
+            <a:pPr marL="171450" marR="0" indent="-171450" algn="l" defTabSz="457200" rtl="0" eaLnBrk="1" fontAlgn="auto" latinLnBrk="0" hangingPunct="1">
+              <a:lnSpc>
+                <a:spcPct val="100000"/>
+              </a:lnSpc>
+              <a:spcBef>
+                <a:spcPts val="0"/>
+              </a:spcBef>
+              <a:spcAft>
+                <a:spcPts val="0"/>
+              </a:spcAft>
+              <a:buClrTx/>
+              <a:buSzTx/>
+              <a:buFont typeface="Arial"/>
+              <a:buChar char="•"/>
+              <a:tabLst/>
+              <a:defRPr/>
+            </a:pPr>
+            <a:r>
+              <a:rPr lang="en-US" baseline="0" dirty="0" smtClean="0"/>
+              <a:t>List of VPC Direct Connect Locations: </a:t>
+            </a:r>
+            <a:r>
+              <a:rPr lang="en-US" dirty="0" smtClean="0">
+                <a:hlinkClick r:id="rId3"/>
+              </a:rPr>
+              <a:t>http://aws.amazon.com/directconnect/details/</a:t>
+            </a:r>
             <a:endParaRPr lang="en-US" dirty="0" smtClean="0"/>
+          </a:p>
+          <a:p>
+            <a:pPr marL="171450" indent="-171450">
+              <a:buFont typeface="Arial"/>
+              <a:buChar char="•"/>
+            </a:pPr>
+            <a:r>
+              <a:rPr lang="en-US" baseline="0" dirty="0" smtClean="0"/>
+              <a:t>Variable Speeds: http://</a:t>
+            </a:r>
+            <a:r>
+              <a:rPr lang="en-US" baseline="0" dirty="0" err="1" smtClean="0"/>
+              <a:t>aws.amazon.com</a:t>
+            </a:r>
+            <a:r>
+              <a:rPr lang="en-US" baseline="0" dirty="0" smtClean="0"/>
+              <a:t>/</a:t>
+            </a:r>
+            <a:r>
+              <a:rPr lang="en-US" baseline="0" dirty="0" err="1" smtClean="0"/>
+              <a:t>directconnect</a:t>
+            </a:r>
+            <a:r>
+              <a:rPr lang="en-US" baseline="0" dirty="0" smtClean="0"/>
+              <a:t>/</a:t>
+            </a:r>
+            <a:r>
+              <a:rPr lang="en-US" baseline="0" dirty="0" err="1" smtClean="0"/>
+              <a:t>faqs</a:t>
+            </a:r>
+            <a:r>
+              <a:rPr lang="en-US" baseline="0" dirty="0" smtClean="0"/>
+              <a:t>/</a:t>
+            </a:r>
+          </a:p>
+          <a:p>
+            <a:endParaRPr lang="en-US" baseline="0" dirty="0" smtClean="0"/>
+          </a:p>
+          <a:p>
+            <a:r>
+              <a:rPr lang="en-US" baseline="0" dirty="0" smtClean="0"/>
+              <a:t>One Direct Connect for all US Regions: https://</a:t>
+            </a:r>
+            <a:r>
+              <a:rPr lang="en-US" baseline="0" dirty="0" err="1" smtClean="0"/>
+              <a:t>aws.amazon.com</a:t>
+            </a:r>
+            <a:r>
+              <a:rPr lang="en-US" baseline="0" dirty="0" smtClean="0"/>
+              <a:t>/blogs/</a:t>
+            </a:r>
+            <a:r>
+              <a:rPr lang="en-US" baseline="0" dirty="0" err="1" smtClean="0"/>
+              <a:t>aws</a:t>
+            </a:r>
+            <a:r>
+              <a:rPr lang="en-US" baseline="0" dirty="0" smtClean="0"/>
+              <a:t>/</a:t>
+            </a:r>
+            <a:r>
+              <a:rPr lang="en-US" baseline="0" dirty="0" err="1" smtClean="0"/>
+              <a:t>aws</a:t>
+            </a:r>
+            <a:r>
+              <a:rPr lang="en-US" baseline="0" dirty="0" smtClean="0"/>
+              <a:t>-direct-connect-access-to-multiple-us-regions/</a:t>
+            </a:r>
+          </a:p>
+          <a:p>
+            <a:endParaRPr lang="en-US" dirty="0" smtClean="0"/>
+          </a:p>
+          <a:p>
+            <a:r>
+              <a:rPr lang="en-US" dirty="0" smtClean="0"/>
+              <a:t>References:</a:t>
+            </a:r>
+          </a:p>
+          <a:p>
+            <a:pPr marL="171450" indent="-171450">
+              <a:buFont typeface="Arial"/>
+              <a:buChar char="•"/>
+            </a:pPr>
+            <a:r>
+              <a:rPr lang="en-US" dirty="0" smtClean="0"/>
+              <a:t>http://</a:t>
+            </a:r>
+            <a:r>
+              <a:rPr lang="en-US" dirty="0" err="1" smtClean="0"/>
+              <a:t>aws.amazon.com</a:t>
+            </a:r>
+            <a:r>
+              <a:rPr lang="en-US" dirty="0" smtClean="0"/>
+              <a:t>/</a:t>
+            </a:r>
+            <a:r>
+              <a:rPr lang="en-US" dirty="0" err="1" smtClean="0"/>
+              <a:t>directconnect</a:t>
+            </a:r>
+            <a:r>
+              <a:rPr lang="en-US" dirty="0" smtClean="0"/>
+              <a:t>/details/</a:t>
+            </a:r>
           </a:p>
         </p:txBody>
       </p:sp>
@@ -2097,23 +1929,136 @@
           <a:bodyPr/>
           <a:lstStyle/>
           <a:p>
-            <a:r>
-              <a:rPr lang="en-US" dirty="0" smtClean="0"/>
-              <a:t>Regarding</a:t>
-            </a:r>
+            <a:pPr marL="171450" marR="0" indent="-171450" algn="l" defTabSz="457200" rtl="0" eaLnBrk="1" fontAlgn="auto" latinLnBrk="0" hangingPunct="1">
+              <a:lnSpc>
+                <a:spcPct val="100000"/>
+              </a:lnSpc>
+              <a:spcBef>
+                <a:spcPts val="0"/>
+              </a:spcBef>
+              <a:spcAft>
+                <a:spcPts val="0"/>
+              </a:spcAft>
+              <a:buClrTx/>
+              <a:buSzTx/>
+              <a:buFont typeface="Arial"/>
+              <a:buChar char="•"/>
+              <a:tabLst/>
+              <a:defRPr/>
+            </a:pPr>
             <a:r>
               <a:rPr lang="en-US" baseline="0" dirty="0" smtClean="0"/>
-              <a:t> Note “Companies choose the technology the are most familiar with and switch” – the level of effort to switch from one technology to another is not that great. For larger companies I might consider a hybrid approach – some developers will inevitably prefer </a:t>
+              <a:t>List of VPC Direct Connect Locations: </a:t>
+            </a:r>
+            <a:r>
+              <a:rPr lang="en-US" dirty="0" smtClean="0">
+                <a:hlinkClick r:id="rId3"/>
+              </a:rPr>
+              <a:t>http://aws.amazon.com/directconnect/details/</a:t>
+            </a:r>
+            <a:endParaRPr lang="en-US" dirty="0" smtClean="0"/>
+          </a:p>
+          <a:p>
+            <a:pPr marL="171450" indent="-171450">
+              <a:buFont typeface="Arial"/>
+              <a:buChar char="•"/>
+            </a:pPr>
+            <a:r>
+              <a:rPr lang="en-US" baseline="0" dirty="0" smtClean="0"/>
+              <a:t>Variable Speeds: http://</a:t>
             </a:r>
             <a:r>
               <a:rPr lang="en-US" baseline="0" dirty="0" err="1" smtClean="0"/>
-              <a:t>ssh</a:t>
+              <a:t>aws.amazon.com</a:t>
             </a:r>
             <a:r>
               <a:rPr lang="en-US" baseline="0" dirty="0" smtClean="0"/>
-              <a:t> whereas some users will benefit from VPN.</a:t>
-            </a:r>
+              <a:t>/</a:t>
+            </a:r>
+            <a:r>
+              <a:rPr lang="en-US" baseline="0" dirty="0" err="1" smtClean="0"/>
+              <a:t>directconnect</a:t>
+            </a:r>
+            <a:r>
+              <a:rPr lang="en-US" baseline="0" dirty="0" smtClean="0"/>
+              <a:t>/</a:t>
+            </a:r>
+            <a:r>
+              <a:rPr lang="en-US" baseline="0" dirty="0" err="1" smtClean="0"/>
+              <a:t>faqs</a:t>
+            </a:r>
+            <a:r>
+              <a:rPr lang="en-US" baseline="0" dirty="0" smtClean="0"/>
+              <a:t>/</a:t>
+            </a:r>
+          </a:p>
+          <a:p>
+            <a:endParaRPr lang="en-US" baseline="0" dirty="0" smtClean="0"/>
+          </a:p>
+          <a:p>
+            <a:r>
+              <a:rPr lang="en-US" baseline="0" dirty="0" smtClean="0"/>
+              <a:t>One Direct Connect for all US Regions: https://</a:t>
+            </a:r>
+            <a:r>
+              <a:rPr lang="en-US" baseline="0" dirty="0" err="1" smtClean="0"/>
+              <a:t>aws.amazon.com</a:t>
+            </a:r>
+            <a:r>
+              <a:rPr lang="en-US" baseline="0" dirty="0" smtClean="0"/>
+              <a:t>/blogs/</a:t>
+            </a:r>
+            <a:r>
+              <a:rPr lang="en-US" baseline="0" dirty="0" err="1" smtClean="0"/>
+              <a:t>aws</a:t>
+            </a:r>
+            <a:r>
+              <a:rPr lang="en-US" baseline="0" dirty="0" smtClean="0"/>
+              <a:t>/</a:t>
+            </a:r>
+            <a:r>
+              <a:rPr lang="en-US" baseline="0" dirty="0" err="1" smtClean="0"/>
+              <a:t>aws</a:t>
+            </a:r>
+            <a:r>
+              <a:rPr lang="en-US" baseline="0" dirty="0" smtClean="0"/>
+              <a:t>-direct-connect-access-to-multiple-us-regions/</a:t>
+            </a:r>
+          </a:p>
+          <a:p>
             <a:endParaRPr lang="en-US" dirty="0" smtClean="0"/>
+          </a:p>
+          <a:p>
+            <a:r>
+              <a:rPr lang="en-US" dirty="0" smtClean="0"/>
+              <a:t>References:</a:t>
+            </a:r>
+          </a:p>
+          <a:p>
+            <a:pPr marL="171450" indent="-171450">
+              <a:buFont typeface="Arial"/>
+              <a:buChar char="•"/>
+            </a:pPr>
+            <a:r>
+              <a:rPr lang="en-US" dirty="0" smtClean="0"/>
+              <a:t>http://</a:t>
+            </a:r>
+            <a:r>
+              <a:rPr lang="en-US" dirty="0" err="1" smtClean="0"/>
+              <a:t>aws.amazon.com</a:t>
+            </a:r>
+            <a:r>
+              <a:rPr lang="en-US" dirty="0" smtClean="0"/>
+              <a:t>/</a:t>
+            </a:r>
+            <a:r>
+              <a:rPr lang="en-US" dirty="0" err="1" smtClean="0"/>
+              <a:t>directconnect</a:t>
+            </a:r>
+            <a:r>
+              <a:rPr lang="en-US" dirty="0" smtClean="0"/>
+              <a:t>/details/</a:t>
+            </a:r>
           </a:p>
         </p:txBody>
       </p:sp>
@@ -2197,7 +2142,163 @@
           <a:bodyPr/>
           <a:lstStyle/>
           <a:p>
+            <a:r>
+              <a:rPr lang="en-US" dirty="0" smtClean="0"/>
+              <a:t>Presenter’s Note: I’ve used VPC Peering as</a:t>
+            </a:r>
+            <a:r>
+              <a:rPr lang="en-US" baseline="0" dirty="0" smtClean="0"/>
+              <a:t> an intermediate step to moving from a 1 VPC per environment configuration to a 1 VPC configuration.</a:t>
+            </a:r>
             <a:endParaRPr lang="en-US" dirty="0" smtClean="0"/>
+          </a:p>
+          <a:p>
+            <a:endParaRPr lang="en-US" dirty="0" smtClean="0"/>
+          </a:p>
+          <a:p>
+            <a:pPr marL="171450" indent="-171450">
+              <a:buFont typeface="Arial"/>
+              <a:buChar char="•"/>
+            </a:pPr>
+            <a:r>
+              <a:rPr lang="en-US" dirty="0" smtClean="0"/>
+              <a:t>Not Able to Reference another VPC Security Group:</a:t>
+            </a:r>
+            <a:r>
+              <a:rPr lang="en-US" baseline="0" dirty="0" smtClean="0"/>
+              <a:t> </a:t>
+            </a:r>
+            <a:r>
+              <a:rPr lang="en-US" dirty="0" smtClean="0"/>
+              <a:t>http://</a:t>
+            </a:r>
+            <a:r>
+              <a:rPr lang="en-US" dirty="0" err="1" smtClean="0"/>
+              <a:t>docs.aws.amazon.com</a:t>
+            </a:r>
+            <a:r>
+              <a:rPr lang="en-US" dirty="0" smtClean="0"/>
+              <a:t>/</a:t>
+            </a:r>
+            <a:r>
+              <a:rPr lang="en-US" dirty="0" err="1" smtClean="0"/>
+              <a:t>AmazonVPC</a:t>
+            </a:r>
+            <a:r>
+              <a:rPr lang="en-US" dirty="0" smtClean="0"/>
+              <a:t>/latest/</a:t>
+            </a:r>
+            <a:r>
+              <a:rPr lang="en-US" dirty="0" err="1" smtClean="0"/>
+              <a:t>UserGuide</a:t>
+            </a:r>
+            <a:r>
+              <a:rPr lang="en-US" dirty="0" smtClean="0"/>
+              <a:t>/</a:t>
+            </a:r>
+            <a:r>
+              <a:rPr lang="en-US" dirty="0" err="1" smtClean="0"/>
+              <a:t>vpc-peering.html</a:t>
+            </a:r>
+            <a:endParaRPr lang="en-US" dirty="0" smtClean="0"/>
+          </a:p>
+          <a:p>
+            <a:pPr marL="171450" marR="0" indent="-171450" algn="l" defTabSz="457200" rtl="0" eaLnBrk="1" fontAlgn="auto" latinLnBrk="0" hangingPunct="1">
+              <a:lnSpc>
+                <a:spcPct val="100000"/>
+              </a:lnSpc>
+              <a:spcBef>
+                <a:spcPts val="0"/>
+              </a:spcBef>
+              <a:spcAft>
+                <a:spcPts val="0"/>
+              </a:spcAft>
+              <a:buClrTx/>
+              <a:buSzTx/>
+              <a:buFont typeface="Arial"/>
+              <a:buChar char="•"/>
+              <a:tabLst/>
+              <a:defRPr/>
+            </a:pPr>
+            <a:r>
+              <a:rPr lang="en-US" dirty="0" smtClean="0"/>
+              <a:t>Encryption:</a:t>
+            </a:r>
+            <a:r>
+              <a:rPr lang="en-US" baseline="0" dirty="0" smtClean="0"/>
+              <a:t> </a:t>
+            </a:r>
+            <a:r>
+              <a:rPr lang="en-US" dirty="0" smtClean="0"/>
+              <a:t>https://</a:t>
+            </a:r>
+            <a:r>
+              <a:rPr lang="en-US" dirty="0" err="1" smtClean="0"/>
+              <a:t>aws.amazon.com</a:t>
+            </a:r>
+            <a:r>
+              <a:rPr lang="en-US" dirty="0" smtClean="0"/>
+              <a:t>/blogs/</a:t>
+            </a:r>
+            <a:r>
+              <a:rPr lang="en-US" dirty="0" err="1" smtClean="0"/>
+              <a:t>aws</a:t>
+            </a:r>
+            <a:r>
+              <a:rPr lang="en-US" dirty="0" smtClean="0"/>
+              <a:t>/new-</a:t>
+            </a:r>
+            <a:r>
+              <a:rPr lang="en-US" dirty="0" err="1" smtClean="0"/>
+              <a:t>vpc</a:t>
+            </a:r>
+            <a:r>
+              <a:rPr lang="en-US" dirty="0" smtClean="0"/>
+              <a:t>-peering-for-the-amazon-virtual-private-cloud/</a:t>
+            </a:r>
+          </a:p>
+          <a:p>
+            <a:endParaRPr lang="en-US" dirty="0" smtClean="0"/>
+          </a:p>
+          <a:p>
+            <a:r>
+              <a:rPr lang="en-US" dirty="0" smtClean="0"/>
+              <a:t>References:</a:t>
+            </a:r>
+          </a:p>
+          <a:p>
+            <a:pPr marL="171450" indent="-171450">
+              <a:buFont typeface="Arial"/>
+              <a:buChar char="•"/>
+            </a:pPr>
+            <a:r>
+              <a:rPr lang="en-US" dirty="0" smtClean="0"/>
+              <a:t>https://</a:t>
+            </a:r>
+            <a:r>
+              <a:rPr lang="en-US" dirty="0" err="1" smtClean="0"/>
+              <a:t>aws.amazon.com</a:t>
+            </a:r>
+            <a:r>
+              <a:rPr lang="en-US" dirty="0" smtClean="0"/>
+              <a:t>/blogs/</a:t>
+            </a:r>
+            <a:r>
+              <a:rPr lang="en-US" dirty="0" err="1" smtClean="0"/>
+              <a:t>aws</a:t>
+            </a:r>
+            <a:r>
+              <a:rPr lang="en-US" dirty="0" smtClean="0"/>
+              <a:t>/new-</a:t>
+            </a:r>
+            <a:r>
+              <a:rPr lang="en-US" dirty="0" err="1" smtClean="0"/>
+              <a:t>vpc</a:t>
+            </a:r>
+            <a:r>
+              <a:rPr lang="en-US" dirty="0" smtClean="0"/>
+              <a:t>-peering-for-the-amazon-virtual-private-cloud/</a:t>
+            </a:r>
           </a:p>
         </p:txBody>
       </p:sp>
@@ -2365,6 +2466,22 @@
           <a:bodyPr/>
           <a:lstStyle/>
           <a:p>
+            <a:r>
+              <a:rPr lang="en-US" dirty="0" smtClean="0"/>
+              <a:t>Regarding</a:t>
+            </a:r>
+            <a:r>
+              <a:rPr lang="en-US" baseline="0" dirty="0" smtClean="0"/>
+              <a:t> Note “Companies choose the technology the are most familiar with and switch” – the level of effort to switch from one technology to another is not that great. For larger companies I might consider a hybrid approach – some developers will inevitably prefer </a:t>
+            </a:r>
+            <a:r>
+              <a:rPr lang="en-US" baseline="0" dirty="0" err="1" smtClean="0"/>
+              <a:t>ssh</a:t>
+            </a:r>
+            <a:r>
+              <a:rPr lang="en-US" baseline="0" dirty="0" smtClean="0"/>
+              <a:t> whereas some users will benefit from VPN.</a:t>
+            </a:r>
             <a:endParaRPr lang="en-US" dirty="0" smtClean="0"/>
           </a:p>
         </p:txBody>
@@ -2941,6 +3058,258 @@
 </p:notes>
 </file>
 
+<file path=ppt/notesSlides/notesSlide30.xml><?xml version="1.0" encoding="utf-8"?>
+<p:notes xmlns:a="http://schemas.openxmlformats.org/drawingml/2006/main" xmlns:r="http://schemas.openxmlformats.org/officeDocument/2006/relationships" xmlns:p="http://schemas.openxmlformats.org/presentationml/2006/main">
+  <p:cSld>
+    <p:spTree>
+      <p:nvGrpSpPr>
+        <p:cNvPr id="1" name=""/>
+        <p:cNvGrpSpPr/>
+        <p:nvPr/>
+      </p:nvGrpSpPr>
+      <p:grpSpPr>
+        <a:xfrm>
+          <a:off x="0" y="0"/>
+          <a:ext cx="0" cy="0"/>
+          <a:chOff x="0" y="0"/>
+          <a:chExt cx="0" cy="0"/>
+        </a:xfrm>
+      </p:grpSpPr>
+      <p:sp>
+        <p:nvSpPr>
+          <p:cNvPr id="2" name="Slide Image Placeholder 1"/>
+          <p:cNvSpPr>
+            <a:spLocks noGrp="1" noRot="1" noChangeAspect="1"/>
+          </p:cNvSpPr>
+          <p:nvPr>
+            <p:ph type="sldImg"/>
+          </p:nvPr>
+        </p:nvSpPr>
+        <p:spPr/>
+      </p:sp>
+      <p:sp>
+        <p:nvSpPr>
+          <p:cNvPr id="3" name="Notes Placeholder 2"/>
+          <p:cNvSpPr>
+            <a:spLocks noGrp="1"/>
+          </p:cNvSpPr>
+          <p:nvPr>
+            <p:ph type="body" idx="1"/>
+          </p:nvPr>
+        </p:nvSpPr>
+        <p:spPr/>
+        <p:txBody>
+          <a:bodyPr/>
+          <a:lstStyle/>
+          <a:p>
+            <a:endParaRPr lang="en-US" dirty="0" smtClean="0"/>
+          </a:p>
+        </p:txBody>
+      </p:sp>
+      <p:sp>
+        <p:nvSpPr>
+          <p:cNvPr id="4" name="Slide Number Placeholder 3"/>
+          <p:cNvSpPr>
+            <a:spLocks noGrp="1"/>
+          </p:cNvSpPr>
+          <p:nvPr>
+            <p:ph type="sldNum" sz="quarter" idx="10"/>
+          </p:nvPr>
+        </p:nvSpPr>
+        <p:spPr/>
+        <p:txBody>
+          <a:bodyPr/>
+          <a:lstStyle/>
+          <a:p>
+            <a:fld id="{BFB43062-714D-1146-A97F-0D45BD9E7BF0}" type="slidenum">
+              <a:rPr lang="en-US" smtClean="0"/>
+              <a:t>31</a:t>
+            </a:fld>
+            <a:endParaRPr lang="en-US"/>
+          </a:p>
+        </p:txBody>
+      </p:sp>
+    </p:spTree>
+    <p:extLst>
+      <p:ext uri="{BB962C8B-B14F-4D97-AF65-F5344CB8AC3E}">
+        <p14:creationId xmlns:p14="http://schemas.microsoft.com/office/powerpoint/2010/main" val="494559740"/>
+      </p:ext>
+    </p:extLst>
+  </p:cSld>
+  <p:clrMapOvr>
+    <a:masterClrMapping/>
+  </p:clrMapOvr>
+</p:notes>
+</file>
+
+<file path=ppt/notesSlides/notesSlide31.xml><?xml version="1.0" encoding="utf-8"?>
+<p:notes xmlns:a="http://schemas.openxmlformats.org/drawingml/2006/main" xmlns:r="http://schemas.openxmlformats.org/officeDocument/2006/relationships" xmlns:p="http://schemas.openxmlformats.org/presentationml/2006/main">
+  <p:cSld>
+    <p:spTree>
+      <p:nvGrpSpPr>
+        <p:cNvPr id="1" name=""/>
+        <p:cNvGrpSpPr/>
+        <p:nvPr/>
+      </p:nvGrpSpPr>
+      <p:grpSpPr>
+        <a:xfrm>
+          <a:off x="0" y="0"/>
+          <a:ext cx="0" cy="0"/>
+          <a:chOff x="0" y="0"/>
+          <a:chExt cx="0" cy="0"/>
+        </a:xfrm>
+      </p:grpSpPr>
+      <p:sp>
+        <p:nvSpPr>
+          <p:cNvPr id="2" name="Slide Image Placeholder 1"/>
+          <p:cNvSpPr>
+            <a:spLocks noGrp="1" noRot="1" noChangeAspect="1"/>
+          </p:cNvSpPr>
+          <p:nvPr>
+            <p:ph type="sldImg"/>
+          </p:nvPr>
+        </p:nvSpPr>
+        <p:spPr/>
+      </p:sp>
+      <p:sp>
+        <p:nvSpPr>
+          <p:cNvPr id="3" name="Notes Placeholder 2"/>
+          <p:cNvSpPr>
+            <a:spLocks noGrp="1"/>
+          </p:cNvSpPr>
+          <p:nvPr>
+            <p:ph type="body" idx="1"/>
+          </p:nvPr>
+        </p:nvSpPr>
+        <p:spPr/>
+        <p:txBody>
+          <a:bodyPr/>
+          <a:lstStyle/>
+          <a:p>
+            <a:endParaRPr lang="en-US" dirty="0" smtClean="0"/>
+          </a:p>
+        </p:txBody>
+      </p:sp>
+      <p:sp>
+        <p:nvSpPr>
+          <p:cNvPr id="4" name="Slide Number Placeholder 3"/>
+          <p:cNvSpPr>
+            <a:spLocks noGrp="1"/>
+          </p:cNvSpPr>
+          <p:nvPr>
+            <p:ph type="sldNum" sz="quarter" idx="10"/>
+          </p:nvPr>
+        </p:nvSpPr>
+        <p:spPr/>
+        <p:txBody>
+          <a:bodyPr/>
+          <a:lstStyle/>
+          <a:p>
+            <a:fld id="{BFB43062-714D-1146-A97F-0D45BD9E7BF0}" type="slidenum">
+              <a:rPr lang="en-US" smtClean="0"/>
+              <a:t>32</a:t>
+            </a:fld>
+            <a:endParaRPr lang="en-US"/>
+          </a:p>
+        </p:txBody>
+      </p:sp>
+    </p:spTree>
+    <p:extLst>
+      <p:ext uri="{BB962C8B-B14F-4D97-AF65-F5344CB8AC3E}">
+        <p14:creationId xmlns:p14="http://schemas.microsoft.com/office/powerpoint/2010/main" val="494559740"/>
+      </p:ext>
+    </p:extLst>
+  </p:cSld>
+  <p:clrMapOvr>
+    <a:masterClrMapping/>
+  </p:clrMapOvr>
+</p:notes>
+</file>
+
+<file path=ppt/notesSlides/notesSlide32.xml><?xml version="1.0" encoding="utf-8"?>
+<p:notes xmlns:a="http://schemas.openxmlformats.org/drawingml/2006/main" xmlns:r="http://schemas.openxmlformats.org/officeDocument/2006/relationships" xmlns:p="http://schemas.openxmlformats.org/presentationml/2006/main">
+  <p:cSld>
+    <p:spTree>
+      <p:nvGrpSpPr>
+        <p:cNvPr id="1" name=""/>
+        <p:cNvGrpSpPr/>
+        <p:nvPr/>
+      </p:nvGrpSpPr>
+      <p:grpSpPr>
+        <a:xfrm>
+          <a:off x="0" y="0"/>
+          <a:ext cx="0" cy="0"/>
+          <a:chOff x="0" y="0"/>
+          <a:chExt cx="0" cy="0"/>
+        </a:xfrm>
+      </p:grpSpPr>
+      <p:sp>
+        <p:nvSpPr>
+          <p:cNvPr id="2" name="Slide Image Placeholder 1"/>
+          <p:cNvSpPr>
+            <a:spLocks noGrp="1" noRot="1" noChangeAspect="1"/>
+          </p:cNvSpPr>
+          <p:nvPr>
+            <p:ph type="sldImg"/>
+          </p:nvPr>
+        </p:nvSpPr>
+        <p:spPr/>
+      </p:sp>
+      <p:sp>
+        <p:nvSpPr>
+          <p:cNvPr id="3" name="Notes Placeholder 2"/>
+          <p:cNvSpPr>
+            <a:spLocks noGrp="1"/>
+          </p:cNvSpPr>
+          <p:nvPr>
+            <p:ph type="body" idx="1"/>
+          </p:nvPr>
+        </p:nvSpPr>
+        <p:spPr/>
+        <p:txBody>
+          <a:bodyPr/>
+          <a:lstStyle/>
+          <a:p>
+            <a:endParaRPr lang="en-US" dirty="0" smtClean="0"/>
+          </a:p>
+        </p:txBody>
+      </p:sp>
+      <p:sp>
+        <p:nvSpPr>
+          <p:cNvPr id="4" name="Slide Number Placeholder 3"/>
+          <p:cNvSpPr>
+            <a:spLocks noGrp="1"/>
+          </p:cNvSpPr>
+          <p:nvPr>
+            <p:ph type="sldNum" sz="quarter" idx="10"/>
+          </p:nvPr>
+        </p:nvSpPr>
+        <p:spPr/>
+        <p:txBody>
+          <a:bodyPr/>
+          <a:lstStyle/>
+          <a:p>
+            <a:fld id="{BFB43062-714D-1146-A97F-0D45BD9E7BF0}" type="slidenum">
+              <a:rPr lang="en-US" smtClean="0"/>
+              <a:t>33</a:t>
+            </a:fld>
+            <a:endParaRPr lang="en-US"/>
+          </a:p>
+        </p:txBody>
+      </p:sp>
+    </p:spTree>
+    <p:extLst>
+      <p:ext uri="{BB962C8B-B14F-4D97-AF65-F5344CB8AC3E}">
+        <p14:creationId xmlns:p14="http://schemas.microsoft.com/office/powerpoint/2010/main" val="494559740"/>
+      </p:ext>
+    </p:extLst>
+  </p:cSld>
+  <p:clrMapOvr>
+    <a:masterClrMapping/>
+  </p:clrMapOvr>
+</p:notes>
+</file>
+
 <file path=ppt/notesSlides/notesSlide4.xml><?xml version="1.0" encoding="utf-8"?>
 <p:notes xmlns:a="http://schemas.openxmlformats.org/drawingml/2006/main" xmlns:r="http://schemas.openxmlformats.org/officeDocument/2006/relationships" xmlns:p="http://schemas.openxmlformats.org/presentationml/2006/main">
   <p:cSld>
@@ -3110,7 +3479,7 @@
             </a:r>
             <a:r>
               <a:rPr lang="en-US" dirty="0" smtClean="0"/>
-              <a:t>/2014/07/04/vpc-intro-part-2/</a:t>
+              <a:t>/2014/07/04/vpc-intro-part-1/</a:t>
             </a:r>
           </a:p>
         </p:txBody>
@@ -3214,10 +3583,9 @@
               <a:t>cloudavail.com</a:t>
             </a:r>
             <a:r>
-              <a:rPr lang="en-US" smtClean="0"/>
-              <a:t>/2014/07/04/vpc-intro-part-2/</a:t>
-            </a:r>
-            <a:endParaRPr lang="en-US" dirty="0" smtClean="0"/>
+              <a:rPr lang="en-US" dirty="0" smtClean="0"/>
+              <a:t>/2014/07/04/vpc-intro-part-1/</a:t>
+            </a:r>
           </a:p>
         </p:txBody>
       </p:sp>
@@ -3301,7 +3669,28 @@
           <a:bodyPr/>
           <a:lstStyle/>
           <a:p>
-            <a:endParaRPr lang="en-US" dirty="0" smtClean="0"/>
+            <a:r>
+              <a:rPr lang="en-US" dirty="0" smtClean="0"/>
+              <a:t>References:</a:t>
+            </a:r>
+          </a:p>
+          <a:p>
+            <a:pPr marL="171450" indent="-171450">
+              <a:buFont typeface="Arial"/>
+              <a:buChar char="•"/>
+            </a:pPr>
+            <a:r>
+              <a:rPr lang="en-US" dirty="0" smtClean="0"/>
+              <a:t>http://</a:t>
+            </a:r>
+            <a:r>
+              <a:rPr lang="en-US" dirty="0" err="1" smtClean="0"/>
+              <a:t>cloudavail.com</a:t>
+            </a:r>
+            <a:r>
+              <a:rPr lang="en-US" dirty="0" smtClean="0"/>
+              <a:t>/2014/07/04/vpc-intro-part-1/</a:t>
+            </a:r>
           </a:p>
         </p:txBody>
       </p:sp>
@@ -3387,29 +3776,25 @@
           <a:p>
             <a:r>
               <a:rPr lang="en-US" dirty="0" smtClean="0"/>
-              <a:t>Reference:</a:t>
-            </a:r>
-          </a:p>
-          <a:p>
+              <a:t>References:</a:t>
+            </a:r>
+          </a:p>
+          <a:p>
+            <a:pPr marL="171450" indent="-171450">
+              <a:buFont typeface="Arial"/>
+              <a:buChar char="•"/>
+            </a:pPr>
             <a:r>
               <a:rPr lang="en-US" dirty="0" smtClean="0"/>
               <a:t>http://</a:t>
             </a:r>
             <a:r>
               <a:rPr lang="en-US" dirty="0" err="1" smtClean="0"/>
-              <a:t>www.slideshare.net</a:t>
-            </a:r>
-            <a:r>
-              <a:rPr lang="en-US" dirty="0" smtClean="0"/>
-              <a:t>/</a:t>
-            </a:r>
-            <a:r>
-              <a:rPr lang="en-US" dirty="0" err="1" smtClean="0"/>
-              <a:t>AmazonWebServices</a:t>
-            </a:r>
-            <a:r>
-              <a:rPr lang="en-US" dirty="0" smtClean="0"/>
-              <a:t>/cpn208selecting-the-best-vpc-network-architecture-cpn208-aws-reinvent-2013</a:t>
+              <a:t>cloudavail.com</a:t>
+            </a:r>
+            <a:r>
+              <a:rPr lang="en-US" dirty="0" smtClean="0"/>
+              <a:t>/2014/07/04/vpc-intro-part-1/</a:t>
             </a:r>
           </a:p>
         </p:txBody>
@@ -3496,94 +3881,26 @@
           <a:p>
             <a:r>
               <a:rPr lang="en-US" dirty="0" smtClean="0"/>
-              <a:t>Reference:</a:t>
-            </a:r>
-          </a:p>
-          <a:p>
+              <a:t>References:</a:t>
+            </a:r>
+          </a:p>
+          <a:p>
+            <a:pPr marL="171450" indent="-171450">
+              <a:buFont typeface="Arial"/>
+              <a:buChar char="•"/>
+            </a:pPr>
             <a:r>
               <a:rPr lang="en-US" dirty="0" smtClean="0"/>
               <a:t>http://</a:t>
             </a:r>
             <a:r>
               <a:rPr lang="en-US" dirty="0" err="1" smtClean="0"/>
-              <a:t>www.slideshare.net</a:t>
-            </a:r>
-            <a:r>
-              <a:rPr lang="en-US" dirty="0" smtClean="0"/>
-              <a:t>/</a:t>
-            </a:r>
-            <a:r>
-              <a:rPr lang="en-US" dirty="0" err="1" smtClean="0"/>
-              <a:t>AmazonWebServices</a:t>
-            </a:r>
-            <a:r>
-              <a:rPr lang="en-US" dirty="0" smtClean="0"/>
-              <a:t>/cpn208selecting-the-best-vpc-network-architecture-cpn208-aws-reinvent-2013</a:t>
-            </a:r>
-          </a:p>
-          <a:p>
-            <a:r>
-              <a:rPr lang="en-US" dirty="0" smtClean="0"/>
-              <a:t>Additional Complexity, as result of multiple Virtual Private</a:t>
-            </a:r>
-            <a:r>
-              <a:rPr lang="en-US" baseline="0" dirty="0" smtClean="0"/>
-              <a:t> Gateways needing one endpoint</a:t>
-            </a:r>
-            <a:r>
-              <a:rPr lang="en-US" dirty="0" smtClean="0"/>
-              <a:t>: https://</a:t>
-            </a:r>
-            <a:r>
-              <a:rPr lang="en-US" dirty="0" err="1" smtClean="0"/>
-              <a:t>aws.amazon.com</a:t>
-            </a:r>
-            <a:r>
-              <a:rPr lang="en-US" dirty="0" smtClean="0"/>
-              <a:t>/articles/5458758371599914</a:t>
-            </a:r>
-          </a:p>
-          <a:p>
-            <a:endParaRPr lang="en-US" dirty="0" smtClean="0"/>
-          </a:p>
-          <a:p>
-            <a:r>
-              <a:rPr lang="en-US" dirty="0" smtClean="0"/>
-              <a:t>Allow </a:t>
-            </a:r>
-            <a:r>
-              <a:rPr lang="en-US" baseline="0" dirty="0" smtClean="0"/>
-              <a:t>Launch of EC2 Resources only in Specified VPC: http://</a:t>
-            </a:r>
-            <a:r>
-              <a:rPr lang="en-US" baseline="0" dirty="0" err="1" smtClean="0"/>
-              <a:t>docs.aws.amazon.com</a:t>
-            </a:r>
-            <a:r>
-              <a:rPr lang="en-US" baseline="0" dirty="0" smtClean="0"/>
-              <a:t>/</a:t>
-            </a:r>
-            <a:r>
-              <a:rPr lang="en-US" baseline="0" dirty="0" err="1" smtClean="0"/>
-              <a:t>AmazonVPC</a:t>
-            </a:r>
-            <a:r>
-              <a:rPr lang="en-US" baseline="0" dirty="0" smtClean="0"/>
-              <a:t>/latest/</a:t>
-            </a:r>
-            <a:r>
-              <a:rPr lang="en-US" baseline="0" dirty="0" err="1" smtClean="0"/>
-              <a:t>UserGuide</a:t>
-            </a:r>
-            <a:r>
-              <a:rPr lang="en-US" baseline="0" dirty="0" smtClean="0"/>
-              <a:t>/</a:t>
-            </a:r>
-            <a:r>
-              <a:rPr lang="en-US" baseline="0" dirty="0" err="1" smtClean="0"/>
-              <a:t>VPC_IAM.html#subnet-ami-example-iam</a:t>
-            </a:r>
-            <a:endParaRPr lang="en-US" dirty="0" smtClean="0"/>
+              <a:t>cloudavail.com</a:t>
+            </a:r>
+            <a:r>
+              <a:rPr lang="en-US" dirty="0" smtClean="0"/>
+              <a:t>/2014/07/04/vpc-intro-part-2/</a:t>
+            </a:r>
           </a:p>
         </p:txBody>
       </p:sp>
@@ -5435,7 +5752,7 @@
           <a:p>
             <a:fld id="{7CE38E4D-051A-41E1-86A4-E56916468FD0}" type="datetimeFigureOut">
               <a:rPr lang="en-US" smtClean="0"/>
-              <a:t>4/20/15</a:t>
+              <a:t>4/23/15</a:t>
             </a:fld>
             <a:endParaRPr lang="en-US"/>
           </a:p>
@@ -5616,7 +5933,7 @@
           <a:p>
             <a:fld id="{7CE38E4D-051A-41E1-86A4-E56916468FD0}" type="datetimeFigureOut">
               <a:rPr lang="en-US" smtClean="0"/>
-              <a:t>4/20/15</a:t>
+              <a:t>4/23/15</a:t>
             </a:fld>
             <a:endParaRPr lang="en-US"/>
           </a:p>
@@ -5767,7 +6084,7 @@
           <a:p>
             <a:fld id="{7CE38E4D-051A-41E1-86A4-E56916468FD0}" type="datetimeFigureOut">
               <a:rPr lang="en-US" smtClean="0"/>
-              <a:t>4/20/15</a:t>
+              <a:t>4/23/15</a:t>
             </a:fld>
             <a:endParaRPr lang="en-US"/>
           </a:p>
@@ -7593,7 +7910,7 @@
           <a:p>
             <a:fld id="{7CE38E4D-051A-41E1-86A4-E56916468FD0}" type="datetimeFigureOut">
               <a:rPr lang="en-US" smtClean="0"/>
-              <a:t>4/20/15</a:t>
+              <a:t>4/23/15</a:t>
             </a:fld>
             <a:endParaRPr lang="en-US"/>
           </a:p>
@@ -9463,7 +9780,7 @@
           <a:p>
             <a:fld id="{7CE38E4D-051A-41E1-86A4-E56916468FD0}" type="datetimeFigureOut">
               <a:rPr lang="en-US" smtClean="0"/>
-              <a:t>4/20/15</a:t>
+              <a:t>4/23/15</a:t>
             </a:fld>
             <a:endParaRPr lang="en-US"/>
           </a:p>
@@ -9576,7 +9893,7 @@
           <a:p>
             <a:fld id="{7CE38E4D-051A-41E1-86A4-E56916468FD0}" type="datetimeFigureOut">
               <a:rPr lang="en-US" smtClean="0"/>
-              <a:t>4/20/15</a:t>
+              <a:t>4/23/15</a:t>
             </a:fld>
             <a:endParaRPr lang="en-US"/>
           </a:p>
@@ -10117,7 +10434,7 @@
           <a:p>
             <a:fld id="{7CE38E4D-051A-41E1-86A4-E56916468FD0}" type="datetimeFigureOut">
               <a:rPr lang="en-US" smtClean="0"/>
-              <a:t>4/20/15</a:t>
+              <a:t>4/23/15</a:t>
             </a:fld>
             <a:endParaRPr lang="en-US"/>
           </a:p>
@@ -10230,7 +10547,7 @@
           <a:p>
             <a:fld id="{7CE38E4D-051A-41E1-86A4-E56916468FD0}" type="datetimeFigureOut">
               <a:rPr lang="en-US" smtClean="0"/>
-              <a:t>4/20/15</a:t>
+              <a:t>4/23/15</a:t>
             </a:fld>
             <a:endParaRPr lang="en-US"/>
           </a:p>
@@ -11941,7 +12258,7 @@
           <a:p>
             <a:fld id="{7CE38E4D-051A-41E1-86A4-E56916468FD0}" type="datetimeFigureOut">
               <a:rPr lang="en-US" smtClean="0"/>
-              <a:t>4/20/15</a:t>
+              <a:t>4/23/15</a:t>
             </a:fld>
             <a:endParaRPr lang="en-US"/>
           </a:p>
@@ -12092,7 +12409,7 @@
           <a:p>
             <a:fld id="{7CE38E4D-051A-41E1-86A4-E56916468FD0}" type="datetimeFigureOut">
               <a:rPr lang="en-US" smtClean="0"/>
-              <a:t>4/20/15</a:t>
+              <a:t>4/23/15</a:t>
             </a:fld>
             <a:endParaRPr lang="en-US"/>
           </a:p>
@@ -15707,7 +16024,7 @@
           <a:p>
             <a:fld id="{7CE38E4D-051A-41E1-86A4-E56916468FD0}" type="datetimeFigureOut">
               <a:rPr lang="en-US" smtClean="0"/>
-              <a:t>4/20/15</a:t>
+              <a:t>4/23/15</a:t>
             </a:fld>
             <a:endParaRPr lang="en-US"/>
           </a:p>
@@ -17566,7 +17883,7 @@
           <a:p>
             <a:fld id="{7CE38E4D-051A-41E1-86A4-E56916468FD0}" type="datetimeFigureOut">
               <a:rPr lang="en-US" smtClean="0"/>
-              <a:t>4/20/15</a:t>
+              <a:t>4/23/15</a:t>
             </a:fld>
             <a:endParaRPr lang="en-US"/>
           </a:p>
@@ -18101,15 +18418,7 @@
           <a:p>
             <a:r>
               <a:rPr lang="en-US" dirty="0" smtClean="0"/>
-              <a:t>AWS </a:t>
-            </a:r>
-            <a:r>
-              <a:rPr lang="en-US" dirty="0" smtClean="0"/>
-              <a:t>VPC</a:t>
-            </a:r>
-            <a:r>
-              <a:rPr lang="en-US" dirty="0" smtClean="0"/>
-              <a:t/>
+              <a:t>AWS VPC</a:t>
             </a:r>
             <a:br>
               <a:rPr lang="en-US" dirty="0" smtClean="0"/>
@@ -18193,6 +18502,406 @@
       </p:grpSpPr>
       <p:sp>
         <p:nvSpPr>
+          <p:cNvPr id="3" name="Content Placeholder 2"/>
+          <p:cNvSpPr>
+            <a:spLocks noGrp="1"/>
+          </p:cNvSpPr>
+          <p:nvPr>
+            <p:ph idx="1"/>
+          </p:nvPr>
+        </p:nvSpPr>
+        <p:spPr/>
+        <p:txBody>
+          <a:bodyPr>
+            <a:normAutofit/>
+          </a:bodyPr>
+          <a:lstStyle/>
+          <a:p>
+            <a:r>
+              <a:rPr lang="en-US" dirty="0" smtClean="0"/>
+              <a:t>Internet Gateway</a:t>
+            </a:r>
+          </a:p>
+          <a:p>
+            <a:pPr lvl="1"/>
+            <a:r>
+              <a:rPr lang="en-US" dirty="0" smtClean="0"/>
+              <a:t>Provides a route to the Internet</a:t>
+            </a:r>
+          </a:p>
+          <a:p>
+            <a:pPr lvl="1"/>
+            <a:r>
+              <a:rPr lang="en-US" dirty="0" smtClean="0"/>
+              <a:t>Hosts using Internet Gateway must still have Public IP Address</a:t>
+            </a:r>
+          </a:p>
+          <a:p>
+            <a:r>
+              <a:rPr lang="en-US" dirty="0" smtClean="0"/>
+              <a:t>EC2-VPC Security Group</a:t>
+            </a:r>
+          </a:p>
+          <a:p>
+            <a:pPr lvl="1"/>
+            <a:r>
+              <a:rPr lang="en-US" dirty="0" smtClean="0"/>
+              <a:t>Like EC2 Classic Security Group, only better</a:t>
+            </a:r>
+          </a:p>
+          <a:p>
+            <a:pPr lvl="1"/>
+            <a:r>
+              <a:rPr lang="en-US" dirty="0" smtClean="0"/>
+              <a:t>Inbound and Outbound Rules</a:t>
+            </a:r>
+          </a:p>
+          <a:p>
+            <a:endParaRPr lang="en-US" dirty="0" smtClean="0"/>
+          </a:p>
+          <a:p>
+            <a:pPr lvl="1"/>
+            <a:endParaRPr lang="en-US" dirty="0"/>
+          </a:p>
+        </p:txBody>
+      </p:sp>
+      <p:sp>
+        <p:nvSpPr>
+          <p:cNvPr id="2" name="Title 1"/>
+          <p:cNvSpPr>
+            <a:spLocks noGrp="1"/>
+          </p:cNvSpPr>
+          <p:nvPr>
+            <p:ph type="title"/>
+          </p:nvPr>
+        </p:nvSpPr>
+        <p:spPr/>
+        <p:txBody>
+          <a:bodyPr/>
+          <a:lstStyle/>
+          <a:p>
+            <a:r>
+              <a:rPr lang="en-US" dirty="0" smtClean="0"/>
+              <a:t>VPC: Network Components</a:t>
+            </a:r>
+            <a:endParaRPr lang="en-US" dirty="0"/>
+          </a:p>
+        </p:txBody>
+      </p:sp>
+    </p:spTree>
+    <p:extLst>
+      <p:ext uri="{BB962C8B-B14F-4D97-AF65-F5344CB8AC3E}">
+        <p14:creationId xmlns:p14="http://schemas.microsoft.com/office/powerpoint/2010/main" val="685327457"/>
+      </p:ext>
+    </p:extLst>
+  </p:cSld>
+  <p:clrMapOvr>
+    <a:masterClrMapping/>
+  </p:clrMapOvr>
+  <p:timing>
+    <p:tnLst>
+      <p:par>
+        <p:cTn xmlns:p14="http://schemas.microsoft.com/office/powerpoint/2010/main" id="1" dur="indefinite" restart="never" nodeType="tmRoot"/>
+      </p:par>
+    </p:tnLst>
+  </p:timing>
+</p:sld>
+</file>
+
+<file path=ppt/slides/slide11.xml><?xml version="1.0" encoding="utf-8"?>
+<p:sld xmlns:a="http://schemas.openxmlformats.org/drawingml/2006/main" xmlns:r="http://schemas.openxmlformats.org/officeDocument/2006/relationships" xmlns:p="http://schemas.openxmlformats.org/presentationml/2006/main">
+  <p:cSld>
+    <p:spTree>
+      <p:nvGrpSpPr>
+        <p:cNvPr id="1" name=""/>
+        <p:cNvGrpSpPr/>
+        <p:nvPr/>
+      </p:nvGrpSpPr>
+      <p:grpSpPr>
+        <a:xfrm>
+          <a:off x="0" y="0"/>
+          <a:ext cx="0" cy="0"/>
+          <a:chOff x="0" y="0"/>
+          <a:chExt cx="0" cy="0"/>
+        </a:xfrm>
+      </p:grpSpPr>
+      <p:sp>
+        <p:nvSpPr>
+          <p:cNvPr id="3" name="Content Placeholder 2"/>
+          <p:cNvSpPr>
+            <a:spLocks noGrp="1"/>
+          </p:cNvSpPr>
+          <p:nvPr>
+            <p:ph idx="1"/>
+          </p:nvPr>
+        </p:nvSpPr>
+        <p:spPr/>
+        <p:txBody>
+          <a:bodyPr>
+            <a:normAutofit/>
+          </a:bodyPr>
+          <a:lstStyle/>
+          <a:p>
+            <a:r>
+              <a:rPr lang="en-US" dirty="0" smtClean="0"/>
+              <a:t>1 VPC</a:t>
+            </a:r>
+          </a:p>
+          <a:p>
+            <a:r>
+              <a:rPr lang="en-US" dirty="0" smtClean="0"/>
+              <a:t>1 VPC per Environment</a:t>
+            </a:r>
+          </a:p>
+          <a:p>
+            <a:r>
+              <a:rPr lang="en-US" dirty="0" smtClean="0"/>
+              <a:t>1 VPC per Application</a:t>
+            </a:r>
+          </a:p>
+          <a:p>
+            <a:r>
+              <a:rPr lang="en-US" dirty="0" smtClean="0"/>
+              <a:t>1 VPC per Environment per Application</a:t>
+            </a:r>
+          </a:p>
+        </p:txBody>
+      </p:sp>
+      <p:sp>
+        <p:nvSpPr>
+          <p:cNvPr id="2" name="Title 1"/>
+          <p:cNvSpPr>
+            <a:spLocks noGrp="1"/>
+          </p:cNvSpPr>
+          <p:nvPr>
+            <p:ph type="title"/>
+          </p:nvPr>
+        </p:nvSpPr>
+        <p:spPr/>
+        <p:txBody>
+          <a:bodyPr>
+            <a:normAutofit/>
+          </a:bodyPr>
+          <a:lstStyle/>
+          <a:p>
+            <a:r>
+              <a:rPr lang="en-US" dirty="0" smtClean="0"/>
+              <a:t>VPC: Overall Design Choices</a:t>
+            </a:r>
+            <a:endParaRPr lang="en-US" dirty="0"/>
+          </a:p>
+        </p:txBody>
+      </p:sp>
+    </p:spTree>
+    <p:extLst>
+      <p:ext uri="{BB962C8B-B14F-4D97-AF65-F5344CB8AC3E}">
+        <p14:creationId xmlns:p14="http://schemas.microsoft.com/office/powerpoint/2010/main" val="3699290522"/>
+      </p:ext>
+    </p:extLst>
+  </p:cSld>
+  <p:clrMapOvr>
+    <a:masterClrMapping/>
+  </p:clrMapOvr>
+  <p:timing>
+    <p:tnLst>
+      <p:par>
+        <p:cTn xmlns:p14="http://schemas.microsoft.com/office/powerpoint/2010/main" id="1" dur="indefinite" restart="never" nodeType="tmRoot"/>
+      </p:par>
+    </p:tnLst>
+  </p:timing>
+</p:sld>
+</file>
+
+<file path=ppt/slides/slide12.xml><?xml version="1.0" encoding="utf-8"?>
+<p:sld xmlns:a="http://schemas.openxmlformats.org/drawingml/2006/main" xmlns:r="http://schemas.openxmlformats.org/officeDocument/2006/relationships" xmlns:p="http://schemas.openxmlformats.org/presentationml/2006/main">
+  <p:cSld>
+    <p:spTree>
+      <p:nvGrpSpPr>
+        <p:cNvPr id="1" name=""/>
+        <p:cNvGrpSpPr/>
+        <p:nvPr/>
+      </p:nvGrpSpPr>
+      <p:grpSpPr>
+        <a:xfrm>
+          <a:off x="0" y="0"/>
+          <a:ext cx="0" cy="0"/>
+          <a:chOff x="0" y="0"/>
+          <a:chExt cx="0" cy="0"/>
+        </a:xfrm>
+      </p:grpSpPr>
+      <p:sp>
+        <p:nvSpPr>
+          <p:cNvPr id="2" name="Title 1"/>
+          <p:cNvSpPr>
+            <a:spLocks noGrp="1"/>
+          </p:cNvSpPr>
+          <p:nvPr>
+            <p:ph type="title"/>
+          </p:nvPr>
+        </p:nvSpPr>
+        <p:spPr/>
+        <p:txBody>
+          <a:bodyPr>
+            <a:normAutofit fontScale="90000"/>
+          </a:bodyPr>
+          <a:lstStyle/>
+          <a:p>
+            <a:r>
+              <a:rPr lang="en-US" dirty="0" smtClean="0"/>
+              <a:t>1 VPC per Environment, per Application</a:t>
+            </a:r>
+            <a:endParaRPr lang="en-US" dirty="0"/>
+          </a:p>
+        </p:txBody>
+      </p:sp>
+      <p:sp>
+        <p:nvSpPr>
+          <p:cNvPr id="3" name="Content Placeholder 2"/>
+          <p:cNvSpPr>
+            <a:spLocks noGrp="1"/>
+          </p:cNvSpPr>
+          <p:nvPr>
+            <p:ph sz="quarter" idx="13"/>
+          </p:nvPr>
+        </p:nvSpPr>
+        <p:spPr/>
+        <p:txBody>
+          <a:bodyPr>
+            <a:normAutofit fontScale="92500" lnSpcReduction="20000"/>
+          </a:bodyPr>
+          <a:lstStyle/>
+          <a:p>
+            <a:pPr marL="0" indent="0">
+              <a:buNone/>
+            </a:pPr>
+            <a:r>
+              <a:rPr lang="en-US" dirty="0" smtClean="0"/>
+              <a:t>Pro:</a:t>
+            </a:r>
+          </a:p>
+          <a:p>
+            <a:r>
+              <a:rPr lang="en-US" dirty="0" smtClean="0"/>
+              <a:t>Isolation of Resources</a:t>
+            </a:r>
+          </a:p>
+          <a:p>
+            <a:pPr marL="0" indent="0">
+              <a:buNone/>
+            </a:pPr>
+            <a:r>
+              <a:rPr lang="en-US" dirty="0" smtClean="0"/>
+              <a:t>Con:</a:t>
+            </a:r>
+          </a:p>
+          <a:p>
+            <a:r>
+              <a:rPr lang="en-US" dirty="0"/>
+              <a:t>Many VPCs</a:t>
+            </a:r>
+          </a:p>
+          <a:p>
+            <a:r>
+              <a:rPr lang="en-US" dirty="0" smtClean="0"/>
+              <a:t>Many Subnets</a:t>
+            </a:r>
+          </a:p>
+          <a:p>
+            <a:r>
+              <a:rPr lang="en-US" dirty="0" smtClean="0"/>
+              <a:t>Potential lack of consistency</a:t>
+            </a:r>
+            <a:endParaRPr lang="en-US" dirty="0"/>
+          </a:p>
+          <a:p>
+            <a:r>
+              <a:rPr lang="en-US" dirty="0"/>
+              <a:t>Increased administration </a:t>
+            </a:r>
+            <a:r>
+              <a:rPr lang="en-US" dirty="0" smtClean="0"/>
+              <a:t>effort</a:t>
+            </a:r>
+          </a:p>
+          <a:p>
+            <a:r>
+              <a:rPr lang="en-US" dirty="0" smtClean="0"/>
+              <a:t>Multiply again if multi-region</a:t>
+            </a:r>
+            <a:endParaRPr lang="en-US" dirty="0"/>
+          </a:p>
+          <a:p>
+            <a:endParaRPr lang="en-US" dirty="0" smtClean="0"/>
+          </a:p>
+        </p:txBody>
+      </p:sp>
+      <p:pic>
+        <p:nvPicPr>
+          <p:cNvPr id="8" name="Content Placeholder 7" descr="VPC - Overall Design - 1 Env 1 App.png"/>
+          <p:cNvPicPr>
+            <a:picLocks noGrp="1" noChangeAspect="1"/>
+          </p:cNvPicPr>
+          <p:nvPr>
+            <p:ph sz="quarter" idx="14"/>
+          </p:nvPr>
+        </p:nvPicPr>
+        <p:blipFill rotWithShape="1">
+          <a:blip r:embed="rId3" cstate="print">
+            <a:extLst>
+              <a:ext uri="{28A0092B-C50C-407E-A947-70E740481C1C}">
+                <a14:useLocalDpi xmlns:a14="http://schemas.microsoft.com/office/drawing/2010/main" val="0"/>
+              </a:ext>
+            </a:extLst>
+          </a:blip>
+          <a:srcRect t="-947" b="-3770"/>
+          <a:stretch/>
+        </p:blipFill>
+        <p:spPr>
+          <a:xfrm>
+            <a:off x="4645152" y="2234063"/>
+            <a:ext cx="3822192" cy="3974289"/>
+          </a:xfrm>
+        </p:spPr>
+      </p:pic>
+    </p:spTree>
+    <p:extLst>
+      <p:ext uri="{BB962C8B-B14F-4D97-AF65-F5344CB8AC3E}">
+        <p14:creationId xmlns:p14="http://schemas.microsoft.com/office/powerpoint/2010/main" val="557141901"/>
+      </p:ext>
+    </p:extLst>
+  </p:cSld>
+  <p:clrMapOvr>
+    <a:masterClrMapping/>
+  </p:clrMapOvr>
+  <p:timing>
+    <p:tnLst>
+      <p:par>
+        <p:cTn xmlns:p14="http://schemas.microsoft.com/office/powerpoint/2010/main" id="1" dur="indefinite" restart="never" nodeType="tmRoot"/>
+      </p:par>
+    </p:tnLst>
+  </p:timing>
+</p:sld>
+</file>
+
+<file path=ppt/slides/slide13.xml><?xml version="1.0" encoding="utf-8"?>
+<p:sld xmlns:a="http://schemas.openxmlformats.org/drawingml/2006/main" xmlns:r="http://schemas.openxmlformats.org/officeDocument/2006/relationships" xmlns:p="http://schemas.openxmlformats.org/presentationml/2006/main">
+  <p:cSld>
+    <p:spTree>
+      <p:nvGrpSpPr>
+        <p:cNvPr id="1" name=""/>
+        <p:cNvGrpSpPr/>
+        <p:nvPr/>
+      </p:nvGrpSpPr>
+      <p:grpSpPr>
+        <a:xfrm>
+          <a:off x="0" y="0"/>
+          <a:ext cx="0" cy="0"/>
+          <a:chOff x="0" y="0"/>
+          <a:chExt cx="0" cy="0"/>
+        </a:xfrm>
+      </p:grpSpPr>
+      <p:sp>
+        <p:nvSpPr>
           <p:cNvPr id="2" name="Title 1"/>
           <p:cNvSpPr>
             <a:spLocks noGrp="1"/>
@@ -18335,7 +19044,7 @@
 </p:sld>
 </file>
 
-<file path=ppt/slides/slide11.xml><?xml version="1.0" encoding="utf-8"?>
+<file path=ppt/slides/slide14.xml><?xml version="1.0" encoding="utf-8"?>
 <p:sld xmlns:a="http://schemas.openxmlformats.org/drawingml/2006/main" xmlns:r="http://schemas.openxmlformats.org/officeDocument/2006/relationships" xmlns:p="http://schemas.openxmlformats.org/presentationml/2006/main">
   <p:cSld>
     <p:spTree>
@@ -18477,7 +19186,7 @@
 </p:sld>
 </file>
 
-<file path=ppt/slides/slide12.xml><?xml version="1.0" encoding="utf-8"?>
+<file path=ppt/slides/slide15.xml><?xml version="1.0" encoding="utf-8"?>
 <p:sld xmlns:a="http://schemas.openxmlformats.org/drawingml/2006/main" xmlns:r="http://schemas.openxmlformats.org/officeDocument/2006/relationships" xmlns:p="http://schemas.openxmlformats.org/presentationml/2006/main">
   <p:cSld>
     <p:spTree>
@@ -18595,7 +19304,7 @@
 </p:sld>
 </file>
 
-<file path=ppt/slides/slide13.xml><?xml version="1.0" encoding="utf-8"?>
+<file path=ppt/slides/slide16.xml><?xml version="1.0" encoding="utf-8"?>
 <p:sld xmlns:a="http://schemas.openxmlformats.org/drawingml/2006/main" xmlns:r="http://schemas.openxmlformats.org/officeDocument/2006/relationships" xmlns:p="http://schemas.openxmlformats.org/presentationml/2006/main">
   <p:cSld>
     <p:spTree>
@@ -18717,7 +19426,7 @@
 </p:sld>
 </file>
 
-<file path=ppt/slides/slide14.xml><?xml version="1.0" encoding="utf-8"?>
+<file path=ppt/slides/slide17.xml><?xml version="1.0" encoding="utf-8"?>
 <p:sld xmlns:a="http://schemas.openxmlformats.org/drawingml/2006/main" xmlns:r="http://schemas.openxmlformats.org/officeDocument/2006/relationships" xmlns:p="http://schemas.openxmlformats.org/presentationml/2006/main">
   <p:cSld>
     <p:spTree>
@@ -18814,7 +19523,7 @@
 </p:sld>
 </file>
 
-<file path=ppt/slides/slide15.xml><?xml version="1.0" encoding="utf-8"?>
+<file path=ppt/slides/slide18.xml><?xml version="1.0" encoding="utf-8"?>
 <p:sld xmlns:a="http://schemas.openxmlformats.org/drawingml/2006/main" xmlns:r="http://schemas.openxmlformats.org/officeDocument/2006/relationships" xmlns:p="http://schemas.openxmlformats.org/presentationml/2006/main">
   <p:cSld>
     <p:spTree>
@@ -18923,323 +19632,6 @@
 </p:sld>
 </file>
 
-<file path=ppt/slides/slide16.xml><?xml version="1.0" encoding="utf-8"?>
-<p:sld xmlns:a="http://schemas.openxmlformats.org/drawingml/2006/main" xmlns:r="http://schemas.openxmlformats.org/officeDocument/2006/relationships" xmlns:p="http://schemas.openxmlformats.org/presentationml/2006/main">
-  <p:cSld>
-    <p:spTree>
-      <p:nvGrpSpPr>
-        <p:cNvPr id="1" name=""/>
-        <p:cNvGrpSpPr/>
-        <p:nvPr/>
-      </p:nvGrpSpPr>
-      <p:grpSpPr>
-        <a:xfrm>
-          <a:off x="0" y="0"/>
-          <a:ext cx="0" cy="0"/>
-          <a:chOff x="0" y="0"/>
-          <a:chExt cx="0" cy="0"/>
-        </a:xfrm>
-      </p:grpSpPr>
-      <p:sp>
-        <p:nvSpPr>
-          <p:cNvPr id="3" name="Content Placeholder 2"/>
-          <p:cNvSpPr>
-            <a:spLocks noGrp="1"/>
-          </p:cNvSpPr>
-          <p:nvPr>
-            <p:ph idx="1"/>
-          </p:nvPr>
-        </p:nvSpPr>
-        <p:spPr/>
-        <p:txBody>
-          <a:bodyPr>
-            <a:normAutofit/>
-          </a:bodyPr>
-          <a:lstStyle/>
-          <a:p>
-            <a:r>
-              <a:rPr lang="en-US" dirty="0" smtClean="0"/>
-              <a:t>Site to Site VPN using a:</a:t>
-            </a:r>
-          </a:p>
-          <a:p>
-            <a:pPr lvl="1"/>
-            <a:r>
-              <a:rPr lang="en-US" dirty="0" smtClean="0"/>
-              <a:t>Customer Gateway (Customer Equipment)</a:t>
-            </a:r>
-          </a:p>
-          <a:p>
-            <a:pPr lvl="1"/>
-            <a:r>
-              <a:rPr lang="en-US" dirty="0" smtClean="0"/>
-              <a:t>Virtual Private Gateway (AWS Equipment)</a:t>
-            </a:r>
-          </a:p>
-          <a:p>
-            <a:r>
-              <a:rPr lang="en-US" dirty="0" smtClean="0"/>
-              <a:t>Connect a Data Center or Office Location</a:t>
-            </a:r>
-          </a:p>
-        </p:txBody>
-      </p:sp>
-      <p:sp>
-        <p:nvSpPr>
-          <p:cNvPr id="2" name="Title 1"/>
-          <p:cNvSpPr>
-            <a:spLocks noGrp="1"/>
-          </p:cNvSpPr>
-          <p:nvPr>
-            <p:ph type="title"/>
-          </p:nvPr>
-        </p:nvSpPr>
-        <p:spPr/>
-        <p:txBody>
-          <a:bodyPr>
-            <a:normAutofit/>
-          </a:bodyPr>
-          <a:lstStyle/>
-          <a:p>
-            <a:r>
-              <a:rPr lang="en-US" dirty="0" smtClean="0"/>
-              <a:t>VPC: Site to Site VPN</a:t>
-            </a:r>
-            <a:endParaRPr lang="en-US" dirty="0"/>
-          </a:p>
-        </p:txBody>
-      </p:sp>
-    </p:spTree>
-    <p:extLst>
-      <p:ext uri="{BB962C8B-B14F-4D97-AF65-F5344CB8AC3E}">
-        <p14:creationId xmlns:p14="http://schemas.microsoft.com/office/powerpoint/2010/main" val="932910774"/>
-      </p:ext>
-    </p:extLst>
-  </p:cSld>
-  <p:clrMapOvr>
-    <a:masterClrMapping/>
-  </p:clrMapOvr>
-  <p:timing>
-    <p:tnLst>
-      <p:par>
-        <p:cTn xmlns:p14="http://schemas.microsoft.com/office/powerpoint/2010/main" id="1" dur="indefinite" restart="never" nodeType="tmRoot"/>
-      </p:par>
-    </p:tnLst>
-  </p:timing>
-</p:sld>
-</file>
-
-<file path=ppt/slides/slide17.xml><?xml version="1.0" encoding="utf-8"?>
-<p:sld xmlns:a="http://schemas.openxmlformats.org/drawingml/2006/main" xmlns:r="http://schemas.openxmlformats.org/officeDocument/2006/relationships" xmlns:p="http://schemas.openxmlformats.org/presentationml/2006/main">
-  <p:cSld>
-    <p:spTree>
-      <p:nvGrpSpPr>
-        <p:cNvPr id="1" name=""/>
-        <p:cNvGrpSpPr/>
-        <p:nvPr/>
-      </p:nvGrpSpPr>
-      <p:grpSpPr>
-        <a:xfrm>
-          <a:off x="0" y="0"/>
-          <a:ext cx="0" cy="0"/>
-          <a:chOff x="0" y="0"/>
-          <a:chExt cx="0" cy="0"/>
-        </a:xfrm>
-      </p:grpSpPr>
-      <p:pic>
-        <p:nvPicPr>
-          <p:cNvPr id="4" name="Content Placeholder 3" descr="VPC - Connectivity - Site to Site VPN.png"/>
-          <p:cNvPicPr>
-            <a:picLocks noGrp="1" noChangeAspect="1"/>
-          </p:cNvPicPr>
-          <p:nvPr>
-            <p:ph idx="1"/>
-          </p:nvPr>
-        </p:nvPicPr>
-        <p:blipFill rotWithShape="1">
-          <a:blip r:embed="rId3" cstate="print">
-            <a:extLst>
-              <a:ext uri="{28A0092B-C50C-407E-A947-70E740481C1C}">
-                <a14:useLocalDpi xmlns:a14="http://schemas.microsoft.com/office/drawing/2010/main" val="0"/>
-              </a:ext>
-            </a:extLst>
-          </a:blip>
-          <a:srcRect l="-1137" t="-13473" r="-4443" b="-9879"/>
-          <a:stretch/>
-        </p:blipFill>
-        <p:spPr>
-          <a:xfrm>
-            <a:off x="457201" y="2210552"/>
-            <a:ext cx="8504508" cy="4256486"/>
-          </a:xfrm>
-        </p:spPr>
-      </p:pic>
-      <p:sp>
-        <p:nvSpPr>
-          <p:cNvPr id="2" name="Title 1"/>
-          <p:cNvSpPr>
-            <a:spLocks noGrp="1"/>
-          </p:cNvSpPr>
-          <p:nvPr>
-            <p:ph type="title"/>
-          </p:nvPr>
-        </p:nvSpPr>
-        <p:spPr/>
-        <p:txBody>
-          <a:bodyPr>
-            <a:normAutofit/>
-          </a:bodyPr>
-          <a:lstStyle/>
-          <a:p>
-            <a:r>
-              <a:rPr lang="en-US" dirty="0" smtClean="0"/>
-              <a:t>VPC: Site to Site VPN</a:t>
-            </a:r>
-            <a:endParaRPr lang="en-US" dirty="0"/>
-          </a:p>
-        </p:txBody>
-      </p:sp>
-    </p:spTree>
-    <p:extLst>
-      <p:ext uri="{BB962C8B-B14F-4D97-AF65-F5344CB8AC3E}">
-        <p14:creationId xmlns:p14="http://schemas.microsoft.com/office/powerpoint/2010/main" val="1331216849"/>
-      </p:ext>
-    </p:extLst>
-  </p:cSld>
-  <p:clrMapOvr>
-    <a:masterClrMapping/>
-  </p:clrMapOvr>
-  <p:timing>
-    <p:tnLst>
-      <p:par>
-        <p:cTn xmlns:p14="http://schemas.microsoft.com/office/powerpoint/2010/main" id="1" dur="indefinite" restart="never" nodeType="tmRoot"/>
-      </p:par>
-    </p:tnLst>
-  </p:timing>
-</p:sld>
-</file>
-
-<file path=ppt/slides/slide18.xml><?xml version="1.0" encoding="utf-8"?>
-<p:sld xmlns:a="http://schemas.openxmlformats.org/drawingml/2006/main" xmlns:r="http://schemas.openxmlformats.org/officeDocument/2006/relationships" xmlns:p="http://schemas.openxmlformats.org/presentationml/2006/main">
-  <p:cSld>
-    <p:spTree>
-      <p:nvGrpSpPr>
-        <p:cNvPr id="1" name=""/>
-        <p:cNvGrpSpPr/>
-        <p:nvPr/>
-      </p:nvGrpSpPr>
-      <p:grpSpPr>
-        <a:xfrm>
-          <a:off x="0" y="0"/>
-          <a:ext cx="0" cy="0"/>
-          <a:chOff x="0" y="0"/>
-          <a:chExt cx="0" cy="0"/>
-        </a:xfrm>
-      </p:grpSpPr>
-      <p:sp>
-        <p:nvSpPr>
-          <p:cNvPr id="3" name="Content Placeholder 2"/>
-          <p:cNvSpPr>
-            <a:spLocks noGrp="1"/>
-          </p:cNvSpPr>
-          <p:nvPr>
-            <p:ph idx="1"/>
-          </p:nvPr>
-        </p:nvSpPr>
-        <p:spPr/>
-        <p:txBody>
-          <a:bodyPr>
-            <a:normAutofit/>
-          </a:bodyPr>
-          <a:lstStyle/>
-          <a:p>
-            <a:r>
-              <a:rPr lang="en-US" dirty="0" smtClean="0"/>
-              <a:t>Connect directly from a given Data Center to a VPC</a:t>
-            </a:r>
-          </a:p>
-          <a:p>
-            <a:pPr lvl="1"/>
-            <a:r>
-              <a:rPr lang="en-US" dirty="0"/>
-              <a:t>Options for AWS Customers outside of Direct Connect location also available</a:t>
-            </a:r>
-            <a:r>
-              <a:rPr lang="en-US" dirty="0" smtClean="0"/>
-              <a:t>.</a:t>
-            </a:r>
-          </a:p>
-          <a:p>
-            <a:r>
-              <a:rPr lang="en-US" dirty="0" smtClean="0"/>
-              <a:t>Variable Speeds, see Documentation</a:t>
-            </a:r>
-          </a:p>
-          <a:p>
-            <a:r>
-              <a:rPr lang="en-US" dirty="0" smtClean="0"/>
-              <a:t>One Direct Connect for access to All US Regions</a:t>
-            </a:r>
-          </a:p>
-          <a:p>
-            <a:r>
-              <a:rPr lang="en-US" dirty="0" smtClean="0"/>
-              <a:t>Eliminate the need for VPN</a:t>
-            </a:r>
-          </a:p>
-          <a:p>
-            <a:r>
-              <a:rPr lang="en-US" dirty="0" smtClean="0"/>
-              <a:t>Lower Latency, Potentially Lower Cost</a:t>
-            </a:r>
-          </a:p>
-        </p:txBody>
-      </p:sp>
-      <p:sp>
-        <p:nvSpPr>
-          <p:cNvPr id="2" name="Title 1"/>
-          <p:cNvSpPr>
-            <a:spLocks noGrp="1"/>
-          </p:cNvSpPr>
-          <p:nvPr>
-            <p:ph type="title"/>
-          </p:nvPr>
-        </p:nvSpPr>
-        <p:spPr/>
-        <p:txBody>
-          <a:bodyPr>
-            <a:normAutofit/>
-          </a:bodyPr>
-          <a:lstStyle/>
-          <a:p>
-            <a:r>
-              <a:rPr lang="en-US" dirty="0" smtClean="0"/>
-              <a:t>VPC: Direct Connect</a:t>
-            </a:r>
-            <a:endParaRPr lang="en-US" dirty="0"/>
-          </a:p>
-        </p:txBody>
-      </p:sp>
-    </p:spTree>
-    <p:extLst>
-      <p:ext uri="{BB962C8B-B14F-4D97-AF65-F5344CB8AC3E}">
-        <p14:creationId xmlns:p14="http://schemas.microsoft.com/office/powerpoint/2010/main" val="121946876"/>
-      </p:ext>
-    </p:extLst>
-  </p:cSld>
-  <p:clrMapOvr>
-    <a:masterClrMapping/>
-  </p:clrMapOvr>
-  <p:timing>
-    <p:tnLst>
-      <p:par>
-        <p:cTn xmlns:p14="http://schemas.microsoft.com/office/powerpoint/2010/main" id="1" dur="indefinite" restart="never" nodeType="tmRoot"/>
-      </p:par>
-    </p:tnLst>
-  </p:timing>
-</p:sld>
-</file>
-
 <file path=ppt/slides/slide19.xml><?xml version="1.0" encoding="utf-8"?>
 <p:sld xmlns:a="http://schemas.openxmlformats.org/drawingml/2006/main" xmlns:r="http://schemas.openxmlformats.org/officeDocument/2006/relationships" xmlns:p="http://schemas.openxmlformats.org/presentationml/2006/main">
   <p:cSld>
@@ -19257,39 +19649,14 @@
           <a:chExt cx="0" cy="0"/>
         </a:xfrm>
       </p:grpSpPr>
-      <p:pic>
-        <p:nvPicPr>
-          <p:cNvPr id="4" name="Content Placeholder 3" descr="VPC - Connectivity - Direct Connect.png"/>
-          <p:cNvPicPr>
-            <a:picLocks noGrp="1" noChangeAspect="1"/>
-          </p:cNvPicPr>
-          <p:nvPr>
-            <p:ph idx="1"/>
-          </p:nvPr>
-        </p:nvPicPr>
-        <p:blipFill>
-          <a:blip r:embed="rId3" cstate="print">
-            <a:extLst>
-              <a:ext uri="{28A0092B-C50C-407E-A947-70E740481C1C}">
-                <a14:useLocalDpi xmlns:a14="http://schemas.microsoft.com/office/drawing/2010/main" val="0"/>
-              </a:ext>
-            </a:extLst>
-          </a:blip>
-          <a:srcRect l="1965" r="1965"/>
-          <a:stretch>
-            <a:fillRect/>
-          </a:stretch>
-        </p:blipFill>
-        <p:spPr/>
-      </p:pic>
-      <p:sp>
-        <p:nvSpPr>
-          <p:cNvPr id="2" name="Title 1"/>
+      <p:sp>
+        <p:nvSpPr>
+          <p:cNvPr id="3" name="Content Placeholder 2"/>
           <p:cNvSpPr>
             <a:spLocks noGrp="1"/>
           </p:cNvSpPr>
           <p:nvPr>
-            <p:ph type="title"/>
+            <p:ph idx="1"/>
           </p:nvPr>
         </p:nvSpPr>
         <p:spPr/>
@@ -19301,7 +19668,51 @@
           <a:p>
             <a:r>
               <a:rPr lang="en-US" dirty="0" smtClean="0"/>
-              <a:t>VPC: Direct Connect</a:t>
+              <a:t>Site to Site VPN using a:</a:t>
+            </a:r>
+          </a:p>
+          <a:p>
+            <a:pPr lvl="1"/>
+            <a:r>
+              <a:rPr lang="en-US" dirty="0" smtClean="0"/>
+              <a:t>Customer Gateway (Customer Equipment)</a:t>
+            </a:r>
+          </a:p>
+          <a:p>
+            <a:pPr lvl="1"/>
+            <a:r>
+              <a:rPr lang="en-US" dirty="0" smtClean="0"/>
+              <a:t>Virtual Private Gateway (AWS Equipment)</a:t>
+            </a:r>
+          </a:p>
+          <a:p>
+            <a:r>
+              <a:rPr lang="en-US" dirty="0" smtClean="0"/>
+              <a:t>Connect a Data Center or Office Location</a:t>
+            </a:r>
+          </a:p>
+        </p:txBody>
+      </p:sp>
+      <p:sp>
+        <p:nvSpPr>
+          <p:cNvPr id="2" name="Title 1"/>
+          <p:cNvSpPr>
+            <a:spLocks noGrp="1"/>
+          </p:cNvSpPr>
+          <p:nvPr>
+            <p:ph type="title"/>
+          </p:nvPr>
+        </p:nvSpPr>
+        <p:spPr/>
+        <p:txBody>
+          <a:bodyPr>
+            <a:normAutofit/>
+          </a:bodyPr>
+          <a:lstStyle/>
+          <a:p>
+            <a:r>
+              <a:rPr lang="en-US" dirty="0" smtClean="0"/>
+              <a:t>VPC: Site to Site VPN</a:t>
             </a:r>
             <a:endParaRPr lang="en-US" dirty="0"/>
           </a:p>
@@ -19310,7 +19721,7 @@
     </p:spTree>
     <p:extLst>
       <p:ext uri="{BB962C8B-B14F-4D97-AF65-F5344CB8AC3E}">
-        <p14:creationId xmlns:p14="http://schemas.microsoft.com/office/powerpoint/2010/main" val="3568672137"/>
+        <p14:creationId xmlns:p14="http://schemas.microsoft.com/office/powerpoint/2010/main" val="932910774"/>
       </p:ext>
     </p:extLst>
   </p:cSld>
@@ -19446,14 +19857,42 @@
           <a:chExt cx="0" cy="0"/>
         </a:xfrm>
       </p:grpSpPr>
-      <p:sp>
-        <p:nvSpPr>
-          <p:cNvPr id="3" name="Content Placeholder 2"/>
+      <p:pic>
+        <p:nvPicPr>
+          <p:cNvPr id="4" name="Content Placeholder 3" descr="VPC - Connectivity - Site to Site VPN.png"/>
+          <p:cNvPicPr>
+            <a:picLocks noGrp="1" noChangeAspect="1"/>
+          </p:cNvPicPr>
+          <p:nvPr>
+            <p:ph idx="1"/>
+          </p:nvPr>
+        </p:nvPicPr>
+        <p:blipFill rotWithShape="1">
+          <a:blip r:embed="rId3" cstate="print">
+            <a:extLst>
+              <a:ext uri="{28A0092B-C50C-407E-A947-70E740481C1C}">
+                <a14:useLocalDpi xmlns:a14="http://schemas.microsoft.com/office/drawing/2010/main" val="0"/>
+              </a:ext>
+            </a:extLst>
+          </a:blip>
+          <a:srcRect l="-1137" t="-13473" r="-4443" b="-9879"/>
+          <a:stretch/>
+        </p:blipFill>
+        <p:spPr>
+          <a:xfrm>
+            <a:off x="457201" y="2210552"/>
+            <a:ext cx="8504508" cy="4256486"/>
+          </a:xfrm>
+        </p:spPr>
+      </p:pic>
+      <p:sp>
+        <p:nvSpPr>
+          <p:cNvPr id="2" name="Title 1"/>
           <p:cNvSpPr>
             <a:spLocks noGrp="1"/>
           </p:cNvSpPr>
           <p:nvPr>
-            <p:ph idx="1"/>
+            <p:ph type="title"/>
           </p:nvPr>
         </p:nvSpPr>
         <p:spPr/>
@@ -19465,84 +19904,7 @@
           <a:p>
             <a:r>
               <a:rPr lang="en-US" dirty="0" smtClean="0"/>
-              <a:t>Connect two different VPCs</a:t>
-            </a:r>
-          </a:p>
-          <a:p>
-            <a:pPr lvl="1"/>
-            <a:r>
-              <a:rPr lang="en-US" dirty="0" smtClean="0"/>
-              <a:t>Example: modify route table to add route 10.0.0.0/16</a:t>
-            </a:r>
-            <a:r>
-              <a:rPr lang="en-US" dirty="0"/>
-              <a:t>, target pcx-7142bf18</a:t>
-            </a:r>
-            <a:endParaRPr lang="en-US" dirty="0" smtClean="0"/>
-          </a:p>
-          <a:p>
-            <a:r>
-              <a:rPr lang="en-US" dirty="0" smtClean="0"/>
-              <a:t>VPC Peering can be between accounts</a:t>
-            </a:r>
-          </a:p>
-          <a:p>
-            <a:r>
-              <a:rPr lang="en-US" dirty="0" smtClean="0">
-                <a:solidFill>
-                  <a:srgbClr val="FF6600"/>
-                </a:solidFill>
-              </a:rPr>
-              <a:t>VPC Peered Traffic is not Encrypted</a:t>
-            </a:r>
-          </a:p>
-          <a:p>
-            <a:r>
-              <a:rPr lang="en-US" dirty="0" smtClean="0">
-                <a:solidFill>
-                  <a:srgbClr val="FF6600"/>
-                </a:solidFill>
-              </a:rPr>
-              <a:t>Not able to reference Security Group in another VPC, must utilize CIDR Ranges</a:t>
-            </a:r>
-          </a:p>
-          <a:p>
-            <a:r>
-              <a:rPr lang="en-US" dirty="0" smtClean="0">
-                <a:solidFill>
-                  <a:srgbClr val="FF6600"/>
-                </a:solidFill>
-              </a:rPr>
-              <a:t>VPCs must have non-overlapping CIDR Blocks</a:t>
-            </a:r>
-            <a:endParaRPr lang="en-US" dirty="0">
-              <a:solidFill>
-                <a:srgbClr val="FF6600"/>
-              </a:solidFill>
-            </a:endParaRPr>
-          </a:p>
-        </p:txBody>
-      </p:sp>
-      <p:sp>
-        <p:nvSpPr>
-          <p:cNvPr id="2" name="Title 1"/>
-          <p:cNvSpPr>
-            <a:spLocks noGrp="1"/>
-          </p:cNvSpPr>
-          <p:nvPr>
-            <p:ph type="title"/>
-          </p:nvPr>
-        </p:nvSpPr>
-        <p:spPr/>
-        <p:txBody>
-          <a:bodyPr>
-            <a:normAutofit/>
-          </a:bodyPr>
-          <a:lstStyle/>
-          <a:p>
-            <a:r>
-              <a:rPr lang="en-US" dirty="0" smtClean="0"/>
-              <a:t>VPC: VPC Peering</a:t>
+              <a:t>VPC: Site to Site VPN</a:t>
             </a:r>
             <a:endParaRPr lang="en-US" dirty="0"/>
           </a:p>
@@ -19551,7 +19913,7 @@
     </p:spTree>
     <p:extLst>
       <p:ext uri="{BB962C8B-B14F-4D97-AF65-F5344CB8AC3E}">
-        <p14:creationId xmlns:p14="http://schemas.microsoft.com/office/powerpoint/2010/main" val="4043474362"/>
+        <p14:creationId xmlns:p14="http://schemas.microsoft.com/office/powerpoint/2010/main" val="1331216849"/>
       </p:ext>
     </p:extLst>
   </p:cSld>
@@ -19585,42 +19947,14 @@
           <a:chExt cx="0" cy="0"/>
         </a:xfrm>
       </p:grpSpPr>
-      <p:pic>
-        <p:nvPicPr>
-          <p:cNvPr id="4" name="Content Placeholder 3" descr="VPC - Connectivity - VPC Peering.png"/>
-          <p:cNvPicPr>
-            <a:picLocks noGrp="1" noChangeAspect="1"/>
-          </p:cNvPicPr>
-          <p:nvPr>
-            <p:ph idx="1"/>
-          </p:nvPr>
-        </p:nvPicPr>
-        <p:blipFill rotWithShape="1">
-          <a:blip r:embed="rId3" cstate="print">
-            <a:extLst>
-              <a:ext uri="{28A0092B-C50C-407E-A947-70E740481C1C}">
-                <a14:useLocalDpi xmlns:a14="http://schemas.microsoft.com/office/drawing/2010/main" val="0"/>
-              </a:ext>
-            </a:extLst>
-          </a:blip>
-          <a:srcRect l="-288" r="-2846"/>
-          <a:stretch/>
-        </p:blipFill>
-        <p:spPr>
-          <a:xfrm>
-            <a:off x="203199" y="2995601"/>
-            <a:ext cx="8986984" cy="3130562"/>
-          </a:xfrm>
-        </p:spPr>
-      </p:pic>
-      <p:sp>
-        <p:nvSpPr>
-          <p:cNvPr id="2" name="Title 1"/>
+      <p:sp>
+        <p:nvSpPr>
+          <p:cNvPr id="3" name="Content Placeholder 2"/>
           <p:cNvSpPr>
             <a:spLocks noGrp="1"/>
           </p:cNvSpPr>
           <p:nvPr>
-            <p:ph type="title"/>
+            <p:ph idx="1"/>
           </p:nvPr>
         </p:nvSpPr>
         <p:spPr/>
@@ -19632,7 +19966,66 @@
           <a:p>
             <a:r>
               <a:rPr lang="en-US" dirty="0" smtClean="0"/>
-              <a:t>VPC: VPC Peering</a:t>
+              <a:t>Connect directly from a given Data Center to a VPC</a:t>
+            </a:r>
+          </a:p>
+          <a:p>
+            <a:pPr lvl="1"/>
+            <a:r>
+              <a:rPr lang="en-US" dirty="0"/>
+              <a:t>Options for AWS Customers outside of Direct Connect location also available</a:t>
+            </a:r>
+            <a:r>
+              <a:rPr lang="en-US" dirty="0" smtClean="0"/>
+              <a:t>.</a:t>
+            </a:r>
+          </a:p>
+          <a:p>
+            <a:r>
+              <a:rPr lang="en-US" dirty="0" smtClean="0"/>
+              <a:t>Variable Speeds, see Documentation</a:t>
+            </a:r>
+          </a:p>
+          <a:p>
+            <a:r>
+              <a:rPr lang="en-US" dirty="0" smtClean="0"/>
+              <a:t>One Direct Connect for access to All US Regions</a:t>
+            </a:r>
+          </a:p>
+          <a:p>
+            <a:r>
+              <a:rPr lang="en-US" dirty="0" smtClean="0"/>
+              <a:t>Eliminate the need for VPN</a:t>
+            </a:r>
+          </a:p>
+          <a:p>
+            <a:r>
+              <a:rPr lang="en-US" dirty="0" smtClean="0"/>
+              <a:t>Lower Latency, Potentially Lower Cost</a:t>
+            </a:r>
+          </a:p>
+        </p:txBody>
+      </p:sp>
+      <p:sp>
+        <p:nvSpPr>
+          <p:cNvPr id="2" name="Title 1"/>
+          <p:cNvSpPr>
+            <a:spLocks noGrp="1"/>
+          </p:cNvSpPr>
+          <p:nvPr>
+            <p:ph type="title"/>
+          </p:nvPr>
+        </p:nvSpPr>
+        <p:spPr/>
+        <p:txBody>
+          <a:bodyPr>
+            <a:normAutofit/>
+          </a:bodyPr>
+          <a:lstStyle/>
+          <a:p>
+            <a:r>
+              <a:rPr lang="en-US" dirty="0" smtClean="0"/>
+              <a:t>VPC: Direct Connect</a:t>
             </a:r>
             <a:endParaRPr lang="en-US" dirty="0"/>
           </a:p>
@@ -19641,7 +20034,7 @@
     </p:spTree>
     <p:extLst>
       <p:ext uri="{BB962C8B-B14F-4D97-AF65-F5344CB8AC3E}">
-        <p14:creationId xmlns:p14="http://schemas.microsoft.com/office/powerpoint/2010/main" val="3215032516"/>
+        <p14:creationId xmlns:p14="http://schemas.microsoft.com/office/powerpoint/2010/main" val="121946876"/>
       </p:ext>
     </p:extLst>
   </p:cSld>
@@ -19675,79 +20068,31 @@
           <a:chExt cx="0" cy="0"/>
         </a:xfrm>
       </p:grpSpPr>
-      <p:sp>
-        <p:nvSpPr>
-          <p:cNvPr id="3" name="Content Placeholder 2"/>
-          <p:cNvSpPr>
-            <a:spLocks noGrp="1"/>
-          </p:cNvSpPr>
+      <p:pic>
+        <p:nvPicPr>
+          <p:cNvPr id="4" name="Content Placeholder 3" descr="VPC - Connectivity - Direct Connect.png"/>
+          <p:cNvPicPr>
+            <a:picLocks noGrp="1" noChangeAspect="1"/>
+          </p:cNvPicPr>
           <p:nvPr>
             <p:ph idx="1"/>
           </p:nvPr>
-        </p:nvSpPr>
+        </p:nvPicPr>
+        <p:blipFill>
+          <a:blip r:embed="rId3" cstate="print">
+            <a:extLst>
+              <a:ext uri="{28A0092B-C50C-407E-A947-70E740481C1C}">
+                <a14:useLocalDpi xmlns:a14="http://schemas.microsoft.com/office/drawing/2010/main" val="0"/>
+              </a:ext>
+            </a:extLst>
+          </a:blip>
+          <a:srcRect l="1965" r="1965"/>
+          <a:stretch>
+            <a:fillRect/>
+          </a:stretch>
+        </p:blipFill>
         <p:spPr/>
-        <p:txBody>
-          <a:bodyPr>
-            <a:normAutofit fontScale="92500" lnSpcReduction="10000"/>
-          </a:bodyPr>
-          <a:lstStyle/>
-          <a:p>
-            <a:r>
-              <a:rPr lang="en-US" dirty="0" smtClean="0"/>
-              <a:t>Direct Access</a:t>
-            </a:r>
-          </a:p>
-          <a:p>
-            <a:r>
-              <a:rPr lang="en-US" dirty="0" err="1" smtClean="0"/>
-              <a:t>ssh</a:t>
-            </a:r>
-            <a:r>
-              <a:rPr lang="en-US" dirty="0" smtClean="0"/>
-              <a:t> Based Bastion Host</a:t>
-            </a:r>
-          </a:p>
-          <a:p>
-            <a:r>
-              <a:rPr lang="en-US" dirty="0" smtClean="0"/>
-              <a:t>VPN Based Bastion Host</a:t>
-            </a:r>
-          </a:p>
-          <a:p>
-            <a:r>
-              <a:rPr lang="en-US" dirty="0" smtClean="0"/>
-              <a:t>Site to Site VPN</a:t>
-            </a:r>
-          </a:p>
-          <a:p>
-            <a:pPr lvl="1"/>
-            <a:r>
-              <a:rPr lang="en-US" dirty="0" smtClean="0"/>
-              <a:t>Extends network attack space</a:t>
-            </a:r>
-          </a:p>
-          <a:p>
-            <a:r>
-              <a:rPr lang="en-US" dirty="0" smtClean="0"/>
-              <a:t>Hybrid Approach</a:t>
-            </a:r>
-          </a:p>
-          <a:p>
-            <a:r>
-              <a:rPr lang="en-US" dirty="0" smtClean="0"/>
-              <a:t>Note: </a:t>
-            </a:r>
-            <a:r>
-              <a:rPr lang="en-US" i="1" dirty="0" smtClean="0"/>
-              <a:t>my experience is companies simply choose the technology they are most familiar with and then switch if needed.</a:t>
-            </a:r>
-            <a:endParaRPr lang="en-US" i="1" dirty="0"/>
-          </a:p>
-          <a:p>
-            <a:endParaRPr lang="en-US" i="1" dirty="0"/>
-          </a:p>
-        </p:txBody>
-      </p:sp>
+      </p:pic>
       <p:sp>
         <p:nvSpPr>
           <p:cNvPr id="2" name="Title 1"/>
@@ -19767,7 +20112,7 @@
           <a:p>
             <a:r>
               <a:rPr lang="en-US" dirty="0" smtClean="0"/>
-              <a:t>VPC: Client Ingress Options</a:t>
+              <a:t>VPC: Direct Connect</a:t>
             </a:r>
             <a:endParaRPr lang="en-US" dirty="0"/>
           </a:p>
@@ -19776,7 +20121,7 @@
     </p:spTree>
     <p:extLst>
       <p:ext uri="{BB962C8B-B14F-4D97-AF65-F5344CB8AC3E}">
-        <p14:creationId xmlns:p14="http://schemas.microsoft.com/office/powerpoint/2010/main" val="2197122818"/>
+        <p14:creationId xmlns:p14="http://schemas.microsoft.com/office/powerpoint/2010/main" val="3568672137"/>
       </p:ext>
     </p:extLst>
   </p:cSld>
@@ -19827,81 +20172,63 @@
           </a:bodyPr>
           <a:lstStyle/>
           <a:p>
-            <a:pPr marL="0" indent="0">
-              <a:buNone/>
-            </a:pPr>
-            <a:r>
-              <a:rPr lang="en-US" dirty="0" smtClean="0"/>
-              <a:t>Benefit:</a:t>
-            </a:r>
-          </a:p>
-          <a:p>
-            <a:r>
-              <a:rPr lang="en-US" dirty="0" err="1" smtClean="0"/>
-              <a:t>ssh</a:t>
-            </a:r>
-            <a:r>
-              <a:rPr lang="en-US" dirty="0" smtClean="0"/>
-              <a:t> use familiar to most Engineers / Operations</a:t>
-            </a:r>
-          </a:p>
-          <a:p>
-            <a:r>
-              <a:rPr lang="en-US" dirty="0" err="1"/>
-              <a:t>ssh</a:t>
+            <a:r>
+              <a:rPr lang="en-US" dirty="0" smtClean="0"/>
+              <a:t>Connect two different VPCs</a:t>
+            </a:r>
+          </a:p>
+          <a:p>
+            <a:pPr lvl="1"/>
+            <a:r>
+              <a:rPr lang="en-US" dirty="0" smtClean="0"/>
+              <a:t>Example: modify route table to add route 10.0.0.0/16</a:t>
             </a:r>
             <a:r>
               <a:rPr lang="en-US" dirty="0"/>
-              <a:t> host Bastion Host easy to setup</a:t>
-            </a:r>
-          </a:p>
-          <a:p>
-            <a:pPr marL="0" indent="0">
-              <a:buNone/>
-            </a:pPr>
-            <a:r>
-              <a:rPr lang="en-US" dirty="0" smtClean="0"/>
-              <a:t>Challenge:</a:t>
-            </a:r>
-          </a:p>
-          <a:p>
-            <a:r>
-              <a:rPr lang="en-US" dirty="0" err="1" smtClean="0"/>
-              <a:t>ssh</a:t>
-            </a:r>
-            <a:r>
-              <a:rPr lang="en-US" dirty="0" smtClean="0"/>
-              <a:t> agent forwarding, port forwarding and/or SOCKS proxies may be unfamiliar or complicated</a:t>
-            </a:r>
-          </a:p>
-          <a:p>
-            <a:r>
-              <a:rPr lang="en-US" dirty="0"/>
-              <a:t>i</a:t>
-            </a:r>
-            <a:r>
-              <a:rPr lang="en-US" dirty="0" smtClean="0"/>
-              <a:t>f running Windows hosts, </a:t>
-            </a:r>
-            <a:r>
-              <a:rPr lang="en-US" dirty="0" err="1" smtClean="0"/>
-              <a:t>ssh</a:t>
-            </a:r>
-            <a:r>
-              <a:rPr lang="en-US" dirty="0" smtClean="0"/>
-              <a:t> or </a:t>
-            </a:r>
-            <a:r>
-              <a:rPr lang="en-US" dirty="0" err="1" smtClean="0"/>
-              <a:t>ssh</a:t>
-            </a:r>
-            <a:r>
-              <a:rPr lang="en-US" dirty="0" smtClean="0"/>
-              <a:t>/RDP combination may be difficult</a:t>
-            </a:r>
-          </a:p>
-          <a:p>
+              <a:t>, target pcx-7142bf18</a:t>
+            </a:r>
             <a:endParaRPr lang="en-US" dirty="0" smtClean="0"/>
+          </a:p>
+          <a:p>
+            <a:r>
+              <a:rPr lang="en-US" dirty="0" smtClean="0"/>
+              <a:t>VPC Peering can be between accounts</a:t>
+            </a:r>
+          </a:p>
+          <a:p>
+            <a:r>
+              <a:rPr lang="en-US" dirty="0" smtClean="0">
+                <a:solidFill>
+                  <a:srgbClr val="FF6600"/>
+                </a:solidFill>
+              </a:rPr>
+              <a:t>VPC Peered Traffic is not Encrypted</a:t>
+            </a:r>
+          </a:p>
+          <a:p>
+            <a:r>
+              <a:rPr lang="en-US" dirty="0" smtClean="0">
+                <a:solidFill>
+                  <a:srgbClr val="FF6600"/>
+                </a:solidFill>
+              </a:rPr>
+              <a:t>Not able to reference Security Group in another VPC, must utilize CIDR Ranges</a:t>
+            </a:r>
+          </a:p>
+          <a:p>
+            <a:r>
+              <a:rPr lang="en-US" dirty="0" smtClean="0">
+                <a:solidFill>
+                  <a:srgbClr val="FF6600"/>
+                </a:solidFill>
+              </a:rPr>
+              <a:t>VPCs must have non-overlapping CIDR Blocks</a:t>
+            </a:r>
+            <a:endParaRPr lang="en-US" dirty="0">
+              <a:solidFill>
+                <a:srgbClr val="FF6600"/>
+              </a:solidFill>
+            </a:endParaRPr>
           </a:p>
         </p:txBody>
       </p:sp>
@@ -19918,21 +20245,13 @@
         <p:spPr/>
         <p:txBody>
           <a:bodyPr>
-            <a:normAutofit fontScale="90000"/>
+            <a:normAutofit/>
           </a:bodyPr>
           <a:lstStyle/>
           <a:p>
             <a:r>
               <a:rPr lang="en-US" dirty="0" smtClean="0"/>
-              <a:t>VPC Client Ingress: </a:t>
-            </a:r>
-            <a:r>
-              <a:rPr lang="en-US" dirty="0" err="1" smtClean="0"/>
-              <a:t>ssh</a:t>
-            </a:r>
-            <a:r>
-              <a:rPr lang="en-US" dirty="0" smtClean="0"/>
-              <a:t> Bastion Host</a:t>
+              <a:t>VPC: VPC Peering</a:t>
             </a:r>
             <a:endParaRPr lang="en-US" dirty="0"/>
           </a:p>
@@ -19941,7 +20260,7 @@
     </p:spTree>
     <p:extLst>
       <p:ext uri="{BB962C8B-B14F-4D97-AF65-F5344CB8AC3E}">
-        <p14:creationId xmlns:p14="http://schemas.microsoft.com/office/powerpoint/2010/main" val="3783298176"/>
+        <p14:creationId xmlns:p14="http://schemas.microsoft.com/office/powerpoint/2010/main" val="4043474362"/>
       </p:ext>
     </p:extLst>
   </p:cSld>
@@ -19977,7 +20296,7 @@
       </p:grpSpPr>
       <p:pic>
         <p:nvPicPr>
-          <p:cNvPr id="4" name="Content Placeholder 3" descr="VPC - Client Connectivity - ssh.png"/>
+          <p:cNvPr id="4" name="Content Placeholder 3" descr="VPC - Connectivity - VPC Peering.png"/>
           <p:cNvPicPr>
             <a:picLocks noGrp="1" noChangeAspect="1"/>
           </p:cNvPicPr>
@@ -19993,13 +20312,13 @@
               </a:ext>
             </a:extLst>
           </a:blip>
-          <a:srcRect l="1366" r="-1192"/>
+          <a:srcRect l="-288" r="-2846"/>
           <a:stretch/>
         </p:blipFill>
         <p:spPr>
           <a:xfrm>
-            <a:off x="237229" y="3461822"/>
-            <a:ext cx="8745136" cy="2456522"/>
+            <a:off x="203199" y="2995601"/>
+            <a:ext cx="8986984" cy="3130562"/>
           </a:xfrm>
         </p:spPr>
       </p:pic>
@@ -20016,21 +20335,13 @@
         <p:spPr/>
         <p:txBody>
           <a:bodyPr>
-            <a:normAutofit fontScale="90000"/>
+            <a:normAutofit/>
           </a:bodyPr>
           <a:lstStyle/>
           <a:p>
             <a:r>
               <a:rPr lang="en-US" dirty="0" smtClean="0"/>
-              <a:t>VPC Client Ingress: </a:t>
-            </a:r>
-            <a:r>
-              <a:rPr lang="en-US" dirty="0" err="1" smtClean="0"/>
-              <a:t>ssh</a:t>
-            </a:r>
-            <a:r>
-              <a:rPr lang="en-US" dirty="0" smtClean="0"/>
-              <a:t> Bastion Host</a:t>
+              <a:t>VPC: VPC Peering</a:t>
             </a:r>
             <a:endParaRPr lang="en-US" dirty="0"/>
           </a:p>
@@ -20039,7 +20350,7 @@
     </p:spTree>
     <p:extLst>
       <p:ext uri="{BB962C8B-B14F-4D97-AF65-F5344CB8AC3E}">
-        <p14:creationId xmlns:p14="http://schemas.microsoft.com/office/powerpoint/2010/main" val="1056796517"/>
+        <p14:creationId xmlns:p14="http://schemas.microsoft.com/office/powerpoint/2010/main" val="3215032516"/>
       </p:ext>
     </p:extLst>
   </p:cSld>
@@ -20086,29 +20397,63 @@
         <p:spPr/>
         <p:txBody>
           <a:bodyPr>
-            <a:normAutofit/>
+            <a:normAutofit fontScale="92500" lnSpcReduction="10000"/>
           </a:bodyPr>
           <a:lstStyle/>
           <a:p>
             <a:r>
               <a:rPr lang="en-US" dirty="0" smtClean="0"/>
-              <a:t>no configuration for services outside of SSH/RDP</a:t>
-            </a:r>
-          </a:p>
-          <a:p>
-            <a:r>
-              <a:rPr lang="en-US" dirty="0" smtClean="0"/>
-              <a:t>VPN use generally straight-forward and familiar</a:t>
-            </a:r>
-          </a:p>
-          <a:p>
-            <a:r>
-              <a:rPr lang="en-US" dirty="0" smtClean="0"/>
-              <a:t>VPN may be challenging to manage for smaller organizations</a:t>
-            </a:r>
-          </a:p>
-          <a:p>
-            <a:endParaRPr lang="en-US" dirty="0" smtClean="0"/>
+              <a:t>Direct Access</a:t>
+            </a:r>
+          </a:p>
+          <a:p>
+            <a:r>
+              <a:rPr lang="en-US" dirty="0" err="1" smtClean="0"/>
+              <a:t>ssh</a:t>
+            </a:r>
+            <a:r>
+              <a:rPr lang="en-US" dirty="0" smtClean="0"/>
+              <a:t> Based Bastion Host</a:t>
+            </a:r>
+          </a:p>
+          <a:p>
+            <a:r>
+              <a:rPr lang="en-US" dirty="0" smtClean="0"/>
+              <a:t>VPN Based Bastion Host</a:t>
+            </a:r>
+          </a:p>
+          <a:p>
+            <a:r>
+              <a:rPr lang="en-US" dirty="0" smtClean="0"/>
+              <a:t>Site to Site VPN</a:t>
+            </a:r>
+          </a:p>
+          <a:p>
+            <a:pPr lvl="1"/>
+            <a:r>
+              <a:rPr lang="en-US" dirty="0" smtClean="0"/>
+              <a:t>Extends network attack space</a:t>
+            </a:r>
+          </a:p>
+          <a:p>
+            <a:r>
+              <a:rPr lang="en-US" dirty="0" smtClean="0"/>
+              <a:t>Hybrid Approach</a:t>
+            </a:r>
+          </a:p>
+          <a:p>
+            <a:r>
+              <a:rPr lang="en-US" dirty="0" smtClean="0"/>
+              <a:t>Note: </a:t>
+            </a:r>
+            <a:r>
+              <a:rPr lang="en-US" i="1" dirty="0" smtClean="0"/>
+              <a:t>my experience is companies simply choose the technology they are most familiar with and then switch if needed.</a:t>
+            </a:r>
+            <a:endParaRPr lang="en-US" i="1" dirty="0"/>
+          </a:p>
+          <a:p>
+            <a:endParaRPr lang="en-US" i="1" dirty="0"/>
           </a:p>
         </p:txBody>
       </p:sp>
@@ -20131,7 +20476,7 @@
           <a:p>
             <a:r>
               <a:rPr lang="en-US" dirty="0" smtClean="0"/>
-              <a:t>VPC Client Ingress: VPN Host</a:t>
+              <a:t>VPC: Client Ingress Options</a:t>
             </a:r>
             <a:endParaRPr lang="en-US" dirty="0"/>
           </a:p>
@@ -20140,7 +20485,7 @@
     </p:spTree>
     <p:extLst>
       <p:ext uri="{BB962C8B-B14F-4D97-AF65-F5344CB8AC3E}">
-        <p14:creationId xmlns:p14="http://schemas.microsoft.com/office/powerpoint/2010/main" val="360506837"/>
+        <p14:creationId xmlns:p14="http://schemas.microsoft.com/office/powerpoint/2010/main" val="2197122818"/>
       </p:ext>
     </p:extLst>
   </p:cSld>
@@ -20174,42 +20519,14 @@
           <a:chExt cx="0" cy="0"/>
         </a:xfrm>
       </p:grpSpPr>
-      <p:pic>
-        <p:nvPicPr>
-          <p:cNvPr id="4" name="Content Placeholder 3" descr="VPC - Client Connectivity - VPN Host.png"/>
-          <p:cNvPicPr>
-            <a:picLocks noGrp="1" noChangeAspect="1"/>
-          </p:cNvPicPr>
-          <p:nvPr>
-            <p:ph idx="1"/>
-          </p:nvPr>
-        </p:nvPicPr>
-        <p:blipFill rotWithShape="1">
-          <a:blip r:embed="rId3" cstate="print">
-            <a:extLst>
-              <a:ext uri="{28A0092B-C50C-407E-A947-70E740481C1C}">
-                <a14:useLocalDpi xmlns:a14="http://schemas.microsoft.com/office/drawing/2010/main" val="0"/>
-              </a:ext>
-            </a:extLst>
-          </a:blip>
-          <a:srcRect l="802" r="-2692"/>
-          <a:stretch/>
-        </p:blipFill>
-        <p:spPr>
-          <a:xfrm>
-            <a:off x="434109" y="3602180"/>
-            <a:ext cx="8583757" cy="2362345"/>
-          </a:xfrm>
-        </p:spPr>
-      </p:pic>
-      <p:sp>
-        <p:nvSpPr>
-          <p:cNvPr id="2" name="Title 1"/>
+      <p:sp>
+        <p:nvSpPr>
+          <p:cNvPr id="3" name="Content Placeholder 2"/>
           <p:cNvSpPr>
             <a:spLocks noGrp="1"/>
           </p:cNvSpPr>
           <p:nvPr>
-            <p:ph type="title"/>
+            <p:ph idx="1"/>
           </p:nvPr>
         </p:nvSpPr>
         <p:spPr/>
@@ -20219,9 +20536,112 @@
           </a:bodyPr>
           <a:lstStyle/>
           <a:p>
-            <a:r>
-              <a:rPr lang="en-US" dirty="0" smtClean="0"/>
-              <a:t>VPC Client Ingress: VPN Host</a:t>
+            <a:pPr marL="0" indent="0">
+              <a:buNone/>
+            </a:pPr>
+            <a:r>
+              <a:rPr lang="en-US" dirty="0" smtClean="0"/>
+              <a:t>Benefit:</a:t>
+            </a:r>
+          </a:p>
+          <a:p>
+            <a:r>
+              <a:rPr lang="en-US" dirty="0" err="1" smtClean="0"/>
+              <a:t>ssh</a:t>
+            </a:r>
+            <a:r>
+              <a:rPr lang="en-US" dirty="0" smtClean="0"/>
+              <a:t> use familiar to most Engineers / Operations</a:t>
+            </a:r>
+          </a:p>
+          <a:p>
+            <a:r>
+              <a:rPr lang="en-US" dirty="0" err="1"/>
+              <a:t>ssh</a:t>
+            </a:r>
+            <a:r>
+              <a:rPr lang="en-US" dirty="0"/>
+              <a:t> host Bastion Host easy to setup</a:t>
+            </a:r>
+          </a:p>
+          <a:p>
+            <a:pPr marL="0" indent="0">
+              <a:buNone/>
+            </a:pPr>
+            <a:r>
+              <a:rPr lang="en-US" dirty="0" smtClean="0"/>
+              <a:t>Challenge:</a:t>
+            </a:r>
+          </a:p>
+          <a:p>
+            <a:r>
+              <a:rPr lang="en-US" dirty="0" err="1" smtClean="0"/>
+              <a:t>ssh</a:t>
+            </a:r>
+            <a:r>
+              <a:rPr lang="en-US" dirty="0" smtClean="0"/>
+              <a:t> agent forwarding, port forwarding and/or SOCKS proxies may be unfamiliar or complicated</a:t>
+            </a:r>
+          </a:p>
+          <a:p>
+            <a:r>
+              <a:rPr lang="en-US" dirty="0"/>
+              <a:t>i</a:t>
+            </a:r>
+            <a:r>
+              <a:rPr lang="en-US" dirty="0" smtClean="0"/>
+              <a:t>f running Windows hosts, </a:t>
+            </a:r>
+            <a:r>
+              <a:rPr lang="en-US" dirty="0" err="1" smtClean="0"/>
+              <a:t>ssh</a:t>
+            </a:r>
+            <a:r>
+              <a:rPr lang="en-US" dirty="0" smtClean="0"/>
+              <a:t> or </a:t>
+            </a:r>
+            <a:r>
+              <a:rPr lang="en-US" dirty="0" err="1" smtClean="0"/>
+              <a:t>ssh</a:t>
+            </a:r>
+            <a:r>
+              <a:rPr lang="en-US" dirty="0" smtClean="0"/>
+              <a:t>/RDP combination may be difficult</a:t>
+            </a:r>
+          </a:p>
+          <a:p>
+            <a:endParaRPr lang="en-US" dirty="0" smtClean="0"/>
+          </a:p>
+        </p:txBody>
+      </p:sp>
+      <p:sp>
+        <p:nvSpPr>
+          <p:cNvPr id="2" name="Title 1"/>
+          <p:cNvSpPr>
+            <a:spLocks noGrp="1"/>
+          </p:cNvSpPr>
+          <p:nvPr>
+            <p:ph type="title"/>
+          </p:nvPr>
+        </p:nvSpPr>
+        <p:spPr/>
+        <p:txBody>
+          <a:bodyPr>
+            <a:normAutofit fontScale="90000"/>
+          </a:bodyPr>
+          <a:lstStyle/>
+          <a:p>
+            <a:r>
+              <a:rPr lang="en-US" dirty="0" smtClean="0"/>
+              <a:t>VPC Client Ingress: </a:t>
+            </a:r>
+            <a:r>
+              <a:rPr lang="en-US" dirty="0" err="1" smtClean="0"/>
+              <a:t>ssh</a:t>
+            </a:r>
+            <a:r>
+              <a:rPr lang="en-US" dirty="0" smtClean="0"/>
+              <a:t> Bastion Host</a:t>
             </a:r>
             <a:endParaRPr lang="en-US" dirty="0"/>
           </a:p>
@@ -20230,7 +20650,7 @@
     </p:spTree>
     <p:extLst>
       <p:ext uri="{BB962C8B-B14F-4D97-AF65-F5344CB8AC3E}">
-        <p14:creationId xmlns:p14="http://schemas.microsoft.com/office/powerpoint/2010/main" val="3818333778"/>
+        <p14:creationId xmlns:p14="http://schemas.microsoft.com/office/powerpoint/2010/main" val="3783298176"/>
       </p:ext>
     </p:extLst>
   </p:cSld>
@@ -20264,50 +20684,34 @@
           <a:chExt cx="0" cy="0"/>
         </a:xfrm>
       </p:grpSpPr>
-      <p:sp>
-        <p:nvSpPr>
-          <p:cNvPr id="3" name="Content Placeholder 2"/>
-          <p:cNvSpPr>
-            <a:spLocks noGrp="1"/>
-          </p:cNvSpPr>
+      <p:pic>
+        <p:nvPicPr>
+          <p:cNvPr id="4" name="Content Placeholder 3" descr="VPC - Client Connectivity - ssh.png"/>
+          <p:cNvPicPr>
+            <a:picLocks noGrp="1" noChangeAspect="1"/>
+          </p:cNvPicPr>
           <p:nvPr>
             <p:ph idx="1"/>
           </p:nvPr>
-        </p:nvSpPr>
-        <p:spPr/>
-        <p:txBody>
-          <a:bodyPr>
-            <a:normAutofit/>
-          </a:bodyPr>
-          <a:lstStyle/>
-          <a:p>
-            <a:r>
-              <a:rPr lang="en-US" dirty="0" smtClean="0"/>
-              <a:t>Minimal or No Configuration when on-site</a:t>
-            </a:r>
-          </a:p>
-          <a:p>
-            <a:r>
-              <a:rPr lang="en-US" dirty="0" smtClean="0"/>
-              <a:t>On-site network security</a:t>
-            </a:r>
-            <a:r>
-              <a:rPr lang="en-US" dirty="0"/>
-              <a:t> </a:t>
-            </a:r>
-            <a:r>
-              <a:rPr lang="en-US" dirty="0" smtClean="0"/>
-              <a:t>must meet standards required by company</a:t>
-            </a:r>
-          </a:p>
-          <a:p>
-            <a:r>
-              <a:rPr lang="en-US" dirty="0" smtClean="0"/>
-              <a:t>If off-site, clients must either VPN to on-site location or VPN directly to AWS</a:t>
-            </a:r>
-          </a:p>
-        </p:txBody>
-      </p:sp>
+        </p:nvPicPr>
+        <p:blipFill rotWithShape="1">
+          <a:blip r:embed="rId3" cstate="print">
+            <a:extLst>
+              <a:ext uri="{28A0092B-C50C-407E-A947-70E740481C1C}">
+                <a14:useLocalDpi xmlns:a14="http://schemas.microsoft.com/office/drawing/2010/main" val="0"/>
+              </a:ext>
+            </a:extLst>
+          </a:blip>
+          <a:srcRect l="1366" r="-1192"/>
+          <a:stretch/>
+        </p:blipFill>
+        <p:spPr>
+          <a:xfrm>
+            <a:off x="237229" y="3461822"/>
+            <a:ext cx="8745136" cy="2456522"/>
+          </a:xfrm>
+        </p:spPr>
+      </p:pic>
       <p:sp>
         <p:nvSpPr>
           <p:cNvPr id="2" name="Title 1"/>
@@ -20327,7 +20731,15 @@
           <a:p>
             <a:r>
               <a:rPr lang="en-US" dirty="0" smtClean="0"/>
-              <a:t>VPC Client Ingress: Site to Site VPN</a:t>
+              <a:t>VPC Client Ingress: </a:t>
+            </a:r>
+            <a:r>
+              <a:rPr lang="en-US" dirty="0" err="1" smtClean="0"/>
+              <a:t>ssh</a:t>
+            </a:r>
+            <a:r>
+              <a:rPr lang="en-US" dirty="0" smtClean="0"/>
+              <a:t> Bastion Host</a:t>
             </a:r>
             <a:endParaRPr lang="en-US" dirty="0"/>
           </a:p>
@@ -20336,7 +20748,7 @@
     </p:spTree>
     <p:extLst>
       <p:ext uri="{BB962C8B-B14F-4D97-AF65-F5344CB8AC3E}">
-        <p14:creationId xmlns:p14="http://schemas.microsoft.com/office/powerpoint/2010/main" val="2509376990"/>
+        <p14:creationId xmlns:p14="http://schemas.microsoft.com/office/powerpoint/2010/main" val="1056796517"/>
       </p:ext>
     </p:extLst>
   </p:cSld>
@@ -20370,34 +20782,45 @@
           <a:chExt cx="0" cy="0"/>
         </a:xfrm>
       </p:grpSpPr>
-      <p:pic>
-        <p:nvPicPr>
-          <p:cNvPr id="4" name="Content Placeholder 3" descr="VPC - Client Connectivity - Site to Site.png"/>
-          <p:cNvPicPr>
-            <a:picLocks noGrp="1" noChangeAspect="1"/>
-          </p:cNvPicPr>
+      <p:sp>
+        <p:nvSpPr>
+          <p:cNvPr id="3" name="Content Placeholder 2"/>
+          <p:cNvSpPr>
+            <a:spLocks noGrp="1"/>
+          </p:cNvSpPr>
           <p:nvPr>
             <p:ph idx="1"/>
           </p:nvPr>
-        </p:nvPicPr>
-        <p:blipFill rotWithShape="1">
-          <a:blip r:embed="rId3" cstate="print">
-            <a:extLst>
-              <a:ext uri="{28A0092B-C50C-407E-A947-70E740481C1C}">
-                <a14:useLocalDpi xmlns:a14="http://schemas.microsoft.com/office/drawing/2010/main" val="0"/>
-              </a:ext>
-            </a:extLst>
-          </a:blip>
-          <a:srcRect l="-324" r="-1942"/>
-          <a:stretch/>
-        </p:blipFill>
-        <p:spPr>
-          <a:xfrm>
-            <a:off x="92364" y="3463635"/>
-            <a:ext cx="9036430" cy="2477799"/>
-          </a:xfrm>
-        </p:spPr>
-      </p:pic>
+        </p:nvSpPr>
+        <p:spPr/>
+        <p:txBody>
+          <a:bodyPr>
+            <a:normAutofit/>
+          </a:bodyPr>
+          <a:lstStyle/>
+          <a:p>
+            <a:r>
+              <a:rPr lang="en-US" dirty="0" smtClean="0"/>
+              <a:t>no configuration for services outside of SSH/RDP</a:t>
+            </a:r>
+          </a:p>
+          <a:p>
+            <a:r>
+              <a:rPr lang="en-US" dirty="0" smtClean="0"/>
+              <a:t>VPN use generally straight-forward and familiar</a:t>
+            </a:r>
+          </a:p>
+          <a:p>
+            <a:r>
+              <a:rPr lang="en-US" dirty="0" smtClean="0"/>
+              <a:t>VPN may be challenging to manage for smaller organizations</a:t>
+            </a:r>
+          </a:p>
+          <a:p>
+            <a:endParaRPr lang="en-US" dirty="0" smtClean="0"/>
+          </a:p>
+        </p:txBody>
+      </p:sp>
       <p:sp>
         <p:nvSpPr>
           <p:cNvPr id="2" name="Title 1"/>
@@ -20411,13 +20834,13 @@
         <p:spPr/>
         <p:txBody>
           <a:bodyPr>
-            <a:normAutofit fontScale="90000"/>
+            <a:normAutofit/>
           </a:bodyPr>
           <a:lstStyle/>
           <a:p>
             <a:r>
               <a:rPr lang="en-US" dirty="0" smtClean="0"/>
-              <a:t>VPC Client Ingress: Site to Site VPN</a:t>
+              <a:t>VPC Client Ingress: VPN Host</a:t>
             </a:r>
             <a:endParaRPr lang="en-US" dirty="0"/>
           </a:p>
@@ -20426,7 +20849,7 @@
     </p:spTree>
     <p:extLst>
       <p:ext uri="{BB962C8B-B14F-4D97-AF65-F5344CB8AC3E}">
-        <p14:creationId xmlns:p14="http://schemas.microsoft.com/office/powerpoint/2010/main" val="4202670106"/>
+        <p14:creationId xmlns:p14="http://schemas.microsoft.com/office/powerpoint/2010/main" val="360506837"/>
       </p:ext>
     </p:extLst>
   </p:cSld>
@@ -20460,14 +20883,42 @@
           <a:chExt cx="0" cy="0"/>
         </a:xfrm>
       </p:grpSpPr>
-      <p:sp>
-        <p:nvSpPr>
-          <p:cNvPr id="3" name="Content Placeholder 2"/>
+      <p:pic>
+        <p:nvPicPr>
+          <p:cNvPr id="4" name="Content Placeholder 3" descr="VPC - Client Connectivity - VPN Host.png"/>
+          <p:cNvPicPr>
+            <a:picLocks noGrp="1" noChangeAspect="1"/>
+          </p:cNvPicPr>
+          <p:nvPr>
+            <p:ph idx="1"/>
+          </p:nvPr>
+        </p:nvPicPr>
+        <p:blipFill rotWithShape="1">
+          <a:blip r:embed="rId3" cstate="print">
+            <a:extLst>
+              <a:ext uri="{28A0092B-C50C-407E-A947-70E740481C1C}">
+                <a14:useLocalDpi xmlns:a14="http://schemas.microsoft.com/office/drawing/2010/main" val="0"/>
+              </a:ext>
+            </a:extLst>
+          </a:blip>
+          <a:srcRect l="802" r="-2692"/>
+          <a:stretch/>
+        </p:blipFill>
+        <p:spPr>
+          <a:xfrm>
+            <a:off x="434109" y="3602180"/>
+            <a:ext cx="8583757" cy="2362345"/>
+          </a:xfrm>
+        </p:spPr>
+      </p:pic>
+      <p:sp>
+        <p:nvSpPr>
+          <p:cNvPr id="2" name="Title 1"/>
           <p:cNvSpPr>
             <a:spLocks noGrp="1"/>
           </p:cNvSpPr>
           <p:nvPr>
-            <p:ph idx="1"/>
+            <p:ph type="title"/>
           </p:nvPr>
         </p:nvSpPr>
         <p:spPr/>
@@ -20479,69 +20930,7 @@
           <a:p>
             <a:r>
               <a:rPr lang="en-US" dirty="0" smtClean="0"/>
-              <a:t>Small, Highly-technical Company: </a:t>
-            </a:r>
-            <a:r>
-              <a:rPr lang="en-US" dirty="0" err="1" smtClean="0"/>
-              <a:t>ssh</a:t>
-            </a:r>
-            <a:r>
-              <a:rPr lang="en-US" dirty="0" smtClean="0"/>
-              <a:t> or VPN</a:t>
-            </a:r>
-          </a:p>
-          <a:p>
-            <a:pPr lvl="1"/>
-            <a:r>
-              <a:rPr lang="en-US" dirty="0" smtClean="0"/>
-              <a:t>Have supported 80 Engineers through </a:t>
-            </a:r>
-            <a:r>
-              <a:rPr lang="en-US" dirty="0" err="1" smtClean="0"/>
-              <a:t>ssh</a:t>
-            </a:r>
-            <a:endParaRPr lang="en-US" dirty="0" smtClean="0"/>
-          </a:p>
-          <a:p>
-            <a:r>
-              <a:rPr lang="en-US" dirty="0" smtClean="0"/>
-              <a:t>Large, Highly-technical Company: VPN</a:t>
-            </a:r>
-          </a:p>
-          <a:p>
-            <a:r>
-              <a:rPr lang="en-US" dirty="0" smtClean="0"/>
-              <a:t>Company with non-technical users of AWS resources: VPN</a:t>
-            </a:r>
-          </a:p>
-          <a:p>
-            <a:r>
-              <a:rPr lang="en-US" dirty="0" smtClean="0"/>
-              <a:t>Company with non-technical users of AWS resources, all in one office and comfortable with on-site security: Site to Site VPN + VPN</a:t>
-            </a:r>
-          </a:p>
-        </p:txBody>
-      </p:sp>
-      <p:sp>
-        <p:nvSpPr>
-          <p:cNvPr id="2" name="Title 1"/>
-          <p:cNvSpPr>
-            <a:spLocks noGrp="1"/>
-          </p:cNvSpPr>
-          <p:nvPr>
-            <p:ph type="title"/>
-          </p:nvPr>
-        </p:nvSpPr>
-        <p:spPr/>
-        <p:txBody>
-          <a:bodyPr>
-            <a:normAutofit/>
-          </a:bodyPr>
-          <a:lstStyle/>
-          <a:p>
-            <a:r>
-              <a:rPr lang="en-US" dirty="0" smtClean="0"/>
-              <a:t>VPC Client Ingress: Suggestions</a:t>
+              <a:t>VPC Client Ingress: VPN Host</a:t>
             </a:r>
             <a:endParaRPr lang="en-US" dirty="0"/>
           </a:p>
@@ -20550,7 +20939,7 @@
     </p:spTree>
     <p:extLst>
       <p:ext uri="{BB962C8B-B14F-4D97-AF65-F5344CB8AC3E}">
-        <p14:creationId xmlns:p14="http://schemas.microsoft.com/office/powerpoint/2010/main" val="2632863733"/>
+        <p14:creationId xmlns:p14="http://schemas.microsoft.com/office/powerpoint/2010/main" val="3818333778"/>
       </p:ext>
     </p:extLst>
   </p:cSld>
@@ -20740,6 +21129,326 @@
           <a:p>
             <a:r>
               <a:rPr lang="en-US" dirty="0" smtClean="0"/>
+              <a:t>Minimal or No Configuration when on-site</a:t>
+            </a:r>
+          </a:p>
+          <a:p>
+            <a:r>
+              <a:rPr lang="en-US" dirty="0" smtClean="0"/>
+              <a:t>On-site network security</a:t>
+            </a:r>
+            <a:r>
+              <a:rPr lang="en-US" dirty="0"/>
+              <a:t> </a:t>
+            </a:r>
+            <a:r>
+              <a:rPr lang="en-US" dirty="0" smtClean="0"/>
+              <a:t>must meet standards required by company</a:t>
+            </a:r>
+          </a:p>
+          <a:p>
+            <a:r>
+              <a:rPr lang="en-US" dirty="0" smtClean="0"/>
+              <a:t>If off-site, clients must either VPN to on-site location or VPN directly to AWS</a:t>
+            </a:r>
+          </a:p>
+        </p:txBody>
+      </p:sp>
+      <p:sp>
+        <p:nvSpPr>
+          <p:cNvPr id="2" name="Title 1"/>
+          <p:cNvSpPr>
+            <a:spLocks noGrp="1"/>
+          </p:cNvSpPr>
+          <p:nvPr>
+            <p:ph type="title"/>
+          </p:nvPr>
+        </p:nvSpPr>
+        <p:spPr/>
+        <p:txBody>
+          <a:bodyPr>
+            <a:normAutofit fontScale="90000"/>
+          </a:bodyPr>
+          <a:lstStyle/>
+          <a:p>
+            <a:r>
+              <a:rPr lang="en-US" dirty="0" smtClean="0"/>
+              <a:t>VPC Client Ingress: Site to Site VPN</a:t>
+            </a:r>
+            <a:endParaRPr lang="en-US" dirty="0"/>
+          </a:p>
+        </p:txBody>
+      </p:sp>
+    </p:spTree>
+    <p:extLst>
+      <p:ext uri="{BB962C8B-B14F-4D97-AF65-F5344CB8AC3E}">
+        <p14:creationId xmlns:p14="http://schemas.microsoft.com/office/powerpoint/2010/main" val="2509376990"/>
+      </p:ext>
+    </p:extLst>
+  </p:cSld>
+  <p:clrMapOvr>
+    <a:masterClrMapping/>
+  </p:clrMapOvr>
+  <p:timing>
+    <p:tnLst>
+      <p:par>
+        <p:cTn xmlns:p14="http://schemas.microsoft.com/office/powerpoint/2010/main" id="1" dur="indefinite" restart="never" nodeType="tmRoot"/>
+      </p:par>
+    </p:tnLst>
+  </p:timing>
+</p:sld>
+</file>
+
+<file path=ppt/slides/slide31.xml><?xml version="1.0" encoding="utf-8"?>
+<p:sld xmlns:a="http://schemas.openxmlformats.org/drawingml/2006/main" xmlns:r="http://schemas.openxmlformats.org/officeDocument/2006/relationships" xmlns:p="http://schemas.openxmlformats.org/presentationml/2006/main">
+  <p:cSld>
+    <p:spTree>
+      <p:nvGrpSpPr>
+        <p:cNvPr id="1" name=""/>
+        <p:cNvGrpSpPr/>
+        <p:nvPr/>
+      </p:nvGrpSpPr>
+      <p:grpSpPr>
+        <a:xfrm>
+          <a:off x="0" y="0"/>
+          <a:ext cx="0" cy="0"/>
+          <a:chOff x="0" y="0"/>
+          <a:chExt cx="0" cy="0"/>
+        </a:xfrm>
+      </p:grpSpPr>
+      <p:pic>
+        <p:nvPicPr>
+          <p:cNvPr id="4" name="Content Placeholder 3" descr="VPC - Client Connectivity - Site to Site.png"/>
+          <p:cNvPicPr>
+            <a:picLocks noGrp="1" noChangeAspect="1"/>
+          </p:cNvPicPr>
+          <p:nvPr>
+            <p:ph idx="1"/>
+          </p:nvPr>
+        </p:nvPicPr>
+        <p:blipFill rotWithShape="1">
+          <a:blip r:embed="rId3" cstate="print">
+            <a:extLst>
+              <a:ext uri="{28A0092B-C50C-407E-A947-70E740481C1C}">
+                <a14:useLocalDpi xmlns:a14="http://schemas.microsoft.com/office/drawing/2010/main" val="0"/>
+              </a:ext>
+            </a:extLst>
+          </a:blip>
+          <a:srcRect l="-324" r="-1942"/>
+          <a:stretch/>
+        </p:blipFill>
+        <p:spPr>
+          <a:xfrm>
+            <a:off x="92364" y="3463635"/>
+            <a:ext cx="9036430" cy="2477799"/>
+          </a:xfrm>
+        </p:spPr>
+      </p:pic>
+      <p:sp>
+        <p:nvSpPr>
+          <p:cNvPr id="2" name="Title 1"/>
+          <p:cNvSpPr>
+            <a:spLocks noGrp="1"/>
+          </p:cNvSpPr>
+          <p:nvPr>
+            <p:ph type="title"/>
+          </p:nvPr>
+        </p:nvSpPr>
+        <p:spPr/>
+        <p:txBody>
+          <a:bodyPr>
+            <a:normAutofit fontScale="90000"/>
+          </a:bodyPr>
+          <a:lstStyle/>
+          <a:p>
+            <a:r>
+              <a:rPr lang="en-US" dirty="0" smtClean="0"/>
+              <a:t>VPC Client Ingress: Site to Site VPN</a:t>
+            </a:r>
+            <a:endParaRPr lang="en-US" dirty="0"/>
+          </a:p>
+        </p:txBody>
+      </p:sp>
+    </p:spTree>
+    <p:extLst>
+      <p:ext uri="{BB962C8B-B14F-4D97-AF65-F5344CB8AC3E}">
+        <p14:creationId xmlns:p14="http://schemas.microsoft.com/office/powerpoint/2010/main" val="4202670106"/>
+      </p:ext>
+    </p:extLst>
+  </p:cSld>
+  <p:clrMapOvr>
+    <a:masterClrMapping/>
+  </p:clrMapOvr>
+  <p:timing>
+    <p:tnLst>
+      <p:par>
+        <p:cTn xmlns:p14="http://schemas.microsoft.com/office/powerpoint/2010/main" id="1" dur="indefinite" restart="never" nodeType="tmRoot"/>
+      </p:par>
+    </p:tnLst>
+  </p:timing>
+</p:sld>
+</file>
+
+<file path=ppt/slides/slide32.xml><?xml version="1.0" encoding="utf-8"?>
+<p:sld xmlns:a="http://schemas.openxmlformats.org/drawingml/2006/main" xmlns:r="http://schemas.openxmlformats.org/officeDocument/2006/relationships" xmlns:p="http://schemas.openxmlformats.org/presentationml/2006/main">
+  <p:cSld>
+    <p:spTree>
+      <p:nvGrpSpPr>
+        <p:cNvPr id="1" name=""/>
+        <p:cNvGrpSpPr/>
+        <p:nvPr/>
+      </p:nvGrpSpPr>
+      <p:grpSpPr>
+        <a:xfrm>
+          <a:off x="0" y="0"/>
+          <a:ext cx="0" cy="0"/>
+          <a:chOff x="0" y="0"/>
+          <a:chExt cx="0" cy="0"/>
+        </a:xfrm>
+      </p:grpSpPr>
+      <p:sp>
+        <p:nvSpPr>
+          <p:cNvPr id="3" name="Content Placeholder 2"/>
+          <p:cNvSpPr>
+            <a:spLocks noGrp="1"/>
+          </p:cNvSpPr>
+          <p:nvPr>
+            <p:ph idx="1"/>
+          </p:nvPr>
+        </p:nvSpPr>
+        <p:spPr/>
+        <p:txBody>
+          <a:bodyPr>
+            <a:normAutofit/>
+          </a:bodyPr>
+          <a:lstStyle/>
+          <a:p>
+            <a:r>
+              <a:rPr lang="en-US" dirty="0" smtClean="0"/>
+              <a:t>Small, Highly-technical Company: </a:t>
+            </a:r>
+            <a:r>
+              <a:rPr lang="en-US" dirty="0" err="1" smtClean="0"/>
+              <a:t>ssh</a:t>
+            </a:r>
+            <a:r>
+              <a:rPr lang="en-US" dirty="0" smtClean="0"/>
+              <a:t> or VPN</a:t>
+            </a:r>
+          </a:p>
+          <a:p>
+            <a:pPr lvl="1"/>
+            <a:r>
+              <a:rPr lang="en-US" dirty="0" smtClean="0"/>
+              <a:t>Have supported 80 Engineers through </a:t>
+            </a:r>
+            <a:r>
+              <a:rPr lang="en-US" dirty="0" err="1" smtClean="0"/>
+              <a:t>ssh</a:t>
+            </a:r>
+            <a:endParaRPr lang="en-US" dirty="0" smtClean="0"/>
+          </a:p>
+          <a:p>
+            <a:r>
+              <a:rPr lang="en-US" dirty="0" smtClean="0"/>
+              <a:t>Large, Highly-technical Company: VPN</a:t>
+            </a:r>
+          </a:p>
+          <a:p>
+            <a:r>
+              <a:rPr lang="en-US" dirty="0" smtClean="0"/>
+              <a:t>Company with non-technical users of AWS resources: VPN</a:t>
+            </a:r>
+          </a:p>
+          <a:p>
+            <a:r>
+              <a:rPr lang="en-US" dirty="0" smtClean="0"/>
+              <a:t>Company with non-technical users of AWS resources, all in one office and comfortable with on-site security: Site to Site VPN + VPN</a:t>
+            </a:r>
+          </a:p>
+        </p:txBody>
+      </p:sp>
+      <p:sp>
+        <p:nvSpPr>
+          <p:cNvPr id="2" name="Title 1"/>
+          <p:cNvSpPr>
+            <a:spLocks noGrp="1"/>
+          </p:cNvSpPr>
+          <p:nvPr>
+            <p:ph type="title"/>
+          </p:nvPr>
+        </p:nvSpPr>
+        <p:spPr/>
+        <p:txBody>
+          <a:bodyPr>
+            <a:normAutofit/>
+          </a:bodyPr>
+          <a:lstStyle/>
+          <a:p>
+            <a:r>
+              <a:rPr lang="en-US" dirty="0" smtClean="0"/>
+              <a:t>VPC Client Ingress: Suggestions</a:t>
+            </a:r>
+            <a:endParaRPr lang="en-US" dirty="0"/>
+          </a:p>
+        </p:txBody>
+      </p:sp>
+    </p:spTree>
+    <p:extLst>
+      <p:ext uri="{BB962C8B-B14F-4D97-AF65-F5344CB8AC3E}">
+        <p14:creationId xmlns:p14="http://schemas.microsoft.com/office/powerpoint/2010/main" val="2632863733"/>
+      </p:ext>
+    </p:extLst>
+  </p:cSld>
+  <p:clrMapOvr>
+    <a:masterClrMapping/>
+  </p:clrMapOvr>
+  <p:timing>
+    <p:tnLst>
+      <p:par>
+        <p:cTn xmlns:p14="http://schemas.microsoft.com/office/powerpoint/2010/main" id="1" dur="indefinite" restart="never" nodeType="tmRoot"/>
+      </p:par>
+    </p:tnLst>
+  </p:timing>
+</p:sld>
+</file>
+
+<file path=ppt/slides/slide33.xml><?xml version="1.0" encoding="utf-8"?>
+<p:sld xmlns:a="http://schemas.openxmlformats.org/drawingml/2006/main" xmlns:r="http://schemas.openxmlformats.org/officeDocument/2006/relationships" xmlns:p="http://schemas.openxmlformats.org/presentationml/2006/main">
+  <p:cSld>
+    <p:spTree>
+      <p:nvGrpSpPr>
+        <p:cNvPr id="1" name=""/>
+        <p:cNvGrpSpPr/>
+        <p:nvPr/>
+      </p:nvGrpSpPr>
+      <p:grpSpPr>
+        <a:xfrm>
+          <a:off x="0" y="0"/>
+          <a:ext cx="0" cy="0"/>
+          <a:chOff x="0" y="0"/>
+          <a:chExt cx="0" cy="0"/>
+        </a:xfrm>
+      </p:grpSpPr>
+      <p:sp>
+        <p:nvSpPr>
+          <p:cNvPr id="3" name="Content Placeholder 2"/>
+          <p:cNvSpPr>
+            <a:spLocks noGrp="1"/>
+          </p:cNvSpPr>
+          <p:nvPr>
+            <p:ph idx="1"/>
+          </p:nvPr>
+        </p:nvSpPr>
+        <p:spPr/>
+        <p:txBody>
+          <a:bodyPr>
+            <a:normAutofit/>
+          </a:bodyPr>
+          <a:lstStyle/>
+          <a:p>
+            <a:r>
+              <a:rPr lang="en-US" dirty="0" smtClean="0"/>
               <a:t>Create a VPC</a:t>
             </a:r>
           </a:p>
@@ -20862,14 +21571,46 @@
             <a:pPr lvl="1"/>
             <a:r>
               <a:rPr lang="en-US" dirty="0" smtClean="0"/>
-              <a:t>Public (can receive Internet traffic directly) or Private Subnets</a:t>
+              <a:t>Associated with Route Table</a:t>
             </a:r>
           </a:p>
           <a:p>
             <a:pPr lvl="1"/>
             <a:r>
               <a:rPr lang="en-US" dirty="0" smtClean="0"/>
-              <a:t>One to One relationship between subnets and Availability Zone</a:t>
+              <a:t>Associated with Network ACL</a:t>
+            </a:r>
+          </a:p>
+          <a:p>
+            <a:pPr lvl="1"/>
+            <a:r>
+              <a:rPr lang="en-US" dirty="0" smtClean="0"/>
+              <a:t>One to One Relationship between AZ and Subnet</a:t>
+            </a:r>
+          </a:p>
+          <a:p>
+            <a:pPr lvl="1"/>
+            <a:r>
+              <a:rPr lang="en-US" dirty="0" err="1" smtClean="0"/>
+              <a:t>Connecitvity</a:t>
+            </a:r>
+            <a:r>
+              <a:rPr lang="en-US" dirty="0" smtClean="0"/>
+              <a:t>:</a:t>
+            </a:r>
+          </a:p>
+          <a:p>
+            <a:pPr lvl="2"/>
+            <a:r>
+              <a:rPr lang="en-US" dirty="0" smtClean="0"/>
+              <a:t>By Default, inter-subnet communication allowed</a:t>
+            </a:r>
+          </a:p>
+          <a:p>
+            <a:pPr lvl="2"/>
+            <a:r>
+              <a:rPr lang="en-US" dirty="0" smtClean="0"/>
+              <a:t>Can be Isolated via use of Network ACLs</a:t>
             </a:r>
           </a:p>
         </p:txBody>
@@ -20891,7 +21632,11 @@
           <a:p>
             <a:r>
               <a:rPr lang="en-US" dirty="0" smtClean="0"/>
-              <a:t>VPC: Constituent Components</a:t>
+              <a:t>VPC: </a:t>
+            </a:r>
+            <a:r>
+              <a:rPr lang="en-US" dirty="0" smtClean="0"/>
+              <a:t>IP Range and Subnets</a:t>
             </a:r>
             <a:endParaRPr lang="en-US" dirty="0"/>
           </a:p>
@@ -20947,102 +21692,74 @@
         <p:spPr/>
         <p:txBody>
           <a:bodyPr>
-            <a:normAutofit fontScale="92500" lnSpcReduction="10000"/>
+            <a:normAutofit/>
           </a:bodyPr>
           <a:lstStyle/>
           <a:p>
             <a:r>
               <a:rPr lang="en-US" dirty="0" smtClean="0"/>
-              <a:t>Route Table</a:t>
-            </a:r>
+              <a:t>Determine where traffic is Directed</a:t>
+            </a:r>
+          </a:p>
+          <a:p>
+            <a:r>
+              <a:rPr lang="en-US" dirty="0" smtClean="0"/>
+              <a:t>Each subnet must be associated with a Route Table</a:t>
+            </a:r>
+          </a:p>
+          <a:p>
+            <a:r>
+              <a:rPr lang="en-US" dirty="0" smtClean="0"/>
+              <a:t>Always includes VPC CIDR Range</a:t>
+            </a:r>
+          </a:p>
+          <a:p>
+            <a:r>
+              <a:rPr lang="en-US" dirty="0" smtClean="0"/>
+              <a:t>Examples:</a:t>
+            </a:r>
+          </a:p>
+          <a:p>
+            <a:pPr marL="553720" lvl="2"/>
+            <a:r>
+              <a:rPr lang="en-US" dirty="0" smtClean="0"/>
+              <a:t>10.0.0.0/16 -</a:t>
+            </a:r>
+            <a:r>
+              <a:rPr lang="en-US" dirty="0"/>
+              <a:t>&gt; </a:t>
+            </a:r>
+            <a:r>
+              <a:rPr lang="en-US" dirty="0" smtClean="0"/>
+              <a:t>Local</a:t>
+            </a:r>
+            <a:endParaRPr lang="en-US" dirty="0"/>
           </a:p>
           <a:p>
             <a:pPr lvl="1"/>
             <a:r>
               <a:rPr lang="en-US" dirty="0" smtClean="0"/>
-              <a:t>Determine where traffic is directed, example:</a:t>
-            </a:r>
-          </a:p>
-          <a:p>
-            <a:pPr lvl="2"/>
-            <a:r>
-              <a:rPr lang="en-US" dirty="0" smtClean="0"/>
-              <a:t>172.16.0.0/16 </a:t>
+              <a:t>172.16.0.0</a:t>
             </a:r>
             <a:r>
               <a:rPr lang="en-US" dirty="0"/>
-              <a:t>to vpn-</a:t>
-            </a:r>
-            <a:r>
-              <a:rPr lang="en-US" dirty="0" smtClean="0"/>
-              <a:t>c76cb0d9 (a VPN Connection)</a:t>
-            </a:r>
-          </a:p>
-          <a:p>
-            <a:pPr lvl="2"/>
-            <a:r>
-              <a:rPr lang="en-US" dirty="0" smtClean="0"/>
-              <a:t>0.0.0.0.0/0 </a:t>
-            </a:r>
+              <a:t>/16 to vpn-c76cb0d9 (a VPN Connection)</a:t>
+            </a:r>
+          </a:p>
+          <a:p>
+            <a:pPr lvl="1"/>
             <a:r>
               <a:rPr lang="en-US" dirty="0"/>
-              <a:t>to igw-3547bf50 </a:t>
-            </a:r>
-            <a:r>
-              <a:rPr lang="en-US" dirty="0" smtClean="0"/>
-              <a:t>(an </a:t>
-            </a:r>
-            <a:r>
-              <a:rPr lang="en-US" dirty="0"/>
-              <a:t>Internet Gateway)</a:t>
-            </a:r>
-            <a:endParaRPr lang="en-US" dirty="0" smtClean="0"/>
-          </a:p>
-          <a:p>
-            <a:r>
-              <a:rPr lang="en-US" dirty="0" smtClean="0"/>
-              <a:t>Network ACLs</a:t>
+              <a:t>0.0.0.0.0/0 to igw-3547bf50 (an Internet Gateway</a:t>
+            </a:r>
+            <a:r>
+              <a:rPr lang="en-US" dirty="0" smtClean="0"/>
+              <a:t>)</a:t>
             </a:r>
           </a:p>
           <a:p>
             <a:pPr lvl="1"/>
-            <a:r>
-              <a:rPr lang="en-US" dirty="0" smtClean="0"/>
-              <a:t>Inbound and Outbound matching</a:t>
-            </a:r>
-          </a:p>
-          <a:p>
-            <a:pPr lvl="1"/>
-            <a:r>
-              <a:rPr lang="en-US" dirty="0" smtClean="0"/>
-              <a:t>Stateless</a:t>
-            </a:r>
-          </a:p>
-          <a:p>
-            <a:pPr lvl="1"/>
-            <a:r>
-              <a:rPr lang="en-US" dirty="0" smtClean="0"/>
-              <a:t>Example:</a:t>
-            </a:r>
-          </a:p>
-          <a:p>
-            <a:pPr lvl="2"/>
-            <a:r>
-              <a:rPr lang="en-US" dirty="0" smtClean="0"/>
-              <a:t>Inbound: Source = 0.0.0.0/0, Allow</a:t>
-            </a:r>
-          </a:p>
-          <a:p>
-            <a:pPr lvl="2"/>
-            <a:r>
-              <a:rPr lang="en-US" dirty="0" smtClean="0"/>
-              <a:t>Outbound: Destination = 0.0.0.0/0, Allow</a:t>
-            </a:r>
             <a:endParaRPr lang="en-US" dirty="0"/>
-          </a:p>
-          <a:p>
-            <a:pPr lvl="1"/>
-            <a:endParaRPr lang="en-US" dirty="0" smtClean="0"/>
           </a:p>
         </p:txBody>
       </p:sp>
@@ -21063,7 +21780,11 @@
           <a:p>
             <a:r>
               <a:rPr lang="en-US" dirty="0" smtClean="0"/>
-              <a:t>VPC: Network Components</a:t>
+              <a:t>VPC</a:t>
+            </a:r>
+            <a:r>
+              <a:rPr lang="en-US" dirty="0" smtClean="0"/>
+              <a:t>: Route Table</a:t>
             </a:r>
             <a:endParaRPr lang="en-US" dirty="0"/>
           </a:p>
@@ -21072,7 +21793,7 @@
     </p:spTree>
     <p:extLst>
       <p:ext uri="{BB962C8B-B14F-4D97-AF65-F5344CB8AC3E}">
-        <p14:creationId xmlns:p14="http://schemas.microsoft.com/office/powerpoint/2010/main" val="1394338185"/>
+        <p14:creationId xmlns:p14="http://schemas.microsoft.com/office/powerpoint/2010/main" val="4268938758"/>
       </p:ext>
     </p:extLst>
   </p:cSld>
@@ -21106,71 +21827,28 @@
           <a:chExt cx="0" cy="0"/>
         </a:xfrm>
       </p:grpSpPr>
-      <p:sp>
-        <p:nvSpPr>
-          <p:cNvPr id="3" name="Content Placeholder 2"/>
-          <p:cNvSpPr>
-            <a:spLocks noGrp="1"/>
-          </p:cNvSpPr>
+      <p:pic>
+        <p:nvPicPr>
+          <p:cNvPr id="4" name="Content Placeholder 3"/>
+          <p:cNvPicPr>
+            <a:picLocks noGrp="1" noChangeAspect="1"/>
+          </p:cNvPicPr>
           <p:nvPr>
             <p:ph idx="1"/>
           </p:nvPr>
-        </p:nvSpPr>
-        <p:spPr/>
-        <p:txBody>
-          <a:bodyPr>
-            <a:normAutofit/>
-          </a:bodyPr>
-          <a:lstStyle/>
-          <a:p>
-            <a:r>
-              <a:rPr lang="en-US" dirty="0" smtClean="0"/>
-              <a:t>Internet Gateway</a:t>
-            </a:r>
-          </a:p>
-          <a:p>
-            <a:pPr lvl="1"/>
-            <a:r>
-              <a:rPr lang="en-US" dirty="0" smtClean="0"/>
-              <a:t>Provides a route to the Internet</a:t>
-            </a:r>
-          </a:p>
-          <a:p>
-            <a:pPr lvl="1"/>
-            <a:r>
-              <a:rPr lang="en-US" dirty="0" smtClean="0"/>
-              <a:t>Hosts using Internet Gateway must still have Public IP Address</a:t>
-            </a:r>
-          </a:p>
-          <a:p>
-            <a:r>
-              <a:rPr lang="en-US" dirty="0" smtClean="0"/>
-              <a:t>EC2-VPC Security Group</a:t>
-            </a:r>
-          </a:p>
-          <a:p>
-            <a:pPr lvl="1"/>
-            <a:r>
-              <a:rPr lang="en-US" dirty="0" smtClean="0"/>
-              <a:t>Like EC2 Classic Security Group, only better</a:t>
-            </a:r>
-          </a:p>
-          <a:p>
-            <a:pPr lvl="1"/>
-            <a:r>
-              <a:rPr lang="en-US" dirty="0" smtClean="0"/>
-              <a:t>Inbound and Outbound Rules</a:t>
-            </a:r>
-          </a:p>
-          <a:p>
-            <a:endParaRPr lang="en-US" dirty="0" smtClean="0"/>
-          </a:p>
-          <a:p>
-            <a:pPr lvl="1"/>
-            <a:endParaRPr lang="en-US" dirty="0"/>
-          </a:p>
-        </p:txBody>
-      </p:sp>
+        </p:nvPicPr>
+        <p:blipFill rotWithShape="1">
+          <a:blip r:embed="rId3"/>
+          <a:srcRect t="2350" b="-1453"/>
+          <a:stretch/>
+        </p:blipFill>
+        <p:spPr>
+          <a:xfrm>
+            <a:off x="166549" y="2338067"/>
+            <a:ext cx="8738513" cy="4232713"/>
+          </a:xfrm>
+        </p:spPr>
+      </p:pic>
       <p:sp>
         <p:nvSpPr>
           <p:cNvPr id="2" name="Title 1"/>
@@ -21188,7 +21866,213 @@
           <a:p>
             <a:r>
               <a:rPr lang="en-US" dirty="0" smtClean="0"/>
-              <a:t>VPC: Network Components</a:t>
+              <a:t>VPC</a:t>
+            </a:r>
+            <a:r>
+              <a:rPr lang="en-US" dirty="0" smtClean="0"/>
+              <a:t>: Route Table</a:t>
+            </a:r>
+            <a:endParaRPr lang="en-US" dirty="0"/>
+          </a:p>
+        </p:txBody>
+      </p:sp>
+      <p:sp>
+        <p:nvSpPr>
+          <p:cNvPr id="6" name="Content Placeholder 2"/>
+          <p:cNvSpPr txBox="1">
+            <a:spLocks/>
+          </p:cNvSpPr>
+          <p:nvPr/>
+        </p:nvSpPr>
+        <p:spPr>
+          <a:xfrm>
+            <a:off x="166550" y="2111106"/>
+            <a:ext cx="4147182" cy="3450696"/>
+          </a:xfrm>
+          <a:prstGeom prst="rect">
+            <a:avLst/>
+          </a:prstGeom>
+        </p:spPr>
+        <p:txBody>
+          <a:bodyPr vert="horz" lIns="91440" tIns="45720" rIns="91440" bIns="45720" rtlCol="0">
+            <a:normAutofit/>
+          </a:bodyPr>
+          <a:lstStyle>
+            <a:lvl1pPr marL="274320" indent="-274320" algn="l" defTabSz="914400" rtl="0" eaLnBrk="1" latinLnBrk="0" hangingPunct="1">
+              <a:spcBef>
+                <a:spcPct val="20000"/>
+              </a:spcBef>
+              <a:buClr>
+                <a:schemeClr val="accent1"/>
+              </a:buClr>
+              <a:buSzPct val="100000"/>
+              <a:buFont typeface="Symbol" pitchFamily="18" charset="2"/>
+              <a:buChar char=""/>
+              <a:defRPr sz="2400" kern="1200">
+                <a:solidFill>
+                  <a:schemeClr val="tx2"/>
+                </a:solidFill>
+                <a:latin typeface="+mn-lt"/>
+                <a:ea typeface="+mn-ea"/>
+                <a:cs typeface="+mn-cs"/>
+              </a:defRPr>
+            </a:lvl1pPr>
+            <a:lvl2pPr marL="576263" indent="-274320" algn="l" defTabSz="914400" rtl="0" eaLnBrk="1" latinLnBrk="0" hangingPunct="1">
+              <a:spcBef>
+                <a:spcPct val="20000"/>
+              </a:spcBef>
+              <a:buClr>
+                <a:schemeClr val="accent1"/>
+              </a:buClr>
+              <a:buSzPct val="100000"/>
+              <a:buFont typeface="Symbol" pitchFamily="18" charset="2"/>
+              <a:buChar char=""/>
+              <a:defRPr sz="2200" kern="1200">
+                <a:solidFill>
+                  <a:schemeClr val="tx2"/>
+                </a:solidFill>
+                <a:latin typeface="+mn-lt"/>
+                <a:ea typeface="+mn-ea"/>
+                <a:cs typeface="+mn-cs"/>
+              </a:defRPr>
+            </a:lvl2pPr>
+            <a:lvl3pPr marL="855663" indent="-228600" algn="l" defTabSz="914400" rtl="0" eaLnBrk="1" latinLnBrk="0" hangingPunct="1">
+              <a:spcBef>
+                <a:spcPct val="20000"/>
+              </a:spcBef>
+              <a:buClr>
+                <a:schemeClr val="accent1"/>
+              </a:buClr>
+              <a:buSzPct val="100000"/>
+              <a:buFont typeface="Symbol" pitchFamily="18" charset="2"/>
+              <a:buChar char=""/>
+              <a:defRPr sz="2000" kern="1200">
+                <a:solidFill>
+                  <a:schemeClr val="tx2"/>
+                </a:solidFill>
+                <a:latin typeface="+mn-lt"/>
+                <a:ea typeface="+mn-ea"/>
+                <a:cs typeface="+mn-cs"/>
+              </a:defRPr>
+            </a:lvl3pPr>
+            <a:lvl4pPr marL="1143000" indent="-228600" algn="l" defTabSz="914400" rtl="0" eaLnBrk="1" latinLnBrk="0" hangingPunct="1">
+              <a:spcBef>
+                <a:spcPct val="20000"/>
+              </a:spcBef>
+              <a:buClr>
+                <a:schemeClr val="accent1"/>
+              </a:buClr>
+              <a:buSzPct val="100000"/>
+              <a:buFont typeface="Symbol" pitchFamily="18" charset="2"/>
+              <a:buChar char=""/>
+              <a:defRPr sz="1800" kern="1200">
+                <a:solidFill>
+                  <a:schemeClr val="tx2"/>
+                </a:solidFill>
+                <a:latin typeface="+mn-lt"/>
+                <a:ea typeface="+mn-ea"/>
+                <a:cs typeface="+mn-cs"/>
+              </a:defRPr>
+            </a:lvl4pPr>
+            <a:lvl5pPr marL="1463040" indent="-228600" algn="l" defTabSz="914400" rtl="0" eaLnBrk="1" latinLnBrk="0" hangingPunct="1">
+              <a:spcBef>
+                <a:spcPct val="20000"/>
+              </a:spcBef>
+              <a:buClr>
+                <a:schemeClr val="accent1"/>
+              </a:buClr>
+              <a:buSzPct val="100000"/>
+              <a:buFont typeface="Symbol" pitchFamily="18" charset="2"/>
+              <a:buChar char=""/>
+              <a:defRPr sz="1600" kern="1200">
+                <a:solidFill>
+                  <a:schemeClr val="tx2"/>
+                </a:solidFill>
+                <a:latin typeface="+mn-lt"/>
+                <a:ea typeface="+mn-ea"/>
+                <a:cs typeface="+mn-cs"/>
+              </a:defRPr>
+            </a:lvl5pPr>
+            <a:lvl6pPr marL="1783080" indent="-228600" algn="l" defTabSz="914400" rtl="0" eaLnBrk="1" latinLnBrk="0" hangingPunct="1">
+              <a:spcBef>
+                <a:spcPts val="384"/>
+              </a:spcBef>
+              <a:buClr>
+                <a:schemeClr val="accent1"/>
+              </a:buClr>
+              <a:buFont typeface="Symbol" pitchFamily="18" charset="2"/>
+              <a:buChar char="*"/>
+              <a:defRPr sz="1400" kern="1200">
+                <a:solidFill>
+                  <a:schemeClr val="tx2"/>
+                </a:solidFill>
+                <a:latin typeface="+mn-lt"/>
+                <a:ea typeface="+mn-ea"/>
+                <a:cs typeface="+mn-cs"/>
+              </a:defRPr>
+            </a:lvl6pPr>
+            <a:lvl7pPr marL="2103120" indent="-228600" algn="l" defTabSz="914400" rtl="0" eaLnBrk="1" latinLnBrk="0" hangingPunct="1">
+              <a:spcBef>
+                <a:spcPts val="384"/>
+              </a:spcBef>
+              <a:buClr>
+                <a:schemeClr val="accent1"/>
+              </a:buClr>
+              <a:buFont typeface="Symbol" pitchFamily="18" charset="2"/>
+              <a:buChar char="*"/>
+              <a:defRPr sz="1400" kern="1200">
+                <a:solidFill>
+                  <a:schemeClr val="tx2"/>
+                </a:solidFill>
+                <a:latin typeface="+mn-lt"/>
+                <a:ea typeface="+mn-ea"/>
+                <a:cs typeface="+mn-cs"/>
+              </a:defRPr>
+            </a:lvl7pPr>
+            <a:lvl8pPr marL="2423160" indent="-228600" algn="l" defTabSz="914400" rtl="0" eaLnBrk="1" latinLnBrk="0" hangingPunct="1">
+              <a:spcBef>
+                <a:spcPts val="384"/>
+              </a:spcBef>
+              <a:buClr>
+                <a:schemeClr val="accent1"/>
+              </a:buClr>
+              <a:buFont typeface="Symbol" pitchFamily="18" charset="2"/>
+              <a:buChar char="*"/>
+              <a:defRPr sz="1400" kern="1200">
+                <a:solidFill>
+                  <a:schemeClr val="tx2"/>
+                </a:solidFill>
+                <a:latin typeface="+mn-lt"/>
+                <a:ea typeface="+mn-ea"/>
+                <a:cs typeface="+mn-cs"/>
+              </a:defRPr>
+            </a:lvl8pPr>
+            <a:lvl9pPr marL="2743200" indent="-228600" algn="l" defTabSz="914400" rtl="0" eaLnBrk="1" latinLnBrk="0" hangingPunct="1">
+              <a:spcBef>
+                <a:spcPts val="384"/>
+              </a:spcBef>
+              <a:buClr>
+                <a:schemeClr val="accent1"/>
+              </a:buClr>
+              <a:buFont typeface="Symbol" pitchFamily="18" charset="2"/>
+              <a:buChar char="*"/>
+              <a:defRPr sz="1400" kern="1200">
+                <a:solidFill>
+                  <a:schemeClr val="tx2"/>
+                </a:solidFill>
+                <a:latin typeface="+mn-lt"/>
+                <a:ea typeface="+mn-ea"/>
+                <a:cs typeface="+mn-cs"/>
+              </a:defRPr>
+            </a:lvl9pPr>
+          </a:lstStyle>
+          <a:p>
+            <a:pPr marL="0" indent="0">
+              <a:buNone/>
+            </a:pPr>
+            <a:r>
+              <a:rPr lang="en-US" dirty="0" smtClean="0"/>
+              <a:t>Example: VPC Route Table</a:t>
             </a:r>
             <a:endParaRPr lang="en-US" dirty="0"/>
           </a:p>
@@ -21197,7 +22081,7 @@
     </p:spTree>
     <p:extLst>
       <p:ext uri="{BB962C8B-B14F-4D97-AF65-F5344CB8AC3E}">
-        <p14:creationId xmlns:p14="http://schemas.microsoft.com/office/powerpoint/2010/main" val="685327457"/>
+        <p14:creationId xmlns:p14="http://schemas.microsoft.com/office/powerpoint/2010/main" val="3143246402"/>
       </p:ext>
     </p:extLst>
   </p:cSld>
@@ -21249,59 +22133,57 @@
           <a:lstStyle/>
           <a:p>
             <a:r>
-              <a:rPr lang="en-US" dirty="0" smtClean="0"/>
-              <a:t>Auto Scaling Group</a:t>
-            </a:r>
-          </a:p>
-          <a:p>
-            <a:pPr lvl="1"/>
-            <a:r>
-              <a:rPr lang="en-US" dirty="0" smtClean="0"/>
-              <a:t>Must include association with VPC subnets</a:t>
-            </a:r>
-          </a:p>
-          <a:p>
-            <a:r>
-              <a:rPr lang="en-US" dirty="0" smtClean="0"/>
-              <a:t>Launch Configuration</a:t>
-            </a:r>
-          </a:p>
-          <a:p>
-            <a:pPr lvl="1"/>
-            <a:r>
-              <a:rPr lang="en-US" dirty="0" smtClean="0"/>
-              <a:t>Can </a:t>
+              <a:rPr lang="en-US" i="1" dirty="0" smtClean="0"/>
+              <a:t>Default Network ACL is Allow All Inbound, Allow All Outbound</a:t>
+            </a:r>
+          </a:p>
+          <a:p>
+            <a:r>
+              <a:rPr lang="en-US" dirty="0" smtClean="0"/>
+              <a:t>Stateless</a:t>
+            </a:r>
+            <a:endParaRPr lang="en-US" dirty="0" smtClean="0"/>
+          </a:p>
+          <a:p>
+            <a:r>
+              <a:rPr lang="en-US" dirty="0" smtClean="0"/>
+              <a:t>Network ACLs Comprised of Multiple Rules</a:t>
+            </a:r>
+          </a:p>
+          <a:p>
+            <a:r>
+              <a:rPr lang="en-US" dirty="0" smtClean="0"/>
+              <a:t>Associated with one or more Subnets</a:t>
+            </a:r>
+          </a:p>
+          <a:p>
+            <a:r>
+              <a:rPr lang="en-US" dirty="0" smtClean="0"/>
+              <a:t>Inbound </a:t>
+            </a:r>
+            <a:r>
+              <a:rPr lang="en-US" dirty="0" smtClean="0"/>
+              <a:t>and Outbound </a:t>
+            </a:r>
+            <a:r>
+              <a:rPr lang="en-US" dirty="0" smtClean="0"/>
+              <a:t>Matching</a:t>
+            </a:r>
+          </a:p>
+          <a:p>
+            <a:r>
+              <a:rPr lang="en-US" dirty="0" smtClean="0"/>
+              <a:t>Provides both Allow and Deny</a:t>
             </a:r>
             <a:r>
               <a:rPr lang="en-US" dirty="0"/>
-              <a:t>include "</a:t>
-            </a:r>
-            <a:r>
-              <a:rPr lang="en-US" dirty="0" err="1"/>
-              <a:t>AssociatePublicIpAddress</a:t>
-            </a:r>
-            <a:r>
-              <a:rPr lang="en-US" dirty="0"/>
-              <a:t>" : "</a:t>
-            </a:r>
-            <a:r>
-              <a:rPr lang="en-US" dirty="0" smtClean="0"/>
-              <a:t>true” to ensure hosts given Public IP addresses</a:t>
-            </a:r>
-          </a:p>
-          <a:p>
-            <a:r>
-              <a:rPr lang="en-US" dirty="0" smtClean="0"/>
-              <a:t>ELB</a:t>
-            </a:r>
-          </a:p>
-          <a:p>
-            <a:pPr lvl="1"/>
-            <a:r>
-              <a:rPr lang="en-US" dirty="0" smtClean="0"/>
-              <a:t>Offered as “Internet Facing” or Internal</a:t>
-            </a:r>
-            <a:endParaRPr lang="en-US" dirty="0"/>
+              <a:t> </a:t>
+            </a:r>
+            <a:r>
+              <a:rPr lang="en-US" dirty="0" smtClean="0"/>
+              <a:t>Rules</a:t>
+            </a:r>
+            <a:endParaRPr lang="en-US" dirty="0" smtClean="0"/>
           </a:p>
         </p:txBody>
       </p:sp>
@@ -21317,14 +22199,16 @@
         </p:nvSpPr>
         <p:spPr/>
         <p:txBody>
-          <a:bodyPr>
-            <a:normAutofit/>
-          </a:bodyPr>
+          <a:bodyPr/>
           <a:lstStyle/>
           <a:p>
             <a:r>
               <a:rPr lang="en-US" dirty="0" smtClean="0"/>
-              <a:t>VPC: ELB and Auto Scaling</a:t>
+              <a:t>VPC: </a:t>
+            </a:r>
+            <a:r>
+              <a:rPr lang="en-US" dirty="0" smtClean="0"/>
+              <a:t>Network ACL</a:t>
             </a:r>
             <a:endParaRPr lang="en-US" dirty="0"/>
           </a:p>
@@ -21333,7 +22217,7 @@
     </p:spTree>
     <p:extLst>
       <p:ext uri="{BB962C8B-B14F-4D97-AF65-F5344CB8AC3E}">
-        <p14:creationId xmlns:p14="http://schemas.microsoft.com/office/powerpoint/2010/main" val="3834023240"/>
+        <p14:creationId xmlns:p14="http://schemas.microsoft.com/office/powerpoint/2010/main" val="1394338185"/>
       </p:ext>
     </p:extLst>
   </p:cSld>
@@ -21369,48 +22253,6 @@
       </p:grpSpPr>
       <p:sp>
         <p:nvSpPr>
-          <p:cNvPr id="3" name="Content Placeholder 2"/>
-          <p:cNvSpPr>
-            <a:spLocks noGrp="1"/>
-          </p:cNvSpPr>
-          <p:nvPr>
-            <p:ph idx="1"/>
-          </p:nvPr>
-        </p:nvSpPr>
-        <p:spPr/>
-        <p:txBody>
-          <a:bodyPr>
-            <a:normAutofit/>
-          </a:bodyPr>
-          <a:lstStyle/>
-          <a:p>
-            <a:r>
-              <a:rPr lang="en-US" dirty="0" smtClean="0"/>
-              <a:t>1 VPC</a:t>
-            </a:r>
-          </a:p>
-          <a:p>
-            <a:r>
-              <a:rPr lang="en-US" dirty="0" smtClean="0"/>
-              <a:t>1 VPC per Environment</a:t>
-            </a:r>
-          </a:p>
-          <a:p>
-            <a:r>
-              <a:rPr lang="en-US" dirty="0" smtClean="0"/>
-              <a:t>1 VPC per Application</a:t>
-            </a:r>
-          </a:p>
-          <a:p>
-            <a:r>
-              <a:rPr lang="en-US" dirty="0" smtClean="0"/>
-              <a:t>1 VPC per Environment per Application</a:t>
-            </a:r>
-          </a:p>
-        </p:txBody>
-      </p:sp>
-      <p:sp>
-        <p:nvSpPr>
           <p:cNvPr id="2" name="Title 1"/>
           <p:cNvSpPr>
             <a:spLocks noGrp="1"/>
@@ -21421,23 +22263,47 @@
         </p:nvSpPr>
         <p:spPr/>
         <p:txBody>
-          <a:bodyPr>
-            <a:normAutofit/>
-          </a:bodyPr>
+          <a:bodyPr/>
           <a:lstStyle/>
           <a:p>
             <a:r>
               <a:rPr lang="en-US" dirty="0" smtClean="0"/>
-              <a:t>VPC: Overall Design Choices</a:t>
+              <a:t>VPC: </a:t>
+            </a:r>
+            <a:r>
+              <a:rPr lang="en-US" dirty="0" smtClean="0"/>
+              <a:t>Default Network ACL</a:t>
             </a:r>
             <a:endParaRPr lang="en-US" dirty="0"/>
           </a:p>
         </p:txBody>
       </p:sp>
+      <p:pic>
+        <p:nvPicPr>
+          <p:cNvPr id="5" name="Content Placeholder 4"/>
+          <p:cNvPicPr>
+            <a:picLocks noGrp="1" noChangeAspect="1"/>
+          </p:cNvPicPr>
+          <p:nvPr>
+            <p:ph idx="1"/>
+          </p:nvPr>
+        </p:nvPicPr>
+        <p:blipFill rotWithShape="1">
+          <a:blip r:embed="rId3"/>
+          <a:srcRect t="202" b="42"/>
+          <a:stretch/>
+        </p:blipFill>
+        <p:spPr>
+          <a:xfrm>
+            <a:off x="872067" y="2398536"/>
+            <a:ext cx="7408333" cy="4010997"/>
+          </a:xfrm>
+        </p:spPr>
+      </p:pic>
     </p:spTree>
     <p:extLst>
       <p:ext uri="{BB962C8B-B14F-4D97-AF65-F5344CB8AC3E}">
-        <p14:creationId xmlns:p14="http://schemas.microsoft.com/office/powerpoint/2010/main" val="3699290522"/>
+        <p14:creationId xmlns:p14="http://schemas.microsoft.com/office/powerpoint/2010/main" val="1824386200"/>
       </p:ext>
     </p:extLst>
   </p:cSld>
@@ -21483,14 +22349,28 @@
         </p:nvSpPr>
         <p:spPr/>
         <p:txBody>
-          <a:bodyPr>
-            <a:normAutofit fontScale="90000"/>
-          </a:bodyPr>
+          <a:bodyPr/>
           <a:lstStyle/>
           <a:p>
             <a:r>
               <a:rPr lang="en-US" dirty="0" smtClean="0"/>
-              <a:t>1 VPC per Environment, per Application</a:t>
+              <a:t>VPC: </a:t>
+            </a:r>
+            <a:r>
+              <a:rPr lang="en-US" dirty="0" smtClean="0"/>
+              <a:t>Network ACL</a:t>
+            </a:r>
+            <a:r>
+              <a:rPr lang="en-US" dirty="0"/>
+              <a:t> </a:t>
+            </a:r>
+            <a:r>
+              <a:rPr lang="en-US" dirty="0" smtClean="0"/>
+              <a:t>-</a:t>
+            </a:r>
+            <a:r>
+              <a:rPr lang="en-US" dirty="0" smtClean="0"/>
+              <a:t> Restricted</a:t>
             </a:r>
             <a:endParaRPr lang="en-US" dirty="0"/>
           </a:p>
@@ -21498,117 +22378,79 @@
       </p:sp>
       <p:sp>
         <p:nvSpPr>
-          <p:cNvPr id="3" name="Content Placeholder 2"/>
+          <p:cNvPr id="7" name="Content Placeholder 6"/>
           <p:cNvSpPr>
             <a:spLocks noGrp="1"/>
           </p:cNvSpPr>
           <p:nvPr>
-            <p:ph sz="quarter" idx="13"/>
-          </p:nvPr>
-        </p:nvSpPr>
-        <p:spPr/>
+            <p:ph idx="1"/>
+          </p:nvPr>
+        </p:nvSpPr>
+        <p:spPr>
+          <a:xfrm>
+            <a:off x="5503029" y="2620250"/>
+            <a:ext cx="3426795" cy="3990844"/>
+          </a:xfrm>
+        </p:spPr>
         <p:txBody>
-          <a:bodyPr>
-            <a:normAutofit fontScale="92500" lnSpcReduction="20000"/>
-          </a:bodyPr>
+          <a:bodyPr/>
           <a:lstStyle/>
           <a:p>
-            <a:pPr marL="0" indent="0">
-              <a:buNone/>
-            </a:pPr>
-            <a:r>
-              <a:rPr lang="en-US" dirty="0" smtClean="0"/>
-              <a:t>Pro:</a:t>
-            </a:r>
-          </a:p>
-          <a:p>
-            <a:r>
-              <a:rPr lang="en-US" dirty="0" smtClean="0"/>
-              <a:t>Isolation of Resources</a:t>
-            </a:r>
-          </a:p>
-          <a:p>
-            <a:pPr marL="0" indent="0">
-              <a:buNone/>
-            </a:pPr>
-            <a:r>
-              <a:rPr lang="en-US" dirty="0" smtClean="0"/>
-              <a:t>Con:</a:t>
-            </a:r>
-          </a:p>
-          <a:p>
-            <a:r>
-              <a:rPr lang="en-US" dirty="0"/>
-              <a:t>Many VPCs</a:t>
-            </a:r>
-          </a:p>
-          <a:p>
-            <a:r>
-              <a:rPr lang="en-US" dirty="0" smtClean="0"/>
-              <a:t>Many Subnets</a:t>
-            </a:r>
-          </a:p>
-          <a:p>
-            <a:r>
-              <a:rPr lang="en-US" dirty="0" smtClean="0"/>
-              <a:t>Potential lack of consistency</a:t>
-            </a:r>
-            <a:endParaRPr lang="en-US" dirty="0"/>
-          </a:p>
-          <a:p>
-            <a:r>
-              <a:rPr lang="en-US" dirty="0"/>
-              <a:t>Increased administration </a:t>
-            </a:r>
-            <a:r>
-              <a:rPr lang="en-US" dirty="0" smtClean="0"/>
-              <a:t>effort</a:t>
-            </a:r>
-          </a:p>
-          <a:p>
-            <a:r>
-              <a:rPr lang="en-US" dirty="0" smtClean="0"/>
-              <a:t>Multiply again if multi-region</a:t>
-            </a:r>
-            <a:endParaRPr lang="en-US" dirty="0"/>
-          </a:p>
-          <a:p>
-            <a:endParaRPr lang="en-US" dirty="0" smtClean="0"/>
+            <a:r>
+              <a:rPr lang="en-US" dirty="0" smtClean="0"/>
+              <a:t>Example shows Network ACL being used to restrict access to:</a:t>
+            </a:r>
+          </a:p>
+          <a:p>
+            <a:pPr lvl="1"/>
+            <a:r>
+              <a:rPr lang="en-US" dirty="0" smtClean="0"/>
+              <a:t>inbound HTTP</a:t>
+            </a:r>
+          </a:p>
+          <a:p>
+            <a:pPr lvl="1"/>
+            <a:r>
+              <a:rPr lang="en-US" dirty="0" smtClean="0"/>
+              <a:t>Responses to HTTP</a:t>
+            </a:r>
+          </a:p>
+          <a:p>
+            <a:r>
+              <a:rPr lang="en-US" dirty="0" smtClean="0"/>
+              <a:t>Use to supplement Security Groups, if needed</a:t>
+            </a:r>
           </a:p>
         </p:txBody>
       </p:sp>
       <p:pic>
         <p:nvPicPr>
-          <p:cNvPr id="8" name="Content Placeholder 7" descr="VPC - Overall Design - 1 Env 1 App.png"/>
+          <p:cNvPr id="8" name="Picture 7"/>
           <p:cNvPicPr>
-            <a:picLocks noGrp="1" noChangeAspect="1"/>
+            <a:picLocks noChangeAspect="1"/>
           </p:cNvPicPr>
-          <p:nvPr>
-            <p:ph sz="quarter" idx="14"/>
-          </p:nvPr>
+          <p:nvPr/>
         </p:nvPicPr>
-        <p:blipFill rotWithShape="1">
-          <a:blip r:embed="rId3" cstate="print">
-            <a:extLst>
-              <a:ext uri="{28A0092B-C50C-407E-A947-70E740481C1C}">
-                <a14:useLocalDpi xmlns:a14="http://schemas.microsoft.com/office/drawing/2010/main" val="0"/>
-              </a:ext>
-            </a:extLst>
-          </a:blip>
-          <a:srcRect t="-947" b="-3770"/>
-          <a:stretch/>
+        <p:blipFill>
+          <a:blip r:embed="rId3"/>
+          <a:stretch>
+            <a:fillRect/>
+          </a:stretch>
         </p:blipFill>
         <p:spPr>
           <a:xfrm>
-            <a:off x="4645152" y="2234063"/>
-            <a:ext cx="3822192" cy="3974289"/>
+            <a:off x="457199" y="1827757"/>
+            <a:ext cx="4864411" cy="4783337"/>
           </a:xfrm>
+          <a:prstGeom prst="rect">
+            <a:avLst/>
+          </a:prstGeom>
         </p:spPr>
       </p:pic>
     </p:spTree>
     <p:extLst>
       <p:ext uri="{BB962C8B-B14F-4D97-AF65-F5344CB8AC3E}">
-        <p14:creationId xmlns:p14="http://schemas.microsoft.com/office/powerpoint/2010/main" val="557141901"/>
+        <p14:creationId xmlns:p14="http://schemas.microsoft.com/office/powerpoint/2010/main" val="477643588"/>
       </p:ext>
     </p:extLst>
   </p:cSld>

--- a/aws-vpc/aws-vpc.pptx
+++ b/aws-vpc/aws-vpc.pptx
@@ -139,6 +139,22 @@
       </a:defRPr>
     </a:lvl9pPr>
   </p:defaultTextStyle>
+  <p:extLst>
+    <p:ext uri="{EFAFB233-063F-42B5-8137-9DF3F51BA10A}">
+      <p15:sldGuideLst xmlns:p15="http://schemas.microsoft.com/office/powerpoint/2012/main">
+        <p15:guide id="1" orient="horz" pos="2160">
+          <p15:clr>
+            <a:srgbClr val="A4A3A4"/>
+          </p15:clr>
+        </p15:guide>
+        <p15:guide id="2" pos="2880">
+          <p15:clr>
+            <a:srgbClr val="A4A3A4"/>
+          </p15:clr>
+        </p15:guide>
+      </p15:sldGuideLst>
+    </p:ext>
+  </p:extLst>
 </p:presentation>
 </file>
 
@@ -224,7 +240,7 @@
           <a:p>
             <a:fld id="{1B6676A5-1300-B945-98B1-DD92DDC3A3CB}" type="datetimeFigureOut">
               <a:rPr lang="en-US" smtClean="0"/>
-              <a:t>4/23/15</a:t>
+              <a:t>11/22/15</a:t>
             </a:fld>
             <a:endParaRPr lang="en-US"/>
           </a:p>
@@ -1634,6 +1650,31 @@
             </a:r>
             <a:endParaRPr lang="en-US" dirty="0" smtClean="0"/>
           </a:p>
+          <a:p>
+            <a:pPr marL="171450" indent="-171450">
+              <a:buFont typeface="Arial"/>
+              <a:buChar char="•"/>
+            </a:pPr>
+            <a:r>
+              <a:rPr lang="en-US" dirty="0" smtClean="0"/>
+              <a:t>Increased</a:t>
+            </a:r>
+            <a:r>
+              <a:rPr lang="en-US" baseline="0" dirty="0" smtClean="0"/>
+              <a:t> Cost Resulting from Infrastructure</a:t>
+            </a:r>
+          </a:p>
+          <a:p>
+            <a:pPr marL="628650" lvl="1" indent="-171450">
+              <a:buFont typeface="Arial"/>
+              <a:buChar char="•"/>
+            </a:pPr>
+            <a:r>
+              <a:rPr lang="en-US" baseline="0" dirty="0" smtClean="0"/>
+              <a:t>NAT Boxes</a:t>
+            </a:r>
+            <a:endParaRPr lang="en-US" dirty="0" smtClean="0"/>
+          </a:p>
         </p:txBody>
       </p:sp>
       <p:sp>
@@ -5752,7 +5793,7 @@
           <a:p>
             <a:fld id="{7CE38E4D-051A-41E1-86A4-E56916468FD0}" type="datetimeFigureOut">
               <a:rPr lang="en-US" smtClean="0"/>
-              <a:t>4/23/15</a:t>
+              <a:t>11/22/15</a:t>
             </a:fld>
             <a:endParaRPr lang="en-US"/>
           </a:p>
@@ -5933,7 +5974,7 @@
           <a:p>
             <a:fld id="{7CE38E4D-051A-41E1-86A4-E56916468FD0}" type="datetimeFigureOut">
               <a:rPr lang="en-US" smtClean="0"/>
-              <a:t>4/23/15</a:t>
+              <a:t>11/22/15</a:t>
             </a:fld>
             <a:endParaRPr lang="en-US"/>
           </a:p>
@@ -6084,7 +6125,7 @@
           <a:p>
             <a:fld id="{7CE38E4D-051A-41E1-86A4-E56916468FD0}" type="datetimeFigureOut">
               <a:rPr lang="en-US" smtClean="0"/>
-              <a:t>4/23/15</a:t>
+              <a:t>11/22/15</a:t>
             </a:fld>
             <a:endParaRPr lang="en-US"/>
           </a:p>
@@ -7910,7 +7951,7 @@
           <a:p>
             <a:fld id="{7CE38E4D-051A-41E1-86A4-E56916468FD0}" type="datetimeFigureOut">
               <a:rPr lang="en-US" smtClean="0"/>
-              <a:t>4/23/15</a:t>
+              <a:t>11/22/15</a:t>
             </a:fld>
             <a:endParaRPr lang="en-US"/>
           </a:p>
@@ -9780,7 +9821,7 @@
           <a:p>
             <a:fld id="{7CE38E4D-051A-41E1-86A4-E56916468FD0}" type="datetimeFigureOut">
               <a:rPr lang="en-US" smtClean="0"/>
-              <a:t>4/23/15</a:t>
+              <a:t>11/22/15</a:t>
             </a:fld>
             <a:endParaRPr lang="en-US"/>
           </a:p>
@@ -9893,7 +9934,7 @@
           <a:p>
             <a:fld id="{7CE38E4D-051A-41E1-86A4-E56916468FD0}" type="datetimeFigureOut">
               <a:rPr lang="en-US" smtClean="0"/>
-              <a:t>4/23/15</a:t>
+              <a:t>11/22/15</a:t>
             </a:fld>
             <a:endParaRPr lang="en-US"/>
           </a:p>
@@ -10434,7 +10475,7 @@
           <a:p>
             <a:fld id="{7CE38E4D-051A-41E1-86A4-E56916468FD0}" type="datetimeFigureOut">
               <a:rPr lang="en-US" smtClean="0"/>
-              <a:t>4/23/15</a:t>
+              <a:t>11/22/15</a:t>
             </a:fld>
             <a:endParaRPr lang="en-US"/>
           </a:p>
@@ -10547,7 +10588,7 @@
           <a:p>
             <a:fld id="{7CE38E4D-051A-41E1-86A4-E56916468FD0}" type="datetimeFigureOut">
               <a:rPr lang="en-US" smtClean="0"/>
-              <a:t>4/23/15</a:t>
+              <a:t>11/22/15</a:t>
             </a:fld>
             <a:endParaRPr lang="en-US"/>
           </a:p>
@@ -12258,7 +12299,7 @@
           <a:p>
             <a:fld id="{7CE38E4D-051A-41E1-86A4-E56916468FD0}" type="datetimeFigureOut">
               <a:rPr lang="en-US" smtClean="0"/>
-              <a:t>4/23/15</a:t>
+              <a:t>11/22/15</a:t>
             </a:fld>
             <a:endParaRPr lang="en-US"/>
           </a:p>
@@ -12409,7 +12450,7 @@
           <a:p>
             <a:fld id="{7CE38E4D-051A-41E1-86A4-E56916468FD0}" type="datetimeFigureOut">
               <a:rPr lang="en-US" smtClean="0"/>
-              <a:t>4/23/15</a:t>
+              <a:t>11/22/15</a:t>
             </a:fld>
             <a:endParaRPr lang="en-US"/>
           </a:p>
@@ -16024,7 +16065,7 @@
           <a:p>
             <a:fld id="{7CE38E4D-051A-41E1-86A4-E56916468FD0}" type="datetimeFigureOut">
               <a:rPr lang="en-US" smtClean="0"/>
-              <a:t>4/23/15</a:t>
+              <a:t>11/22/15</a:t>
             </a:fld>
             <a:endParaRPr lang="en-US"/>
           </a:p>
@@ -17883,7 +17924,7 @@
           <a:p>
             <a:fld id="{7CE38E4D-051A-41E1-86A4-E56916468FD0}" type="datetimeFigureOut">
               <a:rPr lang="en-US" smtClean="0"/>
-              <a:t>4/23/15</a:t>
+              <a:t>11/22/15</a:t>
             </a:fld>
             <a:endParaRPr lang="en-US"/>
           </a:p>
@@ -18476,7 +18517,7 @@
   <p:timing>
     <p:tnLst>
       <p:par>
-        <p:cTn xmlns:p14="http://schemas.microsoft.com/office/powerpoint/2010/main" id="1" dur="indefinite" restart="never" nodeType="tmRoot"/>
+        <p:cTn id="1" dur="indefinite" restart="never" nodeType="tmRoot"/>
       </p:par>
     </p:tnLst>
   </p:timing>
@@ -18601,7 +18642,7 @@
   <p:timing>
     <p:tnLst>
       <p:par>
-        <p:cTn xmlns:p14="http://schemas.microsoft.com/office/powerpoint/2010/main" id="1" dur="indefinite" restart="never" nodeType="tmRoot"/>
+        <p:cTn id="1" dur="indefinite" restart="never" nodeType="tmRoot"/>
       </p:par>
     </p:tnLst>
   </p:timing>
@@ -18705,7 +18746,7 @@
   <p:timing>
     <p:tnLst>
       <p:par>
-        <p:cTn xmlns:p14="http://schemas.microsoft.com/office/powerpoint/2010/main" id="1" dur="indefinite" restart="never" nodeType="tmRoot"/>
+        <p:cTn id="1" dur="indefinite" restart="never" nodeType="tmRoot"/>
       </p:par>
     </p:tnLst>
   </p:timing>
@@ -18767,7 +18808,7 @@
         <p:spPr/>
         <p:txBody>
           <a:bodyPr>
-            <a:normAutofit fontScale="92500" lnSpcReduction="20000"/>
+            <a:normAutofit fontScale="92500" lnSpcReduction="10000"/>
           </a:bodyPr>
           <a:lstStyle/>
           <a:p>
@@ -18876,7 +18917,7 @@
   <p:timing>
     <p:tnLst>
       <p:par>
-        <p:cTn xmlns:p14="http://schemas.microsoft.com/office/powerpoint/2010/main" id="1" dur="indefinite" restart="never" nodeType="tmRoot"/>
+        <p:cTn id="1" dur="indefinite" restart="never" nodeType="tmRoot"/>
       </p:par>
     </p:tnLst>
   </p:timing>
@@ -19037,7 +19078,7 @@
   <p:timing>
     <p:tnLst>
       <p:par>
-        <p:cTn xmlns:p14="http://schemas.microsoft.com/office/powerpoint/2010/main" id="1" dur="indefinite" restart="never" nodeType="tmRoot"/>
+        <p:cTn id="1" dur="indefinite" restart="never" nodeType="tmRoot"/>
       </p:par>
     </p:tnLst>
   </p:timing>
@@ -19179,7 +19220,7 @@
   <p:timing>
     <p:tnLst>
       <p:par>
-        <p:cTn xmlns:p14="http://schemas.microsoft.com/office/powerpoint/2010/main" id="1" dur="indefinite" restart="never" nodeType="tmRoot"/>
+        <p:cTn id="1" dur="indefinite" restart="never" nodeType="tmRoot"/>
       </p:par>
     </p:tnLst>
   </p:timing>
@@ -19297,7 +19338,7 @@
   <p:timing>
     <p:tnLst>
       <p:par>
-        <p:cTn xmlns:p14="http://schemas.microsoft.com/office/powerpoint/2010/main" id="1" dur="indefinite" restart="never" nodeType="tmRoot"/>
+        <p:cTn id="1" dur="indefinite" restart="never" nodeType="tmRoot"/>
       </p:par>
     </p:tnLst>
   </p:timing>
@@ -19419,7 +19460,7 @@
   <p:timing>
     <p:tnLst>
       <p:par>
-        <p:cTn xmlns:p14="http://schemas.microsoft.com/office/powerpoint/2010/main" id="1" dur="indefinite" restart="never" nodeType="tmRoot"/>
+        <p:cTn id="1" dur="indefinite" restart="never" nodeType="tmRoot"/>
       </p:par>
     </p:tnLst>
   </p:timing>
@@ -19516,7 +19557,7 @@
   <p:timing>
     <p:tnLst>
       <p:par>
-        <p:cTn xmlns:p14="http://schemas.microsoft.com/office/powerpoint/2010/main" id="1" dur="indefinite" restart="never" nodeType="tmRoot"/>
+        <p:cTn id="1" dur="indefinite" restart="never" nodeType="tmRoot"/>
       </p:par>
     </p:tnLst>
   </p:timing>
@@ -19625,7 +19666,7 @@
   <p:timing>
     <p:tnLst>
       <p:par>
-        <p:cTn xmlns:p14="http://schemas.microsoft.com/office/powerpoint/2010/main" id="1" dur="indefinite" restart="never" nodeType="tmRoot"/>
+        <p:cTn id="1" dur="indefinite" restart="never" nodeType="tmRoot"/>
       </p:par>
     </p:tnLst>
   </p:timing>
@@ -19731,7 +19772,7 @@
   <p:timing>
     <p:tnLst>
       <p:par>
-        <p:cTn xmlns:p14="http://schemas.microsoft.com/office/powerpoint/2010/main" id="1" dur="indefinite" restart="never" nodeType="tmRoot"/>
+        <p:cTn id="1" dur="indefinite" restart="never" nodeType="tmRoot"/>
       </p:par>
     </p:tnLst>
   </p:timing>
@@ -19833,7 +19874,7 @@
   <p:timing>
     <p:tnLst>
       <p:par>
-        <p:cTn xmlns:p14="http://schemas.microsoft.com/office/powerpoint/2010/main" id="1" dur="indefinite" restart="never" nodeType="tmRoot"/>
+        <p:cTn id="1" dur="indefinite" restart="never" nodeType="tmRoot"/>
       </p:par>
     </p:tnLst>
   </p:timing>
@@ -19923,7 +19964,7 @@
   <p:timing>
     <p:tnLst>
       <p:par>
-        <p:cTn xmlns:p14="http://schemas.microsoft.com/office/powerpoint/2010/main" id="1" dur="indefinite" restart="never" nodeType="tmRoot"/>
+        <p:cTn id="1" dur="indefinite" restart="never" nodeType="tmRoot"/>
       </p:par>
     </p:tnLst>
   </p:timing>
@@ -20044,7 +20085,7 @@
   <p:timing>
     <p:tnLst>
       <p:par>
-        <p:cTn xmlns:p14="http://schemas.microsoft.com/office/powerpoint/2010/main" id="1" dur="indefinite" restart="never" nodeType="tmRoot"/>
+        <p:cTn id="1" dur="indefinite" restart="never" nodeType="tmRoot"/>
       </p:par>
     </p:tnLst>
   </p:timing>
@@ -20131,7 +20172,7 @@
   <p:timing>
     <p:tnLst>
       <p:par>
-        <p:cTn xmlns:p14="http://schemas.microsoft.com/office/powerpoint/2010/main" id="1" dur="indefinite" restart="never" nodeType="tmRoot"/>
+        <p:cTn id="1" dur="indefinite" restart="never" nodeType="tmRoot"/>
       </p:par>
     </p:tnLst>
   </p:timing>
@@ -20270,7 +20311,7 @@
   <p:timing>
     <p:tnLst>
       <p:par>
-        <p:cTn xmlns:p14="http://schemas.microsoft.com/office/powerpoint/2010/main" id="1" dur="indefinite" restart="never" nodeType="tmRoot"/>
+        <p:cTn id="1" dur="indefinite" restart="never" nodeType="tmRoot"/>
       </p:par>
     </p:tnLst>
   </p:timing>
@@ -20360,7 +20401,7 @@
   <p:timing>
     <p:tnLst>
       <p:par>
-        <p:cTn xmlns:p14="http://schemas.microsoft.com/office/powerpoint/2010/main" id="1" dur="indefinite" restart="never" nodeType="tmRoot"/>
+        <p:cTn id="1" dur="indefinite" restart="never" nodeType="tmRoot"/>
       </p:par>
     </p:tnLst>
   </p:timing>
@@ -20495,7 +20536,7 @@
   <p:timing>
     <p:tnLst>
       <p:par>
-        <p:cTn xmlns:p14="http://schemas.microsoft.com/office/powerpoint/2010/main" id="1" dur="indefinite" restart="never" nodeType="tmRoot"/>
+        <p:cTn id="1" dur="indefinite" restart="never" nodeType="tmRoot"/>
       </p:par>
     </p:tnLst>
   </p:timing>
@@ -20660,7 +20701,7 @@
   <p:timing>
     <p:tnLst>
       <p:par>
-        <p:cTn xmlns:p14="http://schemas.microsoft.com/office/powerpoint/2010/main" id="1" dur="indefinite" restart="never" nodeType="tmRoot"/>
+        <p:cTn id="1" dur="indefinite" restart="never" nodeType="tmRoot"/>
       </p:par>
     </p:tnLst>
   </p:timing>
@@ -20758,7 +20799,7 @@
   <p:timing>
     <p:tnLst>
       <p:par>
-        <p:cTn xmlns:p14="http://schemas.microsoft.com/office/powerpoint/2010/main" id="1" dur="indefinite" restart="never" nodeType="tmRoot"/>
+        <p:cTn id="1" dur="indefinite" restart="never" nodeType="tmRoot"/>
       </p:par>
     </p:tnLst>
   </p:timing>
@@ -20859,7 +20900,7 @@
   <p:timing>
     <p:tnLst>
       <p:par>
-        <p:cTn xmlns:p14="http://schemas.microsoft.com/office/powerpoint/2010/main" id="1" dur="indefinite" restart="never" nodeType="tmRoot"/>
+        <p:cTn id="1" dur="indefinite" restart="never" nodeType="tmRoot"/>
       </p:par>
     </p:tnLst>
   </p:timing>
@@ -20949,7 +20990,7 @@
   <p:timing>
     <p:tnLst>
       <p:par>
-        <p:cTn xmlns:p14="http://schemas.microsoft.com/office/powerpoint/2010/main" id="1" dur="indefinite" restart="never" nodeType="tmRoot"/>
+        <p:cTn id="1" dur="indefinite" restart="never" nodeType="tmRoot"/>
       </p:par>
     </p:tnLst>
   </p:timing>
@@ -21067,7 +21108,11 @@
           <a:p>
             <a:r>
               <a:rPr lang="en-US" dirty="0" smtClean="0"/>
-              <a:t>Increased cost resulting from infrastructure</a:t>
+              <a:t>Increased cost resulting from </a:t>
+            </a:r>
+            <a:r>
+              <a:rPr lang="en-US" dirty="0" smtClean="0"/>
+              <a:t>additional infrastructure</a:t>
             </a:r>
             <a:endParaRPr lang="en-US" dirty="0"/>
           </a:p>
@@ -21086,7 +21131,7 @@
   <p:timing>
     <p:tnLst>
       <p:par>
-        <p:cTn xmlns:p14="http://schemas.microsoft.com/office/powerpoint/2010/main" id="1" dur="indefinite" restart="never" nodeType="tmRoot"/>
+        <p:cTn id="1" dur="indefinite" restart="never" nodeType="tmRoot"/>
       </p:par>
     </p:tnLst>
   </p:timing>
@@ -21192,7 +21237,7 @@
   <p:timing>
     <p:tnLst>
       <p:par>
-        <p:cTn xmlns:p14="http://schemas.microsoft.com/office/powerpoint/2010/main" id="1" dur="indefinite" restart="never" nodeType="tmRoot"/>
+        <p:cTn id="1" dur="indefinite" restart="never" nodeType="tmRoot"/>
       </p:par>
     </p:tnLst>
   </p:timing>
@@ -21282,7 +21327,7 @@
   <p:timing>
     <p:tnLst>
       <p:par>
-        <p:cTn xmlns:p14="http://schemas.microsoft.com/office/powerpoint/2010/main" id="1" dur="indefinite" restart="never" nodeType="tmRoot"/>
+        <p:cTn id="1" dur="indefinite" restart="never" nodeType="tmRoot"/>
       </p:par>
     </p:tnLst>
   </p:timing>
@@ -21406,7 +21451,7 @@
   <p:timing>
     <p:tnLst>
       <p:par>
-        <p:cTn xmlns:p14="http://schemas.microsoft.com/office/powerpoint/2010/main" id="1" dur="indefinite" restart="never" nodeType="tmRoot"/>
+        <p:cTn id="1" dur="indefinite" restart="never" nodeType="tmRoot"/>
       </p:par>
     </p:tnLst>
   </p:timing>
@@ -21515,7 +21560,7 @@
   <p:timing>
     <p:tnLst>
       <p:par>
-        <p:cTn xmlns:p14="http://schemas.microsoft.com/office/powerpoint/2010/main" id="1" dur="indefinite" restart="never" nodeType="tmRoot"/>
+        <p:cTn id="1" dur="indefinite" restart="never" nodeType="tmRoot"/>
       </p:par>
     </p:tnLst>
   </p:timing>
@@ -21591,13 +21636,10 @@
           <a:p>
             <a:pPr lvl="1"/>
             <a:r>
-              <a:rPr lang="en-US" dirty="0" err="1" smtClean="0"/>
-              <a:t>Connecitvity</a:t>
-            </a:r>
-            <a:r>
               <a:rPr lang="en-US" dirty="0" smtClean="0"/>
-              <a:t>:</a:t>
-            </a:r>
+              <a:t>Connectivity:</a:t>
+            </a:r>
+            <a:endParaRPr lang="en-US" dirty="0" smtClean="0"/>
           </a:p>
           <a:p>
             <a:pPr lvl="2"/>
@@ -21632,11 +21674,7 @@
           <a:p>
             <a:r>
               <a:rPr lang="en-US" dirty="0" smtClean="0"/>
-              <a:t>VPC: </a:t>
-            </a:r>
-            <a:r>
-              <a:rPr lang="en-US" dirty="0" smtClean="0"/>
-              <a:t>IP Range and Subnets</a:t>
+              <a:t>VPC: IP Range and Subnets</a:t>
             </a:r>
             <a:endParaRPr lang="en-US" dirty="0"/>
           </a:p>
@@ -21655,7 +21693,7 @@
   <p:timing>
     <p:tnLst>
       <p:par>
-        <p:cTn xmlns:p14="http://schemas.microsoft.com/office/powerpoint/2010/main" id="1" dur="indefinite" restart="never" nodeType="tmRoot"/>
+        <p:cTn id="1" dur="indefinite" restart="never" nodeType="tmRoot"/>
       </p:par>
     </p:tnLst>
   </p:timing>
@@ -21780,11 +21818,7 @@
           <a:p>
             <a:r>
               <a:rPr lang="en-US" dirty="0" smtClean="0"/>
-              <a:t>VPC</a:t>
-            </a:r>
-            <a:r>
-              <a:rPr lang="en-US" dirty="0" smtClean="0"/>
-              <a:t>: Route Table</a:t>
+              <a:t>VPC: Route Table</a:t>
             </a:r>
             <a:endParaRPr lang="en-US" dirty="0"/>
           </a:p>
@@ -21803,7 +21837,7 @@
   <p:timing>
     <p:tnLst>
       <p:par>
-        <p:cTn xmlns:p14="http://schemas.microsoft.com/office/powerpoint/2010/main" id="1" dur="indefinite" restart="never" nodeType="tmRoot"/>
+        <p:cTn id="1" dur="indefinite" restart="never" nodeType="tmRoot"/>
       </p:par>
     </p:tnLst>
   </p:timing>
@@ -21866,11 +21900,7 @@
           <a:p>
             <a:r>
               <a:rPr lang="en-US" dirty="0" smtClean="0"/>
-              <a:t>VPC</a:t>
-            </a:r>
-            <a:r>
-              <a:rPr lang="en-US" dirty="0" smtClean="0"/>
-              <a:t>: Route Table</a:t>
+              <a:t>VPC: Route Table</a:t>
             </a:r>
             <a:endParaRPr lang="en-US" dirty="0"/>
           </a:p>
@@ -22091,7 +22121,7 @@
   <p:timing>
     <p:tnLst>
       <p:par>
-        <p:cTn xmlns:p14="http://schemas.microsoft.com/office/powerpoint/2010/main" id="1" dur="indefinite" restart="never" nodeType="tmRoot"/>
+        <p:cTn id="1" dur="indefinite" restart="never" nodeType="tmRoot"/>
       </p:par>
     </p:tnLst>
   </p:timing>
@@ -22142,7 +22172,6 @@
               <a:rPr lang="en-US" dirty="0" smtClean="0"/>
               <a:t>Stateless</a:t>
             </a:r>
-            <a:endParaRPr lang="en-US" dirty="0" smtClean="0"/>
           </a:p>
           <a:p>
             <a:r>
@@ -22159,15 +22188,7 @@
           <a:p>
             <a:r>
               <a:rPr lang="en-US" dirty="0" smtClean="0"/>
-              <a:t>Inbound </a:t>
-            </a:r>
-            <a:r>
-              <a:rPr lang="en-US" dirty="0" smtClean="0"/>
-              <a:t>and Outbound </a:t>
-            </a:r>
-            <a:r>
-              <a:rPr lang="en-US" dirty="0" smtClean="0"/>
-              <a:t>Matching</a:t>
+              <a:t>Inbound and Outbound Matching</a:t>
             </a:r>
           </a:p>
           <a:p>
@@ -22183,7 +22204,6 @@
               <a:rPr lang="en-US" dirty="0" smtClean="0"/>
               <a:t>Rules</a:t>
             </a:r>
-            <a:endParaRPr lang="en-US" dirty="0" smtClean="0"/>
           </a:p>
         </p:txBody>
       </p:sp>
@@ -22204,11 +22224,7 @@
           <a:p>
             <a:r>
               <a:rPr lang="en-US" dirty="0" smtClean="0"/>
-              <a:t>VPC: </a:t>
-            </a:r>
-            <a:r>
-              <a:rPr lang="en-US" dirty="0" smtClean="0"/>
-              <a:t>Network ACL</a:t>
+              <a:t>VPC: Network ACL</a:t>
             </a:r>
             <a:endParaRPr lang="en-US" dirty="0"/>
           </a:p>
@@ -22227,7 +22243,7 @@
   <p:timing>
     <p:tnLst>
       <p:par>
-        <p:cTn xmlns:p14="http://schemas.microsoft.com/office/powerpoint/2010/main" id="1" dur="indefinite" restart="never" nodeType="tmRoot"/>
+        <p:cTn id="1" dur="indefinite" restart="never" nodeType="tmRoot"/>
       </p:par>
     </p:tnLst>
   </p:timing>
@@ -22268,11 +22284,7 @@
           <a:p>
             <a:r>
               <a:rPr lang="en-US" dirty="0" smtClean="0"/>
-              <a:t>VPC: </a:t>
-            </a:r>
-            <a:r>
-              <a:rPr lang="en-US" dirty="0" smtClean="0"/>
-              <a:t>Default Network ACL</a:t>
+              <a:t>VPC: Default Network ACL</a:t>
             </a:r>
             <a:endParaRPr lang="en-US" dirty="0"/>
           </a:p>
@@ -22313,7 +22325,7 @@
   <p:timing>
     <p:tnLst>
       <p:par>
-        <p:cTn xmlns:p14="http://schemas.microsoft.com/office/powerpoint/2010/main" id="1" dur="indefinite" restart="never" nodeType="tmRoot"/>
+        <p:cTn id="1" dur="indefinite" restart="never" nodeType="tmRoot"/>
       </p:par>
     </p:tnLst>
   </p:timing>
@@ -22354,11 +22366,7 @@
           <a:p>
             <a:r>
               <a:rPr lang="en-US" dirty="0" smtClean="0"/>
-              <a:t>VPC: </a:t>
-            </a:r>
-            <a:r>
-              <a:rPr lang="en-US" dirty="0" smtClean="0"/>
-              <a:t>Network ACL</a:t>
+              <a:t>VPC: Network ACL</a:t>
             </a:r>
             <a:r>
               <a:rPr lang="en-US" dirty="0"/>
@@ -22366,11 +22374,7 @@
             </a:r>
             <a:r>
               <a:rPr lang="en-US" dirty="0" smtClean="0"/>
-              <a:t>-</a:t>
-            </a:r>
-            <a:r>
-              <a:rPr lang="en-US" dirty="0" smtClean="0"/>
-              <a:t> Restricted</a:t>
+              <a:t>- Restricted</a:t>
             </a:r>
             <a:endParaRPr lang="en-US" dirty="0"/>
           </a:p>
@@ -22460,7 +22464,7 @@
   <p:timing>
     <p:tnLst>
       <p:par>
-        <p:cTn xmlns:p14="http://schemas.microsoft.com/office/powerpoint/2010/main" id="1" dur="indefinite" restart="never" nodeType="tmRoot"/>
+        <p:cTn id="1" dur="indefinite" restart="never" nodeType="tmRoot"/>
       </p:par>
     </p:tnLst>
   </p:timing>

--- a/aws-vpc/aws-vpc.pptx
+++ b/aws-vpc/aws-vpc.pptx
@@ -19,9 +19,9 @@
     <p:sldId id="315" r:id="rId10"/>
     <p:sldId id="286" r:id="rId11"/>
     <p:sldId id="289" r:id="rId12"/>
-    <p:sldId id="291" r:id="rId13"/>
+    <p:sldId id="293" r:id="rId13"/>
     <p:sldId id="292" r:id="rId14"/>
-    <p:sldId id="293" r:id="rId15"/>
+    <p:sldId id="291" r:id="rId15"/>
     <p:sldId id="294" r:id="rId16"/>
     <p:sldId id="295" r:id="rId17"/>
     <p:sldId id="300" r:id="rId18"/>
@@ -240,7 +240,7 @@
           <a:p>
             <a:fld id="{1B6676A5-1300-B945-98B1-DD92DDC3A3CB}" type="datetimeFigureOut">
               <a:rPr lang="en-US" smtClean="0"/>
-              <a:t>11/22/15</a:t>
+              <a:t>12/1/15</a:t>
             </a:fld>
             <a:endParaRPr lang="en-US"/>
           </a:p>
@@ -722,30 +722,29 @@
           <a:p>
             <a:r>
               <a:rPr lang="en-US" dirty="0" smtClean="0"/>
-              <a:t>Reference:</a:t>
-            </a:r>
-          </a:p>
-          <a:p>
-            <a:r>
-              <a:rPr lang="en-US" dirty="0" smtClean="0"/>
-              <a:t>http://</a:t>
-            </a:r>
-            <a:r>
-              <a:rPr lang="en-US" dirty="0" err="1" smtClean="0"/>
-              <a:t>www.slideshare.net</a:t>
-            </a:r>
-            <a:r>
-              <a:rPr lang="en-US" dirty="0" smtClean="0"/>
-              <a:t>/</a:t>
-            </a:r>
-            <a:r>
-              <a:rPr lang="en-US" dirty="0" err="1" smtClean="0"/>
-              <a:t>AmazonWebServices</a:t>
-            </a:r>
-            <a:r>
-              <a:rPr lang="en-US" dirty="0" smtClean="0"/>
-              <a:t>/cpn208selecting-the-best-vpc-network-architecture-cpn208-aws-reinvent-2013</a:t>
-            </a:r>
+              <a:t>Presenter’s Notes:</a:t>
+            </a:r>
+          </a:p>
+          <a:p>
+            <a:pPr marL="171450" indent="-171450">
+              <a:buFont typeface="Arial"/>
+              <a:buChar char="•"/>
+            </a:pPr>
+            <a:r>
+              <a:rPr lang="en-US" dirty="0" smtClean="0"/>
+              <a:t>I’d prefer to isolate resources based</a:t>
+            </a:r>
+            <a:r>
+              <a:rPr lang="en-US" baseline="0" dirty="0" smtClean="0"/>
+              <a:t> on tag as opposed to VPC membership, if needed</a:t>
+            </a:r>
+          </a:p>
+          <a:p>
+            <a:pPr marL="0" indent="0">
+              <a:buFont typeface="Arial"/>
+              <a:buNone/>
+            </a:pPr>
+            <a:endParaRPr lang="en-US" dirty="0" smtClean="0"/>
           </a:p>
         </p:txBody>
       </p:sp>
@@ -1004,29 +1003,30 @@
           <a:p>
             <a:r>
               <a:rPr lang="en-US" dirty="0" smtClean="0"/>
-              <a:t>Presenter’s Notes:</a:t>
-            </a:r>
-          </a:p>
-          <a:p>
-            <a:pPr marL="171450" indent="-171450">
-              <a:buFont typeface="Arial"/>
-              <a:buChar char="•"/>
-            </a:pPr>
-            <a:r>
-              <a:rPr lang="en-US" dirty="0" smtClean="0"/>
-              <a:t>I’d prefer to isolate resources based</a:t>
-            </a:r>
-            <a:r>
-              <a:rPr lang="en-US" baseline="0" dirty="0" smtClean="0"/>
-              <a:t> on tag as opposed to VPC membership, if needed</a:t>
-            </a:r>
-          </a:p>
-          <a:p>
-            <a:pPr marL="0" indent="0">
-              <a:buFont typeface="Arial"/>
-              <a:buNone/>
-            </a:pPr>
-            <a:endParaRPr lang="en-US" dirty="0" smtClean="0"/>
+              <a:t>Reference:</a:t>
+            </a:r>
+          </a:p>
+          <a:p>
+            <a:r>
+              <a:rPr lang="en-US" dirty="0" smtClean="0"/>
+              <a:t>http://</a:t>
+            </a:r>
+            <a:r>
+              <a:rPr lang="en-US" dirty="0" err="1" smtClean="0"/>
+              <a:t>www.slideshare.net</a:t>
+            </a:r>
+            <a:r>
+              <a:rPr lang="en-US" dirty="0" smtClean="0"/>
+              <a:t>/</a:t>
+            </a:r>
+            <a:r>
+              <a:rPr lang="en-US" dirty="0" err="1" smtClean="0"/>
+              <a:t>AmazonWebServices</a:t>
+            </a:r>
+            <a:r>
+              <a:rPr lang="en-US" dirty="0" smtClean="0"/>
+              <a:t>/cpn208selecting-the-best-vpc-network-architecture-cpn208-aws-reinvent-2013</a:t>
+            </a:r>
           </a:p>
         </p:txBody>
       </p:sp>
@@ -5793,7 +5793,7 @@
           <a:p>
             <a:fld id="{7CE38E4D-051A-41E1-86A4-E56916468FD0}" type="datetimeFigureOut">
               <a:rPr lang="en-US" smtClean="0"/>
-              <a:t>11/22/15</a:t>
+              <a:t>12/1/15</a:t>
             </a:fld>
             <a:endParaRPr lang="en-US"/>
           </a:p>
@@ -5974,7 +5974,7 @@
           <a:p>
             <a:fld id="{7CE38E4D-051A-41E1-86A4-E56916468FD0}" type="datetimeFigureOut">
               <a:rPr lang="en-US" smtClean="0"/>
-              <a:t>11/22/15</a:t>
+              <a:t>12/1/15</a:t>
             </a:fld>
             <a:endParaRPr lang="en-US"/>
           </a:p>
@@ -6125,7 +6125,7 @@
           <a:p>
             <a:fld id="{7CE38E4D-051A-41E1-86A4-E56916468FD0}" type="datetimeFigureOut">
               <a:rPr lang="en-US" smtClean="0"/>
-              <a:t>11/22/15</a:t>
+              <a:t>12/1/15</a:t>
             </a:fld>
             <a:endParaRPr lang="en-US"/>
           </a:p>
@@ -7951,7 +7951,7 @@
           <a:p>
             <a:fld id="{7CE38E4D-051A-41E1-86A4-E56916468FD0}" type="datetimeFigureOut">
               <a:rPr lang="en-US" smtClean="0"/>
-              <a:t>11/22/15</a:t>
+              <a:t>12/1/15</a:t>
             </a:fld>
             <a:endParaRPr lang="en-US"/>
           </a:p>
@@ -9821,7 +9821,7 @@
           <a:p>
             <a:fld id="{7CE38E4D-051A-41E1-86A4-E56916468FD0}" type="datetimeFigureOut">
               <a:rPr lang="en-US" smtClean="0"/>
-              <a:t>11/22/15</a:t>
+              <a:t>12/1/15</a:t>
             </a:fld>
             <a:endParaRPr lang="en-US"/>
           </a:p>
@@ -9934,7 +9934,7 @@
           <a:p>
             <a:fld id="{7CE38E4D-051A-41E1-86A4-E56916468FD0}" type="datetimeFigureOut">
               <a:rPr lang="en-US" smtClean="0"/>
-              <a:t>11/22/15</a:t>
+              <a:t>12/1/15</a:t>
             </a:fld>
             <a:endParaRPr lang="en-US"/>
           </a:p>
@@ -10475,7 +10475,7 @@
           <a:p>
             <a:fld id="{7CE38E4D-051A-41E1-86A4-E56916468FD0}" type="datetimeFigureOut">
               <a:rPr lang="en-US" smtClean="0"/>
-              <a:t>11/22/15</a:t>
+              <a:t>12/1/15</a:t>
             </a:fld>
             <a:endParaRPr lang="en-US"/>
           </a:p>
@@ -10588,7 +10588,7 @@
           <a:p>
             <a:fld id="{7CE38E4D-051A-41E1-86A4-E56916468FD0}" type="datetimeFigureOut">
               <a:rPr lang="en-US" smtClean="0"/>
-              <a:t>11/22/15</a:t>
+              <a:t>12/1/15</a:t>
             </a:fld>
             <a:endParaRPr lang="en-US"/>
           </a:p>
@@ -12299,7 +12299,7 @@
           <a:p>
             <a:fld id="{7CE38E4D-051A-41E1-86A4-E56916468FD0}" type="datetimeFigureOut">
               <a:rPr lang="en-US" smtClean="0"/>
-              <a:t>11/22/15</a:t>
+              <a:t>12/1/15</a:t>
             </a:fld>
             <a:endParaRPr lang="en-US"/>
           </a:p>
@@ -12450,7 +12450,7 @@
           <a:p>
             <a:fld id="{7CE38E4D-051A-41E1-86A4-E56916468FD0}" type="datetimeFigureOut">
               <a:rPr lang="en-US" smtClean="0"/>
-              <a:t>11/22/15</a:t>
+              <a:t>12/1/15</a:t>
             </a:fld>
             <a:endParaRPr lang="en-US"/>
           </a:p>
@@ -16065,7 +16065,7 @@
           <a:p>
             <a:fld id="{7CE38E4D-051A-41E1-86A4-E56916468FD0}" type="datetimeFigureOut">
               <a:rPr lang="en-US" smtClean="0"/>
-              <a:t>11/22/15</a:t>
+              <a:t>12/1/15</a:t>
             </a:fld>
             <a:endParaRPr lang="en-US"/>
           </a:p>
@@ -17924,7 +17924,7 @@
           <a:p>
             <a:fld id="{7CE38E4D-051A-41E1-86A4-E56916468FD0}" type="datetimeFigureOut">
               <a:rPr lang="en-US" smtClean="0"/>
-              <a:t>11/22/15</a:t>
+              <a:t>12/1/15</a:t>
             </a:fld>
             <a:endParaRPr lang="en-US"/>
           </a:p>
@@ -18683,9 +18683,23 @@
           </a:bodyPr>
           <a:lstStyle/>
           <a:p>
-            <a:r>
-              <a:rPr lang="en-US" dirty="0" smtClean="0"/>
-              <a:t>1 VPC</a:t>
+            <a:pPr marL="0" indent="0">
+              <a:buNone/>
+            </a:pPr>
+            <a:r>
+              <a:rPr lang="en-US" dirty="0" smtClean="0"/>
+              <a:t>Examples:</a:t>
+            </a:r>
+            <a:endParaRPr lang="en-US" dirty="0" smtClean="0"/>
+          </a:p>
+          <a:p>
+            <a:r>
+              <a:rPr lang="en-US" dirty="0" smtClean="0"/>
+              <a:t>1 </a:t>
+            </a:r>
+            <a:r>
+              <a:rPr lang="en-US" dirty="0" smtClean="0"/>
+              <a:t>VPC</a:t>
             </a:r>
           </a:p>
           <a:p>
@@ -18703,8 +18717,19 @@
           <a:p>
             <a:r>
               <a:rPr lang="en-US" dirty="0" smtClean="0"/>
-              <a:t>1 VPC per Environment per Application</a:t>
-            </a:r>
+              <a:t>1 VPC per Environment per </a:t>
+            </a:r>
+            <a:r>
+              <a:rPr lang="en-US" dirty="0" smtClean="0"/>
+              <a:t>Application</a:t>
+            </a:r>
+          </a:p>
+          <a:p>
+            <a:r>
+              <a:rPr lang="en-US" dirty="0" smtClean="0"/>
+              <a:t>Other</a:t>
+            </a:r>
+            <a:endParaRPr lang="en-US" dirty="0" smtClean="0"/>
           </a:p>
         </p:txBody>
       </p:sp>
@@ -18783,13 +18808,13 @@
         <p:spPr/>
         <p:txBody>
           <a:bodyPr>
-            <a:normAutofit fontScale="90000"/>
+            <a:normAutofit/>
           </a:bodyPr>
           <a:lstStyle/>
           <a:p>
             <a:r>
               <a:rPr lang="en-US" dirty="0" smtClean="0"/>
-              <a:t>1 VPC per Environment, per Application</a:t>
+              <a:t>1 VPC</a:t>
             </a:r>
             <a:endParaRPr lang="en-US" dirty="0"/>
           </a:p>
@@ -18808,7 +18833,7 @@
         <p:spPr/>
         <p:txBody>
           <a:bodyPr>
-            <a:normAutofit fontScale="92500" lnSpcReduction="10000"/>
+            <a:normAutofit/>
           </a:bodyPr>
           <a:lstStyle/>
           <a:p>
@@ -18823,7 +18848,7 @@
           <a:p>
             <a:r>
               <a:rPr lang="en-US" dirty="0" smtClean="0"/>
-              <a:t>Isolation of Resources</a:t>
+              <a:t>Easiest Management / Fewest Resources</a:t>
             </a:r>
           </a:p>
           <a:p>
@@ -18837,48 +18862,22 @@
           </a:p>
           <a:p>
             <a:r>
-              <a:rPr lang="en-US" dirty="0"/>
-              <a:t>Many VPCs</a:t>
-            </a:r>
-          </a:p>
-          <a:p>
-            <a:r>
-              <a:rPr lang="en-US" dirty="0" smtClean="0"/>
-              <a:t>Many Subnets</a:t>
-            </a:r>
-          </a:p>
-          <a:p>
-            <a:r>
-              <a:rPr lang="en-US" dirty="0" smtClean="0"/>
-              <a:t>Potential lack of consistency</a:t>
+              <a:rPr lang="en-US" dirty="0" smtClean="0"/>
+              <a:t>No Isolation of Networks</a:t>
+            </a:r>
+          </a:p>
+          <a:p>
+            <a:r>
+              <a:rPr lang="en-US" dirty="0" smtClean="0"/>
+              <a:t>Isolating Resources is more Difficult</a:t>
             </a:r>
             <a:endParaRPr lang="en-US" dirty="0"/>
-          </a:p>
-          <a:p>
-            <a:r>
-              <a:rPr lang="en-US" dirty="0"/>
-              <a:t>Increased administration </a:t>
-            </a:r>
-            <a:r>
-              <a:rPr lang="en-US" dirty="0" smtClean="0"/>
-              <a:t>effort</a:t>
-            </a:r>
-          </a:p>
-          <a:p>
-            <a:r>
-              <a:rPr lang="en-US" dirty="0" smtClean="0"/>
-              <a:t>Multiply again if multi-region</a:t>
-            </a:r>
-            <a:endParaRPr lang="en-US" dirty="0"/>
-          </a:p>
-          <a:p>
-            <a:endParaRPr lang="en-US" dirty="0" smtClean="0"/>
           </a:p>
         </p:txBody>
       </p:sp>
       <p:pic>
         <p:nvPicPr>
-          <p:cNvPr id="8" name="Content Placeholder 7" descr="VPC - Overall Design - 1 Env 1 App.png"/>
+          <p:cNvPr id="8" name="Content Placeholder 7" descr="VPC - Overall Design - 1 VPC.png"/>
           <p:cNvPicPr>
             <a:picLocks noGrp="1" noChangeAspect="1"/>
           </p:cNvPicPr>
@@ -18886,7 +18885,7 @@
             <p:ph sz="quarter" idx="14"/>
           </p:nvPr>
         </p:nvPicPr>
-        <p:blipFill rotWithShape="1">
+        <p:blipFill>
           <a:blip r:embed="rId3" cstate="print">
             <a:extLst>
               <a:ext uri="{28A0092B-C50C-407E-A947-70E740481C1C}">
@@ -18894,20 +18893,17 @@
               </a:ext>
             </a:extLst>
           </a:blip>
-          <a:srcRect t="-947" b="-3770"/>
-          <a:stretch/>
+          <a:srcRect t="4921" b="4921"/>
+          <a:stretch>
+            <a:fillRect/>
+          </a:stretch>
         </p:blipFill>
-        <p:spPr>
-          <a:xfrm>
-            <a:off x="4645152" y="2234063"/>
-            <a:ext cx="3822192" cy="3974289"/>
-          </a:xfrm>
-        </p:spPr>
+        <p:spPr/>
       </p:pic>
     </p:spTree>
     <p:extLst>
       <p:ext uri="{BB962C8B-B14F-4D97-AF65-F5344CB8AC3E}">
-        <p14:creationId xmlns:p14="http://schemas.microsoft.com/office/powerpoint/2010/main" val="557141901"/>
+        <p14:creationId xmlns:p14="http://schemas.microsoft.com/office/powerpoint/2010/main" val="3398150983"/>
       </p:ext>
     </p:extLst>
   </p:cSld>
@@ -19115,13 +19111,13 @@
         <p:spPr/>
         <p:txBody>
           <a:bodyPr>
-            <a:normAutofit/>
+            <a:normAutofit fontScale="90000"/>
           </a:bodyPr>
           <a:lstStyle/>
           <a:p>
             <a:r>
               <a:rPr lang="en-US" dirty="0" smtClean="0"/>
-              <a:t>1 VPC</a:t>
+              <a:t>1 VPC per Environment, per Application</a:t>
             </a:r>
             <a:endParaRPr lang="en-US" dirty="0"/>
           </a:p>
@@ -19140,7 +19136,7 @@
         <p:spPr/>
         <p:txBody>
           <a:bodyPr>
-            <a:normAutofit/>
+            <a:normAutofit fontScale="92500" lnSpcReduction="10000"/>
           </a:bodyPr>
           <a:lstStyle/>
           <a:p>
@@ -19155,7 +19151,7 @@
           <a:p>
             <a:r>
               <a:rPr lang="en-US" dirty="0" smtClean="0"/>
-              <a:t>Easiest Management / Fewest Resources</a:t>
+              <a:t>Isolation of Resources</a:t>
             </a:r>
           </a:p>
           <a:p>
@@ -19169,22 +19165,48 @@
           </a:p>
           <a:p>
             <a:r>
-              <a:rPr lang="en-US" dirty="0" smtClean="0"/>
-              <a:t>No Isolation of Networks</a:t>
-            </a:r>
-          </a:p>
-          <a:p>
-            <a:r>
-              <a:rPr lang="en-US" dirty="0" smtClean="0"/>
-              <a:t>Isolating Resources is more Difficult</a:t>
+              <a:rPr lang="en-US" dirty="0"/>
+              <a:t>Many VPCs</a:t>
+            </a:r>
+          </a:p>
+          <a:p>
+            <a:r>
+              <a:rPr lang="en-US" dirty="0" smtClean="0"/>
+              <a:t>Many Subnets</a:t>
+            </a:r>
+          </a:p>
+          <a:p>
+            <a:r>
+              <a:rPr lang="en-US" dirty="0" smtClean="0"/>
+              <a:t>Potential lack of consistency</a:t>
             </a:r>
             <a:endParaRPr lang="en-US" dirty="0"/>
+          </a:p>
+          <a:p>
+            <a:r>
+              <a:rPr lang="en-US" dirty="0"/>
+              <a:t>Increased administration </a:t>
+            </a:r>
+            <a:r>
+              <a:rPr lang="en-US" dirty="0" smtClean="0"/>
+              <a:t>effort</a:t>
+            </a:r>
+          </a:p>
+          <a:p>
+            <a:r>
+              <a:rPr lang="en-US" dirty="0" smtClean="0"/>
+              <a:t>Multiply again if multi-region</a:t>
+            </a:r>
+            <a:endParaRPr lang="en-US" dirty="0"/>
+          </a:p>
+          <a:p>
+            <a:endParaRPr lang="en-US" dirty="0" smtClean="0"/>
           </a:p>
         </p:txBody>
       </p:sp>
       <p:pic>
         <p:nvPicPr>
-          <p:cNvPr id="8" name="Content Placeholder 7" descr="VPC - Overall Design - 1 VPC.png"/>
+          <p:cNvPr id="8" name="Content Placeholder 7" descr="VPC - Overall Design - 1 Env 1 App.png"/>
           <p:cNvPicPr>
             <a:picLocks noGrp="1" noChangeAspect="1"/>
           </p:cNvPicPr>
@@ -19192,7 +19214,7 @@
             <p:ph sz="quarter" idx="14"/>
           </p:nvPr>
         </p:nvPicPr>
-        <p:blipFill>
+        <p:blipFill rotWithShape="1">
           <a:blip r:embed="rId3" cstate="print">
             <a:extLst>
               <a:ext uri="{28A0092B-C50C-407E-A947-70E740481C1C}">
@@ -19200,17 +19222,20 @@
               </a:ext>
             </a:extLst>
           </a:blip>
-          <a:srcRect t="4921" b="4921"/>
-          <a:stretch>
-            <a:fillRect/>
-          </a:stretch>
+          <a:srcRect t="-947" b="-3770"/>
+          <a:stretch/>
         </p:blipFill>
-        <p:spPr/>
+        <p:spPr>
+          <a:xfrm>
+            <a:off x="4645152" y="2234063"/>
+            <a:ext cx="3822192" cy="3974289"/>
+          </a:xfrm>
+        </p:spPr>
       </p:pic>
     </p:spTree>
     <p:extLst>
       <p:ext uri="{BB962C8B-B14F-4D97-AF65-F5344CB8AC3E}">
-        <p14:creationId xmlns:p14="http://schemas.microsoft.com/office/powerpoint/2010/main" val="3398150983"/>
+        <p14:creationId xmlns:p14="http://schemas.microsoft.com/office/powerpoint/2010/main" val="557141901"/>
       </p:ext>
     </p:extLst>
   </p:cSld>
@@ -19387,7 +19412,15 @@
           <a:p>
             <a:r>
               <a:rPr lang="en-US" dirty="0" smtClean="0"/>
-              <a:t>If instances have Private IP address, use a NAT server</a:t>
+              <a:t>If instances have Private IP address, </a:t>
+            </a:r>
+            <a:r>
+              <a:rPr lang="en-US" dirty="0" smtClean="0"/>
+              <a:t>require use of </a:t>
+            </a:r>
+            <a:r>
+              <a:rPr lang="en-US" dirty="0" smtClean="0"/>
+              <a:t>a NAT server</a:t>
             </a:r>
           </a:p>
         </p:txBody>
@@ -19709,21 +19742,38 @@
           <a:p>
             <a:r>
               <a:rPr lang="en-US" dirty="0" smtClean="0"/>
-              <a:t>Site to Site VPN using a:</a:t>
-            </a:r>
+              <a:t>Site to Site VPN </a:t>
+            </a:r>
+            <a:r>
+              <a:rPr lang="en-US" dirty="0" smtClean="0"/>
+              <a:t>uses the following:</a:t>
+            </a:r>
+            <a:endParaRPr lang="en-US" dirty="0" smtClean="0"/>
           </a:p>
           <a:p>
             <a:pPr lvl="1"/>
             <a:r>
               <a:rPr lang="en-US" dirty="0" smtClean="0"/>
-              <a:t>Customer Gateway (Customer Equipment)</a:t>
+              <a:t>A </a:t>
+            </a:r>
+            <a:r>
+              <a:rPr lang="en-US" dirty="0" smtClean="0"/>
+              <a:t>Customer </a:t>
+            </a:r>
+            <a:r>
+              <a:rPr lang="en-US" dirty="0" smtClean="0"/>
+              <a:t>Gateway (Customer Equipment)</a:t>
             </a:r>
           </a:p>
           <a:p>
             <a:pPr lvl="1"/>
             <a:r>
               <a:rPr lang="en-US" dirty="0" smtClean="0"/>
-              <a:t>Virtual Private Gateway (AWS Equipment)</a:t>
+              <a:t>A Virtual </a:t>
+            </a:r>
+            <a:r>
+              <a:rPr lang="en-US" dirty="0" smtClean="0"/>
+              <a:t>Private Gateway (AWS Equipment)</a:t>
             </a:r>
           </a:p>
           <a:p>
@@ -20444,16 +20494,25 @@
           <a:p>
             <a:r>
               <a:rPr lang="en-US" dirty="0" smtClean="0"/>
-              <a:t>Direct Access</a:t>
-            </a:r>
-          </a:p>
-          <a:p>
+              <a:t>Connect Directly to Hosts (</a:t>
+            </a:r>
             <a:r>
               <a:rPr lang="en-US" dirty="0" err="1" smtClean="0"/>
               <a:t>ssh</a:t>
             </a:r>
             <a:r>
               <a:rPr lang="en-US" dirty="0" smtClean="0"/>
+              <a:t> or RDP)</a:t>
+            </a:r>
+            <a:endParaRPr lang="en-US" dirty="0" smtClean="0"/>
+          </a:p>
+          <a:p>
+            <a:r>
+              <a:rPr lang="en-US" dirty="0" err="1" smtClean="0"/>
+              <a:t>ssh</a:t>
+            </a:r>
+            <a:r>
+              <a:rPr lang="en-US" dirty="0" smtClean="0"/>
               <a:t> Based Bastion Host</a:t>
             </a:r>
           </a:p>
@@ -20473,7 +20532,11 @@
             <a:pPr lvl="1"/>
             <a:r>
               <a:rPr lang="en-US" dirty="0" smtClean="0"/>
-              <a:t>Extends network attack space</a:t>
+              <a:t>Potentially Extends </a:t>
+            </a:r>
+            <a:r>
+              <a:rPr lang="en-US" dirty="0" smtClean="0"/>
+              <a:t>network attack space</a:t>
             </a:r>
           </a:p>
           <a:p>
@@ -20489,11 +20552,12 @@
             </a:r>
             <a:r>
               <a:rPr lang="en-US" i="1" dirty="0" smtClean="0"/>
-              <a:t>my experience is companies simply choose the technology they are most familiar with and then switch if needed.</a:t>
-            </a:r>
-            <a:endParaRPr lang="en-US" i="1" dirty="0"/>
-          </a:p>
-          <a:p>
+              <a:t>my experience is companies simply choose the technology they are most familiar with and then switch if needed</a:t>
+            </a:r>
+            <a:r>
+              <a:rPr lang="en-US" i="1" dirty="0" smtClean="0"/>
+              <a:t>.</a:t>
+            </a:r>
             <a:endParaRPr lang="en-US" i="1" dirty="0"/>
           </a:p>
         </p:txBody>
@@ -20602,7 +20666,15 @@
             </a:r>
             <a:r>
               <a:rPr lang="en-US" dirty="0"/>
-              <a:t> host Bastion Host easy to setup</a:t>
+              <a:t> host Bastion </a:t>
+            </a:r>
+            <a:r>
+              <a:rPr lang="en-US" dirty="0" smtClean="0"/>
+              <a:t>Host is </a:t>
+            </a:r>
+            <a:r>
+              <a:rPr lang="en-US" dirty="0"/>
+              <a:t>easy to setup</a:t>
             </a:r>
           </a:p>
           <a:p>
@@ -20842,22 +20914,22 @@
           <a:p>
             <a:r>
               <a:rPr lang="en-US" dirty="0" smtClean="0"/>
-              <a:t>no configuration for services outside of SSH/RDP</a:t>
-            </a:r>
-          </a:p>
-          <a:p>
-            <a:r>
-              <a:rPr lang="en-US" dirty="0" smtClean="0"/>
-              <a:t>VPN use generally straight-forward and familiar</a:t>
-            </a:r>
-          </a:p>
-          <a:p>
-            <a:r>
-              <a:rPr lang="en-US" dirty="0" smtClean="0"/>
-              <a:t>VPN may be challenging to manage for smaller organizations</a:t>
-            </a:r>
-          </a:p>
-          <a:p>
+              <a:t>VPN </a:t>
+            </a:r>
+            <a:r>
+              <a:rPr lang="en-US" dirty="0" smtClean="0"/>
+              <a:t>use generally straight-forward and familiar</a:t>
+            </a:r>
+          </a:p>
+          <a:p>
+            <a:r>
+              <a:rPr lang="en-US" dirty="0" smtClean="0"/>
+              <a:t>VPN may be challenging to manage for smaller </a:t>
+            </a:r>
+            <a:r>
+              <a:rPr lang="en-US" dirty="0" smtClean="0"/>
+              <a:t>organizations</a:t>
+            </a:r>
             <a:endParaRPr lang="en-US" dirty="0" smtClean="0"/>
           </a:p>
         </p:txBody>
@@ -21108,11 +21180,7 @@
           <a:p>
             <a:r>
               <a:rPr lang="en-US" dirty="0" smtClean="0"/>
-              <a:t>Increased cost resulting from </a:t>
-            </a:r>
-            <a:r>
-              <a:rPr lang="en-US" dirty="0" smtClean="0"/>
-              <a:t>additional infrastructure</a:t>
+              <a:t>Increased cost resulting from additional infrastructure</a:t>
             </a:r>
             <a:endParaRPr lang="en-US" dirty="0"/>
           </a:p>
@@ -21194,8 +21262,28 @@
           <a:p>
             <a:r>
               <a:rPr lang="en-US" dirty="0" smtClean="0"/>
-              <a:t>If off-site, clients must either VPN to on-site location or VPN directly to AWS</a:t>
-            </a:r>
+              <a:t>If off-site, clients </a:t>
+            </a:r>
+            <a:r>
+              <a:rPr lang="en-US" dirty="0" smtClean="0"/>
+              <a:t>will not be able to utilize Site to Site VPN:</a:t>
+            </a:r>
+          </a:p>
+          <a:p>
+            <a:pPr lvl="1"/>
+            <a:r>
+              <a:rPr lang="en-US" dirty="0" smtClean="0"/>
+              <a:t>Off-site clients will need to use client VPN to VPC or client </a:t>
+            </a:r>
+            <a:r>
+              <a:rPr lang="en-US" dirty="0" err="1" smtClean="0"/>
+              <a:t>ssh</a:t>
+            </a:r>
+            <a:r>
+              <a:rPr lang="en-US" dirty="0" smtClean="0"/>
+              <a:t> to VPC</a:t>
+            </a:r>
+            <a:endParaRPr lang="en-US" dirty="0" smtClean="0"/>
           </a:p>
         </p:txBody>
       </p:sp>
@@ -21408,7 +21496,23 @@
           <a:p>
             <a:r>
               <a:rPr lang="en-US" dirty="0" smtClean="0"/>
-              <a:t>Company with non-technical users of AWS resources, all in one office and comfortable with on-site security: Site to Site VPN + VPN</a:t>
+              <a:t>Company with non-technical users of AWS resources, all in one office and comfortable with </a:t>
+            </a:r>
+            <a:r>
+              <a:rPr lang="en-US" dirty="0" smtClean="0"/>
+              <a:t>existing </a:t>
+            </a:r>
+            <a:r>
+              <a:rPr lang="en-US" dirty="0" err="1" smtClean="0"/>
+              <a:t>on-premise</a:t>
+            </a:r>
+            <a:r>
+              <a:rPr lang="en-US" dirty="0" smtClean="0"/>
+              <a:t> </a:t>
+            </a:r>
+            <a:r>
+              <a:rPr lang="en-US" dirty="0" smtClean="0"/>
+              <a:t>security: Site to Site VPN + VPN</a:t>
             </a:r>
           </a:p>
         </p:txBody>
@@ -21639,7 +21743,6 @@
               <a:rPr lang="en-US" dirty="0" smtClean="0"/>
               <a:t>Connectivity:</a:t>
             </a:r>
-            <a:endParaRPr lang="en-US" dirty="0" smtClean="0"/>
           </a:p>
           <a:p>
             <a:pPr lvl="2"/>

--- a/aws-vpc/aws-vpc.pptx
+++ b/aws-vpc/aws-vpc.pptx
@@ -240,7 +240,7 @@
           <a:p>
             <a:fld id="{1B6676A5-1300-B945-98B1-DD92DDC3A3CB}" type="datetimeFigureOut">
               <a:rPr lang="en-US" smtClean="0"/>
-              <a:t>12/1/15</a:t>
+              <a:t>12/2/15</a:t>
             </a:fld>
             <a:endParaRPr lang="en-US"/>
           </a:p>
@@ -732,7 +732,15 @@
             </a:pPr>
             <a:r>
               <a:rPr lang="en-US" dirty="0" smtClean="0"/>
-              <a:t>I’d prefer to isolate resources based</a:t>
+              <a:t>I’d prefer to </a:t>
+            </a:r>
+            <a:r>
+              <a:rPr lang="en-US" dirty="0" smtClean="0"/>
+              <a:t>isolate management of </a:t>
+            </a:r>
+            <a:r>
+              <a:rPr lang="en-US" dirty="0" smtClean="0"/>
+              <a:t>resources based</a:t>
             </a:r>
             <a:r>
               <a:rPr lang="en-US" baseline="0" dirty="0" smtClean="0"/>
@@ -2691,6 +2699,24 @@
           <a:bodyPr/>
           <a:lstStyle/>
           <a:p>
+            <a:r>
+              <a:rPr lang="en-US" dirty="0" smtClean="0"/>
+              <a:t>Presenter’s Note:</a:t>
+            </a:r>
+          </a:p>
+          <a:p>
+            <a:pPr marL="171450" indent="-171450">
+              <a:buFont typeface="Arial" charset="0"/>
+              <a:buChar char="•"/>
+            </a:pPr>
+            <a:r>
+              <a:rPr lang="en-US" dirty="0" err="1" smtClean="0"/>
+              <a:t>ssh</a:t>
+            </a:r>
+            <a:r>
+              <a:rPr lang="en-US" dirty="0" smtClean="0"/>
+              <a:t> Host does not necessarily need to be in Public Subnet</a:t>
+            </a:r>
             <a:endParaRPr lang="en-US" dirty="0" smtClean="0"/>
           </a:p>
         </p:txBody>
@@ -3227,7 +3253,79 @@
           <a:bodyPr/>
           <a:lstStyle/>
           <a:p>
+            <a:pPr marL="171450" marR="0" indent="-171450" algn="l" defTabSz="457200" rtl="0" eaLnBrk="1" fontAlgn="auto" latinLnBrk="0" hangingPunct="1">
+              <a:lnSpc>
+                <a:spcPct val="100000"/>
+              </a:lnSpc>
+              <a:spcBef>
+                <a:spcPts val="0"/>
+              </a:spcBef>
+              <a:spcAft>
+                <a:spcPts val="0"/>
+              </a:spcAft>
+              <a:buClrTx/>
+              <a:buSzTx/>
+              <a:buFont typeface="Arial" charset="0"/>
+              <a:buChar char="•"/>
+              <a:tabLst/>
+              <a:defRPr/>
+            </a:pPr>
+            <a:r>
+              <a:rPr lang="en-US" dirty="0" smtClean="0"/>
+              <a:t>Company with non-technical users of AWS resources: VPN</a:t>
+            </a:r>
+          </a:p>
+          <a:p>
+            <a:pPr marL="628650" marR="0" lvl="1" indent="-171450" algn="l" defTabSz="457200" rtl="0" eaLnBrk="1" fontAlgn="auto" latinLnBrk="0" hangingPunct="1">
+              <a:lnSpc>
+                <a:spcPct val="100000"/>
+              </a:lnSpc>
+              <a:spcBef>
+                <a:spcPts val="0"/>
+              </a:spcBef>
+              <a:spcAft>
+                <a:spcPts val="0"/>
+              </a:spcAft>
+              <a:buClrTx/>
+              <a:buSzTx/>
+              <a:buFont typeface="Arial" charset="0"/>
+              <a:buChar char="•"/>
+              <a:tabLst/>
+              <a:defRPr/>
+            </a:pPr>
+            <a:r>
+              <a:rPr lang="en-US" dirty="0" err="1" smtClean="0"/>
+              <a:t>ssh</a:t>
+            </a:r>
+            <a:r>
+              <a:rPr lang="en-US" dirty="0" smtClean="0"/>
+              <a:t> tricks such as SOCKS proxy can</a:t>
+            </a:r>
+            <a:r>
+              <a:rPr lang="en-US" baseline="0" dirty="0" smtClean="0"/>
+              <a:t> be tricky for non-technical users</a:t>
+            </a:r>
             <a:endParaRPr lang="en-US" dirty="0" smtClean="0"/>
+          </a:p>
+          <a:p>
+            <a:pPr marL="171450" marR="0" indent="-171450" algn="l" defTabSz="457200" rtl="0" eaLnBrk="1" fontAlgn="auto" latinLnBrk="0" hangingPunct="1">
+              <a:lnSpc>
+                <a:spcPct val="100000"/>
+              </a:lnSpc>
+              <a:spcBef>
+                <a:spcPts val="0"/>
+              </a:spcBef>
+              <a:spcAft>
+                <a:spcPts val="0"/>
+              </a:spcAft>
+              <a:buClrTx/>
+              <a:buSzTx/>
+              <a:buFont typeface="Arial" charset="0"/>
+              <a:buChar char="•"/>
+              <a:tabLst/>
+              <a:defRPr/>
+            </a:pPr>
+            <a:endParaRPr lang="en-US" baseline="0" dirty="0" smtClean="0"/>
           </a:p>
         </p:txBody>
       </p:sp>
@@ -5793,7 +5891,7 @@
           <a:p>
             <a:fld id="{7CE38E4D-051A-41E1-86A4-E56916468FD0}" type="datetimeFigureOut">
               <a:rPr lang="en-US" smtClean="0"/>
-              <a:t>12/1/15</a:t>
+              <a:t>12/2/15</a:t>
             </a:fld>
             <a:endParaRPr lang="en-US"/>
           </a:p>
@@ -5974,7 +6072,7 @@
           <a:p>
             <a:fld id="{7CE38E4D-051A-41E1-86A4-E56916468FD0}" type="datetimeFigureOut">
               <a:rPr lang="en-US" smtClean="0"/>
-              <a:t>12/1/15</a:t>
+              <a:t>12/2/15</a:t>
             </a:fld>
             <a:endParaRPr lang="en-US"/>
           </a:p>
@@ -6125,7 +6223,7 @@
           <a:p>
             <a:fld id="{7CE38E4D-051A-41E1-86A4-E56916468FD0}" type="datetimeFigureOut">
               <a:rPr lang="en-US" smtClean="0"/>
-              <a:t>12/1/15</a:t>
+              <a:t>12/2/15</a:t>
             </a:fld>
             <a:endParaRPr lang="en-US"/>
           </a:p>
@@ -7951,7 +8049,7 @@
           <a:p>
             <a:fld id="{7CE38E4D-051A-41E1-86A4-E56916468FD0}" type="datetimeFigureOut">
               <a:rPr lang="en-US" smtClean="0"/>
-              <a:t>12/1/15</a:t>
+              <a:t>12/2/15</a:t>
             </a:fld>
             <a:endParaRPr lang="en-US"/>
           </a:p>
@@ -9821,7 +9919,7 @@
           <a:p>
             <a:fld id="{7CE38E4D-051A-41E1-86A4-E56916468FD0}" type="datetimeFigureOut">
               <a:rPr lang="en-US" smtClean="0"/>
-              <a:t>12/1/15</a:t>
+              <a:t>12/2/15</a:t>
             </a:fld>
             <a:endParaRPr lang="en-US"/>
           </a:p>
@@ -9934,7 +10032,7 @@
           <a:p>
             <a:fld id="{7CE38E4D-051A-41E1-86A4-E56916468FD0}" type="datetimeFigureOut">
               <a:rPr lang="en-US" smtClean="0"/>
-              <a:t>12/1/15</a:t>
+              <a:t>12/2/15</a:t>
             </a:fld>
             <a:endParaRPr lang="en-US"/>
           </a:p>
@@ -10475,7 +10573,7 @@
           <a:p>
             <a:fld id="{7CE38E4D-051A-41E1-86A4-E56916468FD0}" type="datetimeFigureOut">
               <a:rPr lang="en-US" smtClean="0"/>
-              <a:t>12/1/15</a:t>
+              <a:t>12/2/15</a:t>
             </a:fld>
             <a:endParaRPr lang="en-US"/>
           </a:p>
@@ -10588,7 +10686,7 @@
           <a:p>
             <a:fld id="{7CE38E4D-051A-41E1-86A4-E56916468FD0}" type="datetimeFigureOut">
               <a:rPr lang="en-US" smtClean="0"/>
-              <a:t>12/1/15</a:t>
+              <a:t>12/2/15</a:t>
             </a:fld>
             <a:endParaRPr lang="en-US"/>
           </a:p>
@@ -12299,7 +12397,7 @@
           <a:p>
             <a:fld id="{7CE38E4D-051A-41E1-86A4-E56916468FD0}" type="datetimeFigureOut">
               <a:rPr lang="en-US" smtClean="0"/>
-              <a:t>12/1/15</a:t>
+              <a:t>12/2/15</a:t>
             </a:fld>
             <a:endParaRPr lang="en-US"/>
           </a:p>
@@ -12450,7 +12548,7 @@
           <a:p>
             <a:fld id="{7CE38E4D-051A-41E1-86A4-E56916468FD0}" type="datetimeFigureOut">
               <a:rPr lang="en-US" smtClean="0"/>
-              <a:t>12/1/15</a:t>
+              <a:t>12/2/15</a:t>
             </a:fld>
             <a:endParaRPr lang="en-US"/>
           </a:p>
@@ -16065,7 +16163,7 @@
           <a:p>
             <a:fld id="{7CE38E4D-051A-41E1-86A4-E56916468FD0}" type="datetimeFigureOut">
               <a:rPr lang="en-US" smtClean="0"/>
-              <a:t>12/1/15</a:t>
+              <a:t>12/2/15</a:t>
             </a:fld>
             <a:endParaRPr lang="en-US"/>
           </a:p>
@@ -17924,7 +18022,7 @@
           <a:p>
             <a:fld id="{7CE38E4D-051A-41E1-86A4-E56916468FD0}" type="datetimeFigureOut">
               <a:rPr lang="en-US" smtClean="0"/>
-              <a:t>12/1/15</a:t>
+              <a:t>12/2/15</a:t>
             </a:fld>
             <a:endParaRPr lang="en-US"/>
           </a:p>
@@ -18554,7 +18652,7 @@
         <p:spPr/>
         <p:txBody>
           <a:bodyPr>
-            <a:normAutofit/>
+            <a:normAutofit lnSpcReduction="10000"/>
           </a:bodyPr>
           <a:lstStyle/>
           <a:p>
@@ -18574,8 +18672,20 @@
             <a:pPr lvl="1"/>
             <a:r>
               <a:rPr lang="en-US" dirty="0" smtClean="0"/>
-              <a:t>Hosts using Internet Gateway must still have Public IP Address</a:t>
-            </a:r>
+              <a:t>Hosts using Internet Gateway must still have Public IP </a:t>
+            </a:r>
+            <a:r>
+              <a:rPr lang="en-US" dirty="0" smtClean="0"/>
+              <a:t>Address</a:t>
+            </a:r>
+          </a:p>
+          <a:p>
+            <a:pPr lvl="1"/>
+            <a:r>
+              <a:rPr lang="en-US" dirty="0" smtClean="0"/>
+              <a:t>Use with NAT EC2 instance to allow servers with private IP addresses access to Public Internet</a:t>
+            </a:r>
+            <a:endParaRPr lang="en-US" dirty="0" smtClean="0"/>
           </a:p>
           <a:p>
             <a:r>
@@ -18594,7 +18704,15 @@
             <a:pPr lvl="1"/>
             <a:r>
               <a:rPr lang="en-US" dirty="0" smtClean="0"/>
-              <a:t>Inbound and Outbound Rules</a:t>
+              <a:t>Inbound </a:t>
+            </a:r>
+            <a:r>
+              <a:rPr lang="en-US" i="1" dirty="0" smtClean="0"/>
+              <a:t>and</a:t>
+            </a:r>
+            <a:r>
+              <a:rPr lang="en-US" dirty="0" smtClean="0"/>
+              <a:t> Outbound Rules</a:t>
             </a:r>
           </a:p>
           <a:p>
@@ -18690,16 +18808,11 @@
               <a:rPr lang="en-US" dirty="0" smtClean="0"/>
               <a:t>Examples:</a:t>
             </a:r>
-            <a:endParaRPr lang="en-US" dirty="0" smtClean="0"/>
-          </a:p>
-          <a:p>
-            <a:r>
-              <a:rPr lang="en-US" dirty="0" smtClean="0"/>
-              <a:t>1 </a:t>
-            </a:r>
-            <a:r>
-              <a:rPr lang="en-US" dirty="0" smtClean="0"/>
-              <a:t>VPC</a:t>
+          </a:p>
+          <a:p>
+            <a:r>
+              <a:rPr lang="en-US" dirty="0" smtClean="0"/>
+              <a:t>1 VPC</a:t>
             </a:r>
           </a:p>
           <a:p>
@@ -18717,17 +18830,17 @@
           <a:p>
             <a:r>
               <a:rPr lang="en-US" dirty="0" smtClean="0"/>
-              <a:t>1 VPC per Environment per </a:t>
-            </a:r>
-            <a:r>
-              <a:rPr lang="en-US" dirty="0" smtClean="0"/>
-              <a:t>Application</a:t>
-            </a:r>
-          </a:p>
-          <a:p>
-            <a:r>
-              <a:rPr lang="en-US" dirty="0" smtClean="0"/>
-              <a:t>Other</a:t>
+              <a:t>1 VPC per Environment per Application</a:t>
+            </a:r>
+          </a:p>
+          <a:p>
+            <a:r>
+              <a:rPr lang="en-US" dirty="0" smtClean="0"/>
+              <a:t>And so on</a:t>
+            </a:r>
+            <a:r>
+              <a:rPr lang="is-IS" dirty="0" smtClean="0"/>
+              <a:t>….</a:t>
             </a:r>
             <a:endParaRPr lang="en-US" dirty="0" smtClean="0"/>
           </a:p>
@@ -18869,7 +18982,15 @@
           <a:p>
             <a:r>
               <a:rPr lang="en-US" dirty="0" smtClean="0"/>
-              <a:t>Isolating Resources is more Difficult</a:t>
+              <a:t>Isolating </a:t>
+            </a:r>
+            <a:r>
+              <a:rPr lang="en-US" dirty="0" smtClean="0"/>
+              <a:t>Management of Resources </a:t>
+            </a:r>
+            <a:r>
+              <a:rPr lang="en-US" dirty="0" smtClean="0"/>
+              <a:t>is more Difficult</a:t>
             </a:r>
             <a:endParaRPr lang="en-US" dirty="0"/>
           </a:p>
@@ -19282,7 +19403,7 @@
         <p:spPr/>
         <p:txBody>
           <a:bodyPr>
-            <a:normAutofit/>
+            <a:normAutofit fontScale="92500" lnSpcReduction="20000"/>
           </a:bodyPr>
           <a:lstStyle/>
           <a:p>
@@ -19308,13 +19429,54 @@
           <a:p>
             <a:r>
               <a:rPr lang="en-US" dirty="0" smtClean="0"/>
-              <a:t>VPN to VPC</a:t>
-            </a:r>
-          </a:p>
-          <a:p>
-            <a:r>
-              <a:rPr lang="en-US" dirty="0" smtClean="0"/>
-              <a:t>VPC Peering</a:t>
+              <a:t>Site to Site VPN</a:t>
+            </a:r>
+          </a:p>
+          <a:p>
+            <a:r>
+              <a:rPr lang="en-US" dirty="0" smtClean="0"/>
+              <a:t>Client to Gateway</a:t>
+            </a:r>
+          </a:p>
+          <a:p>
+            <a:pPr lvl="1"/>
+            <a:r>
+              <a:rPr lang="en-US" dirty="0" err="1"/>
+              <a:t>s</a:t>
+            </a:r>
+            <a:r>
+              <a:rPr lang="en-US" dirty="0" err="1" smtClean="0"/>
+              <a:t>sh</a:t>
+            </a:r>
+            <a:r>
+              <a:rPr lang="en-US" dirty="0" smtClean="0"/>
+              <a:t> Server</a:t>
+            </a:r>
+          </a:p>
+          <a:p>
+            <a:pPr lvl="1"/>
+            <a:r>
+              <a:rPr lang="en-US" dirty="0" smtClean="0"/>
+              <a:t>RDP Server</a:t>
+            </a:r>
+            <a:endParaRPr lang="en-US" dirty="0" smtClean="0"/>
+          </a:p>
+          <a:p>
+            <a:pPr lvl="1"/>
+            <a:r>
+              <a:rPr lang="en-US" dirty="0" smtClean="0"/>
+              <a:t>VPN Server</a:t>
+            </a:r>
+            <a:endParaRPr lang="en-US" dirty="0" smtClean="0"/>
+          </a:p>
+          <a:p>
+            <a:r>
+              <a:rPr lang="en-US" dirty="0" smtClean="0"/>
+              <a:t>VPC </a:t>
+            </a:r>
+            <a:r>
+              <a:rPr lang="en-US" dirty="0" smtClean="0"/>
+              <a:t>Peering</a:t>
             </a:r>
           </a:p>
           <a:p>
@@ -19412,15 +19574,7 @@
           <a:p>
             <a:r>
               <a:rPr lang="en-US" dirty="0" smtClean="0"/>
-              <a:t>If instances have Private IP address, </a:t>
-            </a:r>
-            <a:r>
-              <a:rPr lang="en-US" dirty="0" smtClean="0"/>
-              <a:t>require use of </a:t>
-            </a:r>
-            <a:r>
-              <a:rPr lang="en-US" dirty="0" smtClean="0"/>
-              <a:t>a NAT server</a:t>
+              <a:t>If instances have Private IP address, require use of a NAT server</a:t>
             </a:r>
           </a:p>
         </p:txBody>
@@ -19746,41 +19900,70 @@
             </a:r>
             <a:r>
               <a:rPr lang="en-US" dirty="0" smtClean="0"/>
-              <a:t>uses the following:</a:t>
+              <a:t>requires</a:t>
+            </a:r>
+            <a:r>
+              <a:rPr lang="en-US" dirty="0" smtClean="0"/>
+              <a:t> </a:t>
+            </a:r>
+            <a:r>
+              <a:rPr lang="en-US" dirty="0" smtClean="0"/>
+              <a:t>the following:</a:t>
+            </a:r>
+          </a:p>
+          <a:p>
+            <a:pPr lvl="1"/>
+            <a:r>
+              <a:rPr lang="en-US" dirty="0" smtClean="0"/>
+              <a:t>A Customer Gateway (Customer Equipment)</a:t>
+            </a:r>
+          </a:p>
+          <a:p>
+            <a:pPr lvl="1"/>
+            <a:r>
+              <a:rPr lang="en-US" dirty="0" smtClean="0"/>
+              <a:t>A Virtual Private Gateway (AWS Equipment)</a:t>
+            </a:r>
+          </a:p>
+          <a:p>
+            <a:r>
+              <a:rPr lang="en-US" dirty="0" smtClean="0"/>
+              <a:t>Example use cases:</a:t>
+            </a:r>
+          </a:p>
+          <a:p>
+            <a:pPr lvl="1"/>
+            <a:r>
+              <a:rPr lang="en-US" dirty="0" smtClean="0"/>
+              <a:t>Connect </a:t>
+            </a:r>
+            <a:r>
+              <a:rPr lang="en-US" dirty="0" smtClean="0"/>
+              <a:t>a Data Center </a:t>
+            </a:r>
+            <a:r>
+              <a:rPr lang="en-US" dirty="0" smtClean="0"/>
+              <a:t>to a VPC</a:t>
+            </a:r>
+          </a:p>
+          <a:p>
+            <a:pPr lvl="1"/>
+            <a:r>
+              <a:rPr lang="en-US" dirty="0" smtClean="0"/>
+              <a:t>Connect an </a:t>
+            </a:r>
+            <a:r>
+              <a:rPr lang="en-US" dirty="0" smtClean="0"/>
+              <a:t>Office to a VPC</a:t>
+            </a:r>
+          </a:p>
+          <a:p>
+            <a:pPr lvl="1"/>
+            <a:r>
+              <a:rPr lang="en-US" dirty="0" smtClean="0"/>
+              <a:t>Connect a VPC to a VPC</a:t>
             </a:r>
             <a:endParaRPr lang="en-US" dirty="0" smtClean="0"/>
-          </a:p>
-          <a:p>
-            <a:pPr lvl="1"/>
-            <a:r>
-              <a:rPr lang="en-US" dirty="0" smtClean="0"/>
-              <a:t>A </a:t>
-            </a:r>
-            <a:r>
-              <a:rPr lang="en-US" dirty="0" smtClean="0"/>
-              <a:t>Customer </a:t>
-            </a:r>
-            <a:r>
-              <a:rPr lang="en-US" dirty="0" smtClean="0"/>
-              <a:t>Gateway (Customer Equipment)</a:t>
-            </a:r>
-          </a:p>
-          <a:p>
-            <a:pPr lvl="1"/>
-            <a:r>
-              <a:rPr lang="en-US" dirty="0" smtClean="0"/>
-              <a:t>A Virtual </a:t>
-            </a:r>
-            <a:r>
-              <a:rPr lang="en-US" dirty="0" smtClean="0"/>
-              <a:t>Private Gateway (AWS Equipment)</a:t>
-            </a:r>
-          </a:p>
-          <a:p>
-            <a:r>
-              <a:rPr lang="en-US" dirty="0" smtClean="0"/>
-              <a:t>Connect a Data Center or Office Location</a:t>
-            </a:r>
           </a:p>
         </p:txBody>
       </p:sp>
@@ -19877,14 +20060,45 @@
           <a:p>
             <a:r>
               <a:rPr lang="en-US" dirty="0" smtClean="0"/>
-              <a:t>Choice of IP addressing schemes: public or private</a:t>
-            </a:r>
-          </a:p>
-          <a:p>
-            <a:r>
-              <a:rPr lang="en-US" dirty="0" smtClean="0"/>
-              <a:t>Various Network Connectivity Options</a:t>
-            </a:r>
+              <a:t>Choice of IP addressing schemes: public or </a:t>
+            </a:r>
+            <a:r>
+              <a:rPr lang="en-US" dirty="0" smtClean="0"/>
+              <a:t>private</a:t>
+            </a:r>
+            <a:endParaRPr lang="en-US" dirty="0" smtClean="0"/>
+          </a:p>
+          <a:p>
+            <a:r>
+              <a:rPr lang="en-US" dirty="0" smtClean="0"/>
+              <a:t>Various Network Connectivity </a:t>
+            </a:r>
+            <a:r>
+              <a:rPr lang="en-US" dirty="0" smtClean="0"/>
+              <a:t>Options, examples:</a:t>
+            </a:r>
+          </a:p>
+          <a:p>
+            <a:pPr lvl="1"/>
+            <a:r>
+              <a:rPr lang="en-US" dirty="0" smtClean="0"/>
+              <a:t>Site to Site VPN</a:t>
+            </a:r>
+          </a:p>
+          <a:p>
+            <a:pPr lvl="1"/>
+            <a:r>
+              <a:rPr lang="en-US" dirty="0" smtClean="0"/>
+              <a:t>Internet Gateway</a:t>
+            </a:r>
+          </a:p>
+          <a:p>
+            <a:pPr lvl="1"/>
+            <a:r>
+              <a:rPr lang="en-US" dirty="0" smtClean="0"/>
+              <a:t>Etc.</a:t>
+            </a:r>
+            <a:endParaRPr lang="en-US" dirty="0" smtClean="0"/>
           </a:p>
         </p:txBody>
       </p:sp>
@@ -20488,7 +20702,7 @@
         <p:spPr/>
         <p:txBody>
           <a:bodyPr>
-            <a:normAutofit fontScale="92500" lnSpcReduction="10000"/>
+            <a:normAutofit fontScale="92500" lnSpcReduction="20000"/>
           </a:bodyPr>
           <a:lstStyle/>
           <a:p>
@@ -20504,22 +20718,33 @@
               <a:rPr lang="en-US" dirty="0" smtClean="0"/>
               <a:t> or RDP)</a:t>
             </a:r>
-            <a:endParaRPr lang="en-US" dirty="0" smtClean="0"/>
-          </a:p>
-          <a:p>
+          </a:p>
+          <a:p>
+            <a:r>
+              <a:rPr lang="en-US" dirty="0" smtClean="0"/>
+              <a:t>Connect to </a:t>
+            </a:r>
             <a:r>
               <a:rPr lang="en-US" dirty="0" err="1" smtClean="0"/>
               <a:t>ssh</a:t>
             </a:r>
             <a:r>
               <a:rPr lang="en-US" dirty="0" smtClean="0"/>
-              <a:t> Based Bastion Host</a:t>
-            </a:r>
-          </a:p>
-          <a:p>
-            <a:r>
-              <a:rPr lang="en-US" dirty="0" smtClean="0"/>
-              <a:t>VPN Based Bastion Host</a:t>
+              <a:t> </a:t>
+            </a:r>
+            <a:r>
+              <a:rPr lang="en-US" dirty="0" smtClean="0"/>
+              <a:t>Based Bastion Host</a:t>
+            </a:r>
+          </a:p>
+          <a:p>
+            <a:r>
+              <a:rPr lang="en-US" dirty="0" smtClean="0"/>
+              <a:t>Connect to VPN </a:t>
+            </a:r>
+            <a:r>
+              <a:rPr lang="en-US" dirty="0" smtClean="0"/>
+              <a:t>Based Bastion Host</a:t>
             </a:r>
           </a:p>
           <a:p>
@@ -20532,18 +20757,26 @@
             <a:pPr lvl="1"/>
             <a:r>
               <a:rPr lang="en-US" dirty="0" smtClean="0"/>
-              <a:t>Potentially Extends </a:t>
-            </a:r>
-            <a:r>
-              <a:rPr lang="en-US" dirty="0" smtClean="0"/>
-              <a:t>network attack space</a:t>
-            </a:r>
-          </a:p>
-          <a:p>
-            <a:r>
-              <a:rPr lang="en-US" dirty="0" smtClean="0"/>
-              <a:t>Hybrid Approach</a:t>
-            </a:r>
+              <a:t>Potentially Extends network attack space</a:t>
+            </a:r>
+          </a:p>
+          <a:p>
+            <a:r>
+              <a:rPr lang="en-US" dirty="0" smtClean="0"/>
+              <a:t>Hybrid </a:t>
+            </a:r>
+            <a:r>
+              <a:rPr lang="en-US" dirty="0" smtClean="0"/>
+              <a:t>Approach</a:t>
+            </a:r>
+          </a:p>
+          <a:p>
+            <a:pPr lvl="1"/>
+            <a:r>
+              <a:rPr lang="en-US" dirty="0" smtClean="0"/>
+              <a:t>Site to Site VPN with a Bastion Host</a:t>
+            </a:r>
+            <a:endParaRPr lang="en-US" dirty="0" smtClean="0"/>
           </a:p>
           <a:p>
             <a:r>
@@ -20552,11 +20785,7 @@
             </a:r>
             <a:r>
               <a:rPr lang="en-US" i="1" dirty="0" smtClean="0"/>
-              <a:t>my experience is companies simply choose the technology they are most familiar with and then switch if needed</a:t>
-            </a:r>
-            <a:r>
-              <a:rPr lang="en-US" i="1" dirty="0" smtClean="0"/>
-              <a:t>.</a:t>
+              <a:t>my experience is companies simply choose the technology they are most familiar with and then switch if needed.</a:t>
             </a:r>
             <a:endParaRPr lang="en-US" i="1" dirty="0"/>
           </a:p>
@@ -20581,7 +20810,11 @@
           <a:p>
             <a:r>
               <a:rPr lang="en-US" dirty="0" smtClean="0"/>
-              <a:t>VPC: Client Ingress Options</a:t>
+              <a:t>VPC: Client </a:t>
+            </a:r>
+            <a:r>
+              <a:rPr lang="en-US" dirty="0" smtClean="0"/>
+              <a:t>Connectivity Options</a:t>
             </a:r>
             <a:endParaRPr lang="en-US" dirty="0"/>
           </a:p>
@@ -20637,7 +20870,7 @@
         <p:spPr/>
         <p:txBody>
           <a:bodyPr>
-            <a:normAutofit/>
+            <a:normAutofit fontScale="92500" lnSpcReduction="10000"/>
           </a:bodyPr>
           <a:lstStyle/>
           <a:p>
@@ -20719,8 +20952,27 @@
             </a:r>
             <a:r>
               <a:rPr lang="en-US" dirty="0" smtClean="0"/>
-              <a:t>/RDP combination may be difficult</a:t>
-            </a:r>
+              <a:t>/RDP combination may be </a:t>
+            </a:r>
+            <a:r>
+              <a:rPr lang="en-US" dirty="0" smtClean="0"/>
+              <a:t>difficult</a:t>
+            </a:r>
+          </a:p>
+          <a:p>
+            <a:r>
+              <a:rPr lang="en-US" dirty="0" err="1"/>
+              <a:t>s</a:t>
+            </a:r>
+            <a:r>
+              <a:rPr lang="en-US" dirty="0" err="1" smtClean="0"/>
+              <a:t>sh</a:t>
+            </a:r>
+            <a:r>
+              <a:rPr lang="en-US" dirty="0" smtClean="0"/>
+              <a:t> Bastion host may be a single point of failure</a:t>
+            </a:r>
+            <a:endParaRPr lang="en-US" dirty="0" smtClean="0"/>
           </a:p>
           <a:p>
             <a:endParaRPr lang="en-US" dirty="0" smtClean="0"/>
@@ -20746,7 +20998,15 @@
           <a:p>
             <a:r>
               <a:rPr lang="en-US" dirty="0" smtClean="0"/>
-              <a:t>VPC Client Ingress: </a:t>
+              <a:t>VPC Client </a:t>
+            </a:r>
+            <a:r>
+              <a:rPr lang="en-US" dirty="0" err="1" smtClean="0"/>
+              <a:t>Connectity</a:t>
+            </a:r>
+            <a:r>
+              <a:rPr lang="en-US" dirty="0" smtClean="0"/>
+              <a:t>: </a:t>
             </a:r>
             <a:r>
               <a:rPr lang="en-US" dirty="0" err="1" smtClean="0"/>
@@ -20914,11 +21174,7 @@
           <a:p>
             <a:r>
               <a:rPr lang="en-US" dirty="0" smtClean="0"/>
-              <a:t>VPN </a:t>
-            </a:r>
-            <a:r>
-              <a:rPr lang="en-US" dirty="0" smtClean="0"/>
-              <a:t>use generally straight-forward and familiar</a:t>
+              <a:t>VPN use generally straight-forward and familiar</a:t>
             </a:r>
           </a:p>
           <a:p>
@@ -20929,6 +21185,12 @@
             <a:r>
               <a:rPr lang="en-US" dirty="0" smtClean="0"/>
               <a:t>organizations</a:t>
+            </a:r>
+          </a:p>
+          <a:p>
+            <a:r>
+              <a:rPr lang="en-US" dirty="0" smtClean="0"/>
+              <a:t>VPN endpoint may be a single point of failure</a:t>
             </a:r>
             <a:endParaRPr lang="en-US" dirty="0" smtClean="0"/>
           </a:p>
@@ -20953,7 +21215,19 @@
           <a:p>
             <a:r>
               <a:rPr lang="en-US" dirty="0" smtClean="0"/>
-              <a:t>VPC Client Ingress: VPN Host</a:t>
+              <a:t>VPC Client </a:t>
+            </a:r>
+            <a:r>
+              <a:rPr lang="en-US" dirty="0" smtClean="0"/>
+              <a:t>Connectivity</a:t>
+            </a:r>
+            <a:r>
+              <a:rPr lang="en-US" dirty="0" smtClean="0"/>
+              <a:t>: </a:t>
+            </a:r>
+            <a:r>
+              <a:rPr lang="en-US" dirty="0" smtClean="0"/>
+              <a:t>VPN Host</a:t>
             </a:r>
             <a:endParaRPr lang="en-US" dirty="0"/>
           </a:p>
@@ -21163,19 +21437,38 @@
         </p:nvSpPr>
         <p:spPr/>
         <p:txBody>
-          <a:bodyPr/>
+          <a:bodyPr>
+            <a:normAutofit/>
+          </a:bodyPr>
           <a:lstStyle/>
           <a:p>
             <a:r>
               <a:rPr lang="en-US" dirty="0" smtClean="0"/>
-              <a:t>Management of NAT servers</a:t>
-            </a:r>
-          </a:p>
-          <a:p>
-            <a:r>
-              <a:rPr lang="en-US" dirty="0" smtClean="0"/>
               <a:t>Increased complexity</a:t>
             </a:r>
+          </a:p>
+          <a:p>
+            <a:pPr lvl="1"/>
+            <a:r>
+              <a:rPr lang="en-US" dirty="0" smtClean="0"/>
+              <a:t>Possible </a:t>
+            </a:r>
+            <a:r>
+              <a:rPr lang="en-US" dirty="0"/>
+              <a:t>management of NAT </a:t>
+            </a:r>
+            <a:r>
+              <a:rPr lang="en-US" dirty="0" smtClean="0"/>
+              <a:t>servers</a:t>
+            </a:r>
+          </a:p>
+          <a:p>
+            <a:pPr lvl="1"/>
+            <a:r>
+              <a:rPr lang="en-US" dirty="0" smtClean="0"/>
+              <a:t>Additional Resources such as Internet Gateways</a:t>
+            </a:r>
+            <a:endParaRPr lang="en-US" dirty="0" smtClean="0"/>
           </a:p>
           <a:p>
             <a:r>
@@ -21236,7 +21529,7 @@
         <p:spPr/>
         <p:txBody>
           <a:bodyPr>
-            <a:normAutofit/>
+            <a:normAutofit lnSpcReduction="10000"/>
           </a:bodyPr>
           <a:lstStyle/>
           <a:p>
@@ -21248,7 +21541,11 @@
           <a:p>
             <a:r>
               <a:rPr lang="en-US" dirty="0" smtClean="0"/>
-              <a:t>On-site network security</a:t>
+              <a:t>On-premise network </a:t>
+            </a:r>
+            <a:r>
+              <a:rPr lang="en-US" dirty="0" smtClean="0"/>
+              <a:t>security</a:t>
             </a:r>
             <a:r>
               <a:rPr lang="en-US" dirty="0"/>
@@ -21256,17 +21553,37 @@
             </a:r>
             <a:r>
               <a:rPr lang="en-US" dirty="0" smtClean="0"/>
-              <a:t>must meet standards required by company</a:t>
-            </a:r>
-          </a:p>
-          <a:p>
-            <a:r>
-              <a:rPr lang="en-US" dirty="0" smtClean="0"/>
-              <a:t>If off-site, clients </a:t>
-            </a:r>
-            <a:r>
-              <a:rPr lang="en-US" dirty="0" smtClean="0"/>
-              <a:t>will not be able to utilize Site to Site VPN:</a:t>
+              <a:t>should meet security standards </a:t>
+            </a:r>
+            <a:r>
+              <a:rPr lang="en-US" dirty="0" smtClean="0"/>
+              <a:t>required by </a:t>
+            </a:r>
+            <a:r>
+              <a:rPr lang="en-US" dirty="0" smtClean="0"/>
+              <a:t>company</a:t>
+            </a:r>
+          </a:p>
+          <a:p>
+            <a:pPr lvl="1"/>
+            <a:r>
+              <a:rPr lang="en-US" dirty="0" smtClean="0"/>
+              <a:t>Example: if on-site network is open and on-site network is allowed to access VPC</a:t>
+            </a:r>
+            <a:endParaRPr lang="en-US" dirty="0" smtClean="0"/>
+          </a:p>
+          <a:p>
+            <a:r>
+              <a:rPr lang="en-US" dirty="0" smtClean="0"/>
+              <a:t>If </a:t>
+            </a:r>
+            <a:r>
+              <a:rPr lang="en-US" dirty="0" smtClean="0"/>
+              <a:t>off-site, </a:t>
+            </a:r>
+            <a:r>
+              <a:rPr lang="en-US" dirty="0" smtClean="0"/>
+              <a:t>clients will not be able to utilize Site to Site VPN:</a:t>
             </a:r>
           </a:p>
           <a:p>
@@ -21281,8 +21598,15 @@
             </a:r>
             <a:r>
               <a:rPr lang="en-US" dirty="0" smtClean="0"/>
-              <a:t> to VPC</a:t>
-            </a:r>
+              <a:t> to </a:t>
+            </a:r>
+            <a:r>
+              <a:rPr lang="en-US" dirty="0" smtClean="0"/>
+              <a:t>VPC or VPN into on-site network</a:t>
+            </a:r>
+          </a:p>
+          <a:p>
+            <a:pPr lvl="1"/>
             <a:endParaRPr lang="en-US" dirty="0" smtClean="0"/>
           </a:p>
         </p:txBody>
@@ -21306,7 +21630,15 @@
           <a:p>
             <a:r>
               <a:rPr lang="en-US" dirty="0" smtClean="0"/>
-              <a:t>VPC Client Ingress: Site to Site VPN</a:t>
+              <a:t>VPC Client </a:t>
+            </a:r>
+            <a:r>
+              <a:rPr lang="en-US" dirty="0" smtClean="0"/>
+              <a:t>Connectivity: </a:t>
+            </a:r>
+            <a:r>
+              <a:rPr lang="en-US" dirty="0" smtClean="0"/>
+              <a:t>Site to Site VPN</a:t>
             </a:r>
             <a:endParaRPr lang="en-US" dirty="0"/>
           </a:p>
@@ -21452,7 +21784,7 @@
         <p:spPr/>
         <p:txBody>
           <a:bodyPr>
-            <a:normAutofit/>
+            <a:normAutofit lnSpcReduction="10000"/>
           </a:bodyPr>
           <a:lstStyle/>
           <a:p>
@@ -21496,11 +21828,7 @@
           <a:p>
             <a:r>
               <a:rPr lang="en-US" dirty="0" smtClean="0"/>
-              <a:t>Company with non-technical users of AWS resources, all in one office and comfortable with </a:t>
-            </a:r>
-            <a:r>
-              <a:rPr lang="en-US" dirty="0" smtClean="0"/>
-              <a:t>existing </a:t>
+              <a:t>Company with non-technical users of AWS resources, all in one office and comfortable with existing </a:t>
             </a:r>
             <a:r>
               <a:rPr lang="en-US" dirty="0" err="1" smtClean="0"/>
@@ -21512,8 +21840,25 @@
             </a:r>
             <a:r>
               <a:rPr lang="en-US" dirty="0" smtClean="0"/>
-              <a:t>security: Site to Site VPN + VPN</a:t>
-            </a:r>
+              <a:t>network security</a:t>
+            </a:r>
+            <a:r>
+              <a:rPr lang="en-US" dirty="0" smtClean="0"/>
+              <a:t>: Site to Site VPN + </a:t>
+            </a:r>
+            <a:r>
+              <a:rPr lang="en-US" dirty="0" smtClean="0"/>
+              <a:t>off-</a:t>
+            </a:r>
+            <a:r>
+              <a:rPr lang="en-US" dirty="0" smtClean="0"/>
+              <a:t>premise </a:t>
+            </a:r>
+            <a:r>
+              <a:rPr lang="en-US" dirty="0" smtClean="0"/>
+              <a:t>VPN</a:t>
+            </a:r>
+            <a:endParaRPr lang="en-US" dirty="0" smtClean="0"/>
           </a:p>
         </p:txBody>
       </p:sp>
@@ -21530,13 +21875,21 @@
         <p:spPr/>
         <p:txBody>
           <a:bodyPr>
-            <a:normAutofit/>
+            <a:normAutofit fontScale="90000"/>
           </a:bodyPr>
           <a:lstStyle/>
           <a:p>
             <a:r>
               <a:rPr lang="en-US" dirty="0" smtClean="0"/>
-              <a:t>VPC Client Ingress: Suggestions</a:t>
+              <a:t>VPC Client </a:t>
+            </a:r>
+            <a:r>
+              <a:rPr lang="en-US" dirty="0" smtClean="0"/>
+              <a:t>Connectivity: </a:t>
+            </a:r>
+            <a:r>
+              <a:rPr lang="en-US" dirty="0" smtClean="0"/>
+              <a:t>Suggestions</a:t>
             </a:r>
             <a:endParaRPr lang="en-US" dirty="0"/>
           </a:p>
@@ -21644,8 +21997,12 @@
           <a:lstStyle/>
           <a:p>
             <a:r>
-              <a:rPr lang="en-US" dirty="0" smtClean="0"/>
-              <a:t>Hands On: Create a VPC</a:t>
+              <a:rPr lang="en-US" smtClean="0"/>
+              <a:t>Lab: </a:t>
+            </a:r>
+            <a:r>
+              <a:rPr lang="en-US" dirty="0" smtClean="0"/>
+              <a:t>Create a VPC</a:t>
             </a:r>
             <a:endParaRPr lang="en-US" dirty="0"/>
           </a:p>
@@ -21851,8 +22208,13 @@
           <a:p>
             <a:r>
               <a:rPr lang="en-US" dirty="0" smtClean="0"/>
-              <a:t>Always includes VPC CIDR Range</a:t>
-            </a:r>
+              <a:t>Always includes VPC CIDR </a:t>
+            </a:r>
+            <a:r>
+              <a:rPr lang="en-US" dirty="0" smtClean="0"/>
+              <a:t>Range</a:t>
+            </a:r>
+            <a:endParaRPr lang="en-US" dirty="0" smtClean="0"/>
           </a:p>
           <a:p>
             <a:r>
